--- a/Homework3/Homework3.pptx
+++ b/Homework3/Homework3.pptx
@@ -14,7 +14,11 @@
     <p:sldId id="262" r:id="rId8"/>
     <p:sldId id="263" r:id="rId9"/>
     <p:sldId id="264" r:id="rId10"/>
-    <p:sldId id="267" r:id="rId11"/>
+    <p:sldId id="268" r:id="rId11"/>
+    <p:sldId id="267" r:id="rId12"/>
+    <p:sldId id="269" r:id="rId13"/>
+    <p:sldId id="270" r:id="rId14"/>
+    <p:sldId id="271" r:id="rId15"/>
   </p:sldIdLst>
   <p:sldSz cx="12192000" cy="6858000"/>
   <p:notesSz cx="6858000" cy="9144000"/>
@@ -113,7 +117,412 @@
       </a:defRPr>
     </a:lvl9pPr>
   </p:defaultTextStyle>
+  <p:extLst>
+    <p:ext uri="{EFAFB233-063F-42B5-8137-9DF3F51BA10A}">
+      <p15:sldGuideLst xmlns:p15="http://schemas.microsoft.com/office/powerpoint/2012/main"/>
+    </p:ext>
+  </p:extLst>
 </p:presentation>
+</file>
+
+<file path=ppt/changesInfos/changesInfo1.xml><?xml version="1.0" encoding="utf-8"?>
+<pc:chgInfo xmlns:a="http://schemas.openxmlformats.org/drawingml/2006/main" xmlns:r="http://schemas.openxmlformats.org/officeDocument/2006/relationships" xmlns:ac="http://schemas.microsoft.com/office/drawing/2013/main/command" xmlns:pc="http://schemas.microsoft.com/office/powerpoint/2013/main/command">
+  <pc:docChgLst>
+    <pc:chgData name="Richard Zhou" userId="879be262f94dbe9a" providerId="LiveId" clId="{D7BFFE67-4D21-4B74-A168-57F203D17BD8}"/>
+    <pc:docChg chg="undo custSel addSld delSld modSld">
+      <pc:chgData name="Richard Zhou" userId="879be262f94dbe9a" providerId="LiveId" clId="{D7BFFE67-4D21-4B74-A168-57F203D17BD8}" dt="2023-03-21T05:22:30.051" v="2514" actId="1076"/>
+      <pc:docMkLst>
+        <pc:docMk/>
+      </pc:docMkLst>
+      <pc:sldChg chg="addSp modSp mod">
+        <pc:chgData name="Richard Zhou" userId="879be262f94dbe9a" providerId="LiveId" clId="{D7BFFE67-4D21-4B74-A168-57F203D17BD8}" dt="2023-03-21T05:14:12.740" v="2282" actId="1076"/>
+        <pc:sldMkLst>
+          <pc:docMk/>
+          <pc:sldMk cId="2518902268" sldId="257"/>
+        </pc:sldMkLst>
+        <pc:spChg chg="add mod">
+          <ac:chgData name="Richard Zhou" userId="879be262f94dbe9a" providerId="LiveId" clId="{D7BFFE67-4D21-4B74-A168-57F203D17BD8}" dt="2023-03-21T05:14:12.740" v="2282" actId="1076"/>
+          <ac:spMkLst>
+            <pc:docMk/>
+            <pc:sldMk cId="2518902268" sldId="257"/>
+            <ac:spMk id="6" creationId="{91215B7D-A855-BF67-41AA-A273A9AEECB5}"/>
+          </ac:spMkLst>
+        </pc:spChg>
+        <pc:picChg chg="add mod">
+          <ac:chgData name="Richard Zhou" userId="879be262f94dbe9a" providerId="LiveId" clId="{D7BFFE67-4D21-4B74-A168-57F203D17BD8}" dt="2023-03-21T05:11:15.375" v="2228" actId="14100"/>
+          <ac:picMkLst>
+            <pc:docMk/>
+            <pc:sldMk cId="2518902268" sldId="257"/>
+            <ac:picMk id="5" creationId="{F7CA9407-BC76-0EF3-C6B9-3EBA2A0AE32F}"/>
+          </ac:picMkLst>
+        </pc:picChg>
+      </pc:sldChg>
+      <pc:sldChg chg="addSp modSp mod">
+        <pc:chgData name="Richard Zhou" userId="879be262f94dbe9a" providerId="LiveId" clId="{D7BFFE67-4D21-4B74-A168-57F203D17BD8}" dt="2023-03-21T05:14:31.840" v="2305" actId="20577"/>
+        <pc:sldMkLst>
+          <pc:docMk/>
+          <pc:sldMk cId="3117829863" sldId="258"/>
+        </pc:sldMkLst>
+        <pc:spChg chg="mod">
+          <ac:chgData name="Richard Zhou" userId="879be262f94dbe9a" providerId="LiveId" clId="{D7BFFE67-4D21-4B74-A168-57F203D17BD8}" dt="2023-03-21T05:11:53.718" v="2242" actId="20577"/>
+          <ac:spMkLst>
+            <pc:docMk/>
+            <pc:sldMk cId="3117829863" sldId="258"/>
+            <ac:spMk id="3" creationId="{3F704F13-B2AE-1B68-A23B-AB43ABC21F48}"/>
+          </ac:spMkLst>
+        </pc:spChg>
+        <pc:spChg chg="add mod">
+          <ac:chgData name="Richard Zhou" userId="879be262f94dbe9a" providerId="LiveId" clId="{D7BFFE67-4D21-4B74-A168-57F203D17BD8}" dt="2023-03-21T05:14:31.840" v="2305" actId="20577"/>
+          <ac:spMkLst>
+            <pc:docMk/>
+            <pc:sldMk cId="3117829863" sldId="258"/>
+            <ac:spMk id="6" creationId="{2700048E-FC42-F6B1-3FFE-93CF7D598D6B}"/>
+          </ac:spMkLst>
+        </pc:spChg>
+        <pc:picChg chg="add mod">
+          <ac:chgData name="Richard Zhou" userId="879be262f94dbe9a" providerId="LiveId" clId="{D7BFFE67-4D21-4B74-A168-57F203D17BD8}" dt="2023-03-21T05:12:13.645" v="2244" actId="1076"/>
+          <ac:picMkLst>
+            <pc:docMk/>
+            <pc:sldMk cId="3117829863" sldId="258"/>
+            <ac:picMk id="5" creationId="{83AAD7EC-BB15-D8DD-609B-5CCB01D13652}"/>
+          </ac:picMkLst>
+        </pc:picChg>
+      </pc:sldChg>
+      <pc:sldChg chg="addSp modSp mod">
+        <pc:chgData name="Richard Zhou" userId="879be262f94dbe9a" providerId="LiveId" clId="{D7BFFE67-4D21-4B74-A168-57F203D17BD8}" dt="2023-03-21T05:15:25.139" v="2325" actId="20577"/>
+        <pc:sldMkLst>
+          <pc:docMk/>
+          <pc:sldMk cId="2100132370" sldId="259"/>
+        </pc:sldMkLst>
+        <pc:spChg chg="mod">
+          <ac:chgData name="Richard Zhou" userId="879be262f94dbe9a" providerId="LiveId" clId="{D7BFFE67-4D21-4B74-A168-57F203D17BD8}" dt="2023-03-21T04:42:14.675" v="772" actId="5793"/>
+          <ac:spMkLst>
+            <pc:docMk/>
+            <pc:sldMk cId="2100132370" sldId="259"/>
+            <ac:spMk id="3" creationId="{24FE0395-AAA3-973A-2F6E-5E2BCEAD9902}"/>
+          </ac:spMkLst>
+        </pc:spChg>
+        <pc:spChg chg="add mod">
+          <ac:chgData name="Richard Zhou" userId="879be262f94dbe9a" providerId="LiveId" clId="{D7BFFE67-4D21-4B74-A168-57F203D17BD8}" dt="2023-03-21T05:15:25.139" v="2325" actId="20577"/>
+          <ac:spMkLst>
+            <pc:docMk/>
+            <pc:sldMk cId="2100132370" sldId="259"/>
+            <ac:spMk id="6" creationId="{63BD66F8-87E3-5DC4-B8FD-6F0B7AEE826A}"/>
+          </ac:spMkLst>
+        </pc:spChg>
+        <pc:picChg chg="add mod">
+          <ac:chgData name="Richard Zhou" userId="879be262f94dbe9a" providerId="LiveId" clId="{D7BFFE67-4D21-4B74-A168-57F203D17BD8}" dt="2023-03-21T05:12:48.811" v="2250" actId="1076"/>
+          <ac:picMkLst>
+            <pc:docMk/>
+            <pc:sldMk cId="2100132370" sldId="259"/>
+            <ac:picMk id="5" creationId="{DE03F05A-BF34-584D-6E00-F7F0A9B54841}"/>
+          </ac:picMkLst>
+        </pc:picChg>
+      </pc:sldChg>
+      <pc:sldChg chg="modSp mod">
+        <pc:chgData name="Richard Zhou" userId="879be262f94dbe9a" providerId="LiveId" clId="{D7BFFE67-4D21-4B74-A168-57F203D17BD8}" dt="2023-03-21T05:08:18.173" v="2035" actId="27636"/>
+        <pc:sldMkLst>
+          <pc:docMk/>
+          <pc:sldMk cId="3862471985" sldId="260"/>
+        </pc:sldMkLst>
+        <pc:spChg chg="mod">
+          <ac:chgData name="Richard Zhou" userId="879be262f94dbe9a" providerId="LiveId" clId="{D7BFFE67-4D21-4B74-A168-57F203D17BD8}" dt="2023-03-21T04:40:03.647" v="321" actId="20577"/>
+          <ac:spMkLst>
+            <pc:docMk/>
+            <pc:sldMk cId="3862471985" sldId="260"/>
+            <ac:spMk id="2" creationId="{AED4FB44-D600-7E16-4AE9-77359B16B5E7}"/>
+          </ac:spMkLst>
+        </pc:spChg>
+        <pc:spChg chg="mod">
+          <ac:chgData name="Richard Zhou" userId="879be262f94dbe9a" providerId="LiveId" clId="{D7BFFE67-4D21-4B74-A168-57F203D17BD8}" dt="2023-03-21T05:08:18.173" v="2035" actId="27636"/>
+          <ac:spMkLst>
+            <pc:docMk/>
+            <pc:sldMk cId="3862471985" sldId="260"/>
+            <ac:spMk id="3" creationId="{B3BFA350-B931-7D1D-EFA2-3493440C6E52}"/>
+          </ac:spMkLst>
+        </pc:spChg>
+      </pc:sldChg>
+      <pc:sldChg chg="addSp modSp mod">
+        <pc:chgData name="Richard Zhou" userId="879be262f94dbe9a" providerId="LiveId" clId="{D7BFFE67-4D21-4B74-A168-57F203D17BD8}" dt="2023-03-21T05:15:41.132" v="2353" actId="20577"/>
+        <pc:sldMkLst>
+          <pc:docMk/>
+          <pc:sldMk cId="2800256142" sldId="261"/>
+        </pc:sldMkLst>
+        <pc:spChg chg="mod">
+          <ac:chgData name="Richard Zhou" userId="879be262f94dbe9a" providerId="LiveId" clId="{D7BFFE67-4D21-4B74-A168-57F203D17BD8}" dt="2023-03-21T04:43:11.303" v="831" actId="20577"/>
+          <ac:spMkLst>
+            <pc:docMk/>
+            <pc:sldMk cId="2800256142" sldId="261"/>
+            <ac:spMk id="2" creationId="{06F1FEA8-3143-8D26-6B95-1DBEDC1F9DF0}"/>
+          </ac:spMkLst>
+        </pc:spChg>
+        <pc:spChg chg="mod">
+          <ac:chgData name="Richard Zhou" userId="879be262f94dbe9a" providerId="LiveId" clId="{D7BFFE67-4D21-4B74-A168-57F203D17BD8}" dt="2023-03-21T04:47:40.327" v="1099" actId="20577"/>
+          <ac:spMkLst>
+            <pc:docMk/>
+            <pc:sldMk cId="2800256142" sldId="261"/>
+            <ac:spMk id="3" creationId="{3E708D0D-9C97-E5D1-37A9-BAD4619021FB}"/>
+          </ac:spMkLst>
+        </pc:spChg>
+        <pc:spChg chg="add mod">
+          <ac:chgData name="Richard Zhou" userId="879be262f94dbe9a" providerId="LiveId" clId="{D7BFFE67-4D21-4B74-A168-57F203D17BD8}" dt="2023-03-21T05:15:41.132" v="2353" actId="20577"/>
+          <ac:spMkLst>
+            <pc:docMk/>
+            <pc:sldMk cId="2800256142" sldId="261"/>
+            <ac:spMk id="6" creationId="{A68C0345-84E1-0FE6-AEC0-5848B6D25938}"/>
+          </ac:spMkLst>
+        </pc:spChg>
+        <pc:picChg chg="add mod">
+          <ac:chgData name="Richard Zhou" userId="879be262f94dbe9a" providerId="LiveId" clId="{D7BFFE67-4D21-4B74-A168-57F203D17BD8}" dt="2023-03-21T04:47:46.327" v="1102" actId="1076"/>
+          <ac:picMkLst>
+            <pc:docMk/>
+            <pc:sldMk cId="2800256142" sldId="261"/>
+            <ac:picMk id="5" creationId="{E89FC72C-12E2-9293-8D64-7C3FAA7F051E}"/>
+          </ac:picMkLst>
+        </pc:picChg>
+      </pc:sldChg>
+      <pc:sldChg chg="modSp mod">
+        <pc:chgData name="Richard Zhou" userId="879be262f94dbe9a" providerId="LiveId" clId="{D7BFFE67-4D21-4B74-A168-57F203D17BD8}" dt="2023-03-21T04:49:21.931" v="1403" actId="27636"/>
+        <pc:sldMkLst>
+          <pc:docMk/>
+          <pc:sldMk cId="334205662" sldId="262"/>
+        </pc:sldMkLst>
+        <pc:spChg chg="mod">
+          <ac:chgData name="Richard Zhou" userId="879be262f94dbe9a" providerId="LiveId" clId="{D7BFFE67-4D21-4B74-A168-57F203D17BD8}" dt="2023-03-21T04:48:00.397" v="1135" actId="20577"/>
+          <ac:spMkLst>
+            <pc:docMk/>
+            <pc:sldMk cId="334205662" sldId="262"/>
+            <ac:spMk id="2" creationId="{9D1F52B5-BC54-4E1E-FEA0-DCE6126B1D9F}"/>
+          </ac:spMkLst>
+        </pc:spChg>
+        <pc:spChg chg="mod">
+          <ac:chgData name="Richard Zhou" userId="879be262f94dbe9a" providerId="LiveId" clId="{D7BFFE67-4D21-4B74-A168-57F203D17BD8}" dt="2023-03-21T04:49:21.931" v="1403" actId="27636"/>
+          <ac:spMkLst>
+            <pc:docMk/>
+            <pc:sldMk cId="334205662" sldId="262"/>
+            <ac:spMk id="3" creationId="{6E1BEA3A-17F0-9F44-82F3-C150F46D60CA}"/>
+          </ac:spMkLst>
+        </pc:spChg>
+      </pc:sldChg>
+      <pc:sldChg chg="modSp mod">
+        <pc:chgData name="Richard Zhou" userId="879be262f94dbe9a" providerId="LiveId" clId="{D7BFFE67-4D21-4B74-A168-57F203D17BD8}" dt="2023-03-21T04:52:03.994" v="1968" actId="20577"/>
+        <pc:sldMkLst>
+          <pc:docMk/>
+          <pc:sldMk cId="2463411082" sldId="263"/>
+        </pc:sldMkLst>
+        <pc:spChg chg="mod">
+          <ac:chgData name="Richard Zhou" userId="879be262f94dbe9a" providerId="LiveId" clId="{D7BFFE67-4D21-4B74-A168-57F203D17BD8}" dt="2023-03-21T04:49:36.767" v="1415" actId="20577"/>
+          <ac:spMkLst>
+            <pc:docMk/>
+            <pc:sldMk cId="2463411082" sldId="263"/>
+            <ac:spMk id="2" creationId="{63023658-5FB1-D08E-E00F-F73C2B1DDE11}"/>
+          </ac:spMkLst>
+        </pc:spChg>
+        <pc:spChg chg="mod">
+          <ac:chgData name="Richard Zhou" userId="879be262f94dbe9a" providerId="LiveId" clId="{D7BFFE67-4D21-4B74-A168-57F203D17BD8}" dt="2023-03-21T04:52:03.994" v="1968" actId="20577"/>
+          <ac:spMkLst>
+            <pc:docMk/>
+            <pc:sldMk cId="2463411082" sldId="263"/>
+            <ac:spMk id="3" creationId="{BA718EE6-4176-8E68-9295-4C1EB9F61DEC}"/>
+          </ac:spMkLst>
+        </pc:spChg>
+      </pc:sldChg>
+      <pc:sldChg chg="modSp mod">
+        <pc:chgData name="Richard Zhou" userId="879be262f94dbe9a" providerId="LiveId" clId="{D7BFFE67-4D21-4B74-A168-57F203D17BD8}" dt="2023-03-21T05:09:50.764" v="2209" actId="5793"/>
+        <pc:sldMkLst>
+          <pc:docMk/>
+          <pc:sldMk cId="251722658" sldId="264"/>
+        </pc:sldMkLst>
+        <pc:spChg chg="mod">
+          <ac:chgData name="Richard Zhou" userId="879be262f94dbe9a" providerId="LiveId" clId="{D7BFFE67-4D21-4B74-A168-57F203D17BD8}" dt="2023-03-21T05:09:50.764" v="2209" actId="5793"/>
+          <ac:spMkLst>
+            <pc:docMk/>
+            <pc:sldMk cId="251722658" sldId="264"/>
+            <ac:spMk id="3" creationId="{CFE8E18C-54F5-89A5-D2CE-E94533B19122}"/>
+          </ac:spMkLst>
+        </pc:spChg>
+      </pc:sldChg>
+      <pc:sldChg chg="addSp modSp add del mod">
+        <pc:chgData name="Richard Zhou" userId="879be262f94dbe9a" providerId="LiveId" clId="{D7BFFE67-4D21-4B74-A168-57F203D17BD8}" dt="2023-03-21T05:22:01.319" v="2502" actId="14100"/>
+        <pc:sldMkLst>
+          <pc:docMk/>
+          <pc:sldMk cId="1238178540" sldId="267"/>
+        </pc:sldMkLst>
+        <pc:spChg chg="mod">
+          <ac:chgData name="Richard Zhou" userId="879be262f94dbe9a" providerId="LiveId" clId="{D7BFFE67-4D21-4B74-A168-57F203D17BD8}" dt="2023-03-21T05:21:51.101" v="2498" actId="21"/>
+          <ac:spMkLst>
+            <pc:docMk/>
+            <pc:sldMk cId="1238178540" sldId="267"/>
+            <ac:spMk id="3" creationId="{D4B21330-B9F5-AEC1-5E82-118F38FE885D}"/>
+          </ac:spMkLst>
+        </pc:spChg>
+        <pc:picChg chg="add mod">
+          <ac:chgData name="Richard Zhou" userId="879be262f94dbe9a" providerId="LiveId" clId="{D7BFFE67-4D21-4B74-A168-57F203D17BD8}" dt="2023-03-21T05:22:01.319" v="2502" actId="14100"/>
+          <ac:picMkLst>
+            <pc:docMk/>
+            <pc:sldMk cId="1238178540" sldId="267"/>
+            <ac:picMk id="4" creationId="{F93D4201-57C1-9194-5CF7-6861B81ABCCF}"/>
+          </ac:picMkLst>
+        </pc:picChg>
+      </pc:sldChg>
+      <pc:sldChg chg="addSp delSp modSp new mod modClrScheme chgLayout">
+        <pc:chgData name="Richard Zhou" userId="879be262f94dbe9a" providerId="LiveId" clId="{D7BFFE67-4D21-4B74-A168-57F203D17BD8}" dt="2023-03-21T05:10:18.685" v="2223" actId="478"/>
+        <pc:sldMkLst>
+          <pc:docMk/>
+          <pc:sldMk cId="1236153849" sldId="268"/>
+        </pc:sldMkLst>
+        <pc:spChg chg="del mod ord">
+          <ac:chgData name="Richard Zhou" userId="879be262f94dbe9a" providerId="LiveId" clId="{D7BFFE67-4D21-4B74-A168-57F203D17BD8}" dt="2023-03-21T05:10:03.812" v="2211" actId="700"/>
+          <ac:spMkLst>
+            <pc:docMk/>
+            <pc:sldMk cId="1236153849" sldId="268"/>
+            <ac:spMk id="2" creationId="{75CE1DC1-EBF0-9A7C-B1E1-FEAFB9CA7EB7}"/>
+          </ac:spMkLst>
+        </pc:spChg>
+        <pc:spChg chg="del mod ord">
+          <ac:chgData name="Richard Zhou" userId="879be262f94dbe9a" providerId="LiveId" clId="{D7BFFE67-4D21-4B74-A168-57F203D17BD8}" dt="2023-03-21T05:10:03.812" v="2211" actId="700"/>
+          <ac:spMkLst>
+            <pc:docMk/>
+            <pc:sldMk cId="1236153849" sldId="268"/>
+            <ac:spMk id="3" creationId="{411AC905-5CF0-CDBB-0D4D-20D0439E1E01}"/>
+          </ac:spMkLst>
+        </pc:spChg>
+        <pc:spChg chg="add del mod ord">
+          <ac:chgData name="Richard Zhou" userId="879be262f94dbe9a" providerId="LiveId" clId="{D7BFFE67-4D21-4B74-A168-57F203D17BD8}" dt="2023-03-21T05:10:11.309" v="2212" actId="700"/>
+          <ac:spMkLst>
+            <pc:docMk/>
+            <pc:sldMk cId="1236153849" sldId="268"/>
+            <ac:spMk id="4" creationId="{FC3144C8-6577-7512-6F2A-F5A8DBE45A7C}"/>
+          </ac:spMkLst>
+        </pc:spChg>
+        <pc:spChg chg="add del mod ord">
+          <ac:chgData name="Richard Zhou" userId="879be262f94dbe9a" providerId="LiveId" clId="{D7BFFE67-4D21-4B74-A168-57F203D17BD8}" dt="2023-03-21T05:10:11.309" v="2212" actId="700"/>
+          <ac:spMkLst>
+            <pc:docMk/>
+            <pc:sldMk cId="1236153849" sldId="268"/>
+            <ac:spMk id="5" creationId="{A431E98A-80DE-5C30-44DC-E0B21AB277B0}"/>
+          </ac:spMkLst>
+        </pc:spChg>
+        <pc:spChg chg="add mod ord">
+          <ac:chgData name="Richard Zhou" userId="879be262f94dbe9a" providerId="LiveId" clId="{D7BFFE67-4D21-4B74-A168-57F203D17BD8}" dt="2023-03-21T05:10:14.683" v="2222" actId="20577"/>
+          <ac:spMkLst>
+            <pc:docMk/>
+            <pc:sldMk cId="1236153849" sldId="268"/>
+            <ac:spMk id="6" creationId="{7D0A20BD-7BEC-9769-B449-0C3B78C1AD33}"/>
+          </ac:spMkLst>
+        </pc:spChg>
+        <pc:spChg chg="add del mod ord">
+          <ac:chgData name="Richard Zhou" userId="879be262f94dbe9a" providerId="LiveId" clId="{D7BFFE67-4D21-4B74-A168-57F203D17BD8}" dt="2023-03-21T05:10:18.685" v="2223" actId="478"/>
+          <ac:spMkLst>
+            <pc:docMk/>
+            <pc:sldMk cId="1236153849" sldId="268"/>
+            <ac:spMk id="7" creationId="{78EBA6EF-AED1-334A-5420-7575C1990602}"/>
+          </ac:spMkLst>
+        </pc:spChg>
+      </pc:sldChg>
+      <pc:sldChg chg="addSp modSp new mod">
+        <pc:chgData name="Richard Zhou" userId="879be262f94dbe9a" providerId="LiveId" clId="{D7BFFE67-4D21-4B74-A168-57F203D17BD8}" dt="2023-03-21T05:22:11.155" v="2505" actId="14100"/>
+        <pc:sldMkLst>
+          <pc:docMk/>
+          <pc:sldMk cId="1818843209" sldId="269"/>
+        </pc:sldMkLst>
+        <pc:spChg chg="mod">
+          <ac:chgData name="Richard Zhou" userId="879be262f94dbe9a" providerId="LiveId" clId="{D7BFFE67-4D21-4B74-A168-57F203D17BD8}" dt="2023-03-21T05:21:21.102" v="2482"/>
+          <ac:spMkLst>
+            <pc:docMk/>
+            <pc:sldMk cId="1818843209" sldId="269"/>
+            <ac:spMk id="2" creationId="{935FA75C-89CA-7C7E-CD9D-DE8152C83222}"/>
+          </ac:spMkLst>
+        </pc:spChg>
+        <pc:spChg chg="mod">
+          <ac:chgData name="Richard Zhou" userId="879be262f94dbe9a" providerId="LiveId" clId="{D7BFFE67-4D21-4B74-A168-57F203D17BD8}" dt="2023-03-21T05:21:43.424" v="2494"/>
+          <ac:spMkLst>
+            <pc:docMk/>
+            <pc:sldMk cId="1818843209" sldId="269"/>
+            <ac:spMk id="3" creationId="{A7D931A1-A6E8-2224-9BE9-826F8CE76167}"/>
+          </ac:spMkLst>
+        </pc:spChg>
+        <pc:picChg chg="add mod">
+          <ac:chgData name="Richard Zhou" userId="879be262f94dbe9a" providerId="LiveId" clId="{D7BFFE67-4D21-4B74-A168-57F203D17BD8}" dt="2023-03-21T05:22:11.155" v="2505" actId="14100"/>
+          <ac:picMkLst>
+            <pc:docMk/>
+            <pc:sldMk cId="1818843209" sldId="269"/>
+            <ac:picMk id="4" creationId="{66AA907E-6720-267D-3A96-A39E9CC453E6}"/>
+          </ac:picMkLst>
+        </pc:picChg>
+      </pc:sldChg>
+      <pc:sldChg chg="addSp modSp new mod">
+        <pc:chgData name="Richard Zhou" userId="879be262f94dbe9a" providerId="LiveId" clId="{D7BFFE67-4D21-4B74-A168-57F203D17BD8}" dt="2023-03-21T05:22:19.466" v="2508" actId="14100"/>
+        <pc:sldMkLst>
+          <pc:docMk/>
+          <pc:sldMk cId="1253534995" sldId="270"/>
+        </pc:sldMkLst>
+        <pc:spChg chg="mod">
+          <ac:chgData name="Richard Zhou" userId="879be262f94dbe9a" providerId="LiveId" clId="{D7BFFE67-4D21-4B74-A168-57F203D17BD8}" dt="2023-03-21T05:21:22.218" v="2483"/>
+          <ac:spMkLst>
+            <pc:docMk/>
+            <pc:sldMk cId="1253534995" sldId="270"/>
+            <ac:spMk id="2" creationId="{4B96352B-DF71-877D-BE9A-224DEFB1F04B}"/>
+          </ac:spMkLst>
+        </pc:spChg>
+        <pc:spChg chg="mod">
+          <ac:chgData name="Richard Zhou" userId="879be262f94dbe9a" providerId="LiveId" clId="{D7BFFE67-4D21-4B74-A168-57F203D17BD8}" dt="2023-03-21T05:21:47.450" v="2496"/>
+          <ac:spMkLst>
+            <pc:docMk/>
+            <pc:sldMk cId="1253534995" sldId="270"/>
+            <ac:spMk id="3" creationId="{213D5B7D-75B0-4FA9-FED4-D911C00D684E}"/>
+          </ac:spMkLst>
+        </pc:spChg>
+        <pc:picChg chg="add mod">
+          <ac:chgData name="Richard Zhou" userId="879be262f94dbe9a" providerId="LiveId" clId="{D7BFFE67-4D21-4B74-A168-57F203D17BD8}" dt="2023-03-21T05:22:19.466" v="2508" actId="14100"/>
+          <ac:picMkLst>
+            <pc:docMk/>
+            <pc:sldMk cId="1253534995" sldId="270"/>
+            <ac:picMk id="4" creationId="{FD159195-0B94-6BE6-1C7E-0CD4DBAD4AD9}"/>
+          </ac:picMkLst>
+        </pc:picChg>
+      </pc:sldChg>
+      <pc:sldChg chg="addSp modSp new mod">
+        <pc:chgData name="Richard Zhou" userId="879be262f94dbe9a" providerId="LiveId" clId="{D7BFFE67-4D21-4B74-A168-57F203D17BD8}" dt="2023-03-21T05:22:30.051" v="2514" actId="1076"/>
+        <pc:sldMkLst>
+          <pc:docMk/>
+          <pc:sldMk cId="2917847638" sldId="271"/>
+        </pc:sldMkLst>
+        <pc:spChg chg="mod">
+          <ac:chgData name="Richard Zhou" userId="879be262f94dbe9a" providerId="LiveId" clId="{D7BFFE67-4D21-4B74-A168-57F203D17BD8}" dt="2023-03-21T05:21:23.232" v="2484"/>
+          <ac:spMkLst>
+            <pc:docMk/>
+            <pc:sldMk cId="2917847638" sldId="271"/>
+            <ac:spMk id="2" creationId="{439D9238-442C-3C55-134B-8AF697688D5F}"/>
+          </ac:spMkLst>
+        </pc:spChg>
+        <pc:spChg chg="mod">
+          <ac:chgData name="Richard Zhou" userId="879be262f94dbe9a" providerId="LiveId" clId="{D7BFFE67-4D21-4B74-A168-57F203D17BD8}" dt="2023-03-21T05:21:52.500" v="2499"/>
+          <ac:spMkLst>
+            <pc:docMk/>
+            <pc:sldMk cId="2917847638" sldId="271"/>
+            <ac:spMk id="3" creationId="{62EB0B60-67DA-7193-AE87-07BF92D6B4C9}"/>
+          </ac:spMkLst>
+        </pc:spChg>
+        <pc:picChg chg="add mod">
+          <ac:chgData name="Richard Zhou" userId="879be262f94dbe9a" providerId="LiveId" clId="{D7BFFE67-4D21-4B74-A168-57F203D17BD8}" dt="2023-03-21T05:22:30.051" v="2514" actId="1076"/>
+          <ac:picMkLst>
+            <pc:docMk/>
+            <pc:sldMk cId="2917847638" sldId="271"/>
+            <ac:picMk id="4" creationId="{3D789DB0-E03C-BAED-6E89-F0D9D136BCA4}"/>
+          </ac:picMkLst>
+        </pc:picChg>
+      </pc:sldChg>
+      <pc:sldChg chg="add del">
+        <pc:chgData name="Richard Zhou" userId="879be262f94dbe9a" providerId="LiveId" clId="{D7BFFE67-4D21-4B74-A168-57F203D17BD8}" dt="2023-03-21T05:21:38.437" v="2491"/>
+        <pc:sldMkLst>
+          <pc:docMk/>
+          <pc:sldMk cId="3428528455" sldId="272"/>
+        </pc:sldMkLst>
+      </pc:sldChg>
+    </pc:docChg>
+  </pc:docChgLst>
+</pc:chgInfo>
 </file>
 
 <file path=ppt/slideLayouts/slideLayout1.xml><?xml version="1.0" encoding="utf-8"?>
@@ -263,7 +672,7 @@
           <a:p>
             <a:fld id="{896478AD-9F90-41C8-B084-4D7276D4D686}" type="datetimeFigureOut">
               <a:rPr lang="en-US" smtClean="0"/>
-              <a:t>3/18/2023</a:t>
+              <a:t>3/21/2023</a:t>
             </a:fld>
             <a:endParaRPr lang="en-US"/>
           </a:p>
@@ -461,7 +870,7 @@
           <a:p>
             <a:fld id="{896478AD-9F90-41C8-B084-4D7276D4D686}" type="datetimeFigureOut">
               <a:rPr lang="en-US" smtClean="0"/>
-              <a:t>3/18/2023</a:t>
+              <a:t>3/21/2023</a:t>
             </a:fld>
             <a:endParaRPr lang="en-US"/>
           </a:p>
@@ -669,7 +1078,7 @@
           <a:p>
             <a:fld id="{896478AD-9F90-41C8-B084-4D7276D4D686}" type="datetimeFigureOut">
               <a:rPr lang="en-US" smtClean="0"/>
-              <a:t>3/18/2023</a:t>
+              <a:t>3/21/2023</a:t>
             </a:fld>
             <a:endParaRPr lang="en-US"/>
           </a:p>
@@ -867,7 +1276,7 @@
           <a:p>
             <a:fld id="{896478AD-9F90-41C8-B084-4D7276D4D686}" type="datetimeFigureOut">
               <a:rPr lang="en-US" smtClean="0"/>
-              <a:t>3/18/2023</a:t>
+              <a:t>3/21/2023</a:t>
             </a:fld>
             <a:endParaRPr lang="en-US"/>
           </a:p>
@@ -1142,7 +1551,7 @@
           <a:p>
             <a:fld id="{896478AD-9F90-41C8-B084-4D7276D4D686}" type="datetimeFigureOut">
               <a:rPr lang="en-US" smtClean="0"/>
-              <a:t>3/18/2023</a:t>
+              <a:t>3/21/2023</a:t>
             </a:fld>
             <a:endParaRPr lang="en-US"/>
           </a:p>
@@ -1407,7 +1816,7 @@
           <a:p>
             <a:fld id="{896478AD-9F90-41C8-B084-4D7276D4D686}" type="datetimeFigureOut">
               <a:rPr lang="en-US" smtClean="0"/>
-              <a:t>3/18/2023</a:t>
+              <a:t>3/21/2023</a:t>
             </a:fld>
             <a:endParaRPr lang="en-US"/>
           </a:p>
@@ -1819,7 +2228,7 @@
           <a:p>
             <a:fld id="{896478AD-9F90-41C8-B084-4D7276D4D686}" type="datetimeFigureOut">
               <a:rPr lang="en-US" smtClean="0"/>
-              <a:t>3/18/2023</a:t>
+              <a:t>3/21/2023</a:t>
             </a:fld>
             <a:endParaRPr lang="en-US"/>
           </a:p>
@@ -1960,7 +2369,7 @@
           <a:p>
             <a:fld id="{896478AD-9F90-41C8-B084-4D7276D4D686}" type="datetimeFigureOut">
               <a:rPr lang="en-US" smtClean="0"/>
-              <a:t>3/18/2023</a:t>
+              <a:t>3/21/2023</a:t>
             </a:fld>
             <a:endParaRPr lang="en-US"/>
           </a:p>
@@ -2073,7 +2482,7 @@
           <a:p>
             <a:fld id="{896478AD-9F90-41C8-B084-4D7276D4D686}" type="datetimeFigureOut">
               <a:rPr lang="en-US" smtClean="0"/>
-              <a:t>3/18/2023</a:t>
+              <a:t>3/21/2023</a:t>
             </a:fld>
             <a:endParaRPr lang="en-US"/>
           </a:p>
@@ -2384,7 +2793,7 @@
           <a:p>
             <a:fld id="{896478AD-9F90-41C8-B084-4D7276D4D686}" type="datetimeFigureOut">
               <a:rPr lang="en-US" smtClean="0"/>
-              <a:t>3/18/2023</a:t>
+              <a:t>3/21/2023</a:t>
             </a:fld>
             <a:endParaRPr lang="en-US"/>
           </a:p>
@@ -2672,7 +3081,7 @@
           <a:p>
             <a:fld id="{896478AD-9F90-41C8-B084-4D7276D4D686}" type="datetimeFigureOut">
               <a:rPr lang="en-US" smtClean="0"/>
-              <a:t>3/18/2023</a:t>
+              <a:t>3/21/2023</a:t>
             </a:fld>
             <a:endParaRPr lang="en-US"/>
           </a:p>
@@ -2913,7 +3322,7 @@
           <a:p>
             <a:fld id="{896478AD-9F90-41C8-B084-4D7276D4D686}" type="datetimeFigureOut">
               <a:rPr lang="en-US" smtClean="0"/>
-              <a:t>3/18/2023</a:t>
+              <a:t>3/21/2023</a:t>
             </a:fld>
             <a:endParaRPr lang="en-US"/>
           </a:p>
@@ -3422,6 +3831,64 @@
       </p:grpSpPr>
       <p:sp>
         <p:nvSpPr>
+          <p:cNvPr id="6" name="Title 5">
+            <a:extLst>
+              <a:ext uri="{FF2B5EF4-FFF2-40B4-BE49-F238E27FC236}">
+                <a16:creationId xmlns:a16="http://schemas.microsoft.com/office/drawing/2014/main" id="{7D0A20BD-7BEC-9769-B449-0C3B78C1AD33}"/>
+              </a:ext>
+            </a:extLst>
+          </p:cNvPr>
+          <p:cNvSpPr>
+            <a:spLocks noGrp="1"/>
+          </p:cNvSpPr>
+          <p:nvPr>
+            <p:ph type="ctrTitle"/>
+          </p:nvPr>
+        </p:nvSpPr>
+        <p:spPr/>
+        <p:txBody>
+          <a:bodyPr/>
+          <a:lstStyle/>
+          <a:p>
+            <a:r>
+              <a:rPr lang="en-US" dirty="0"/>
+              <a:t>Questions?</a:t>
+            </a:r>
+          </a:p>
+        </p:txBody>
+      </p:sp>
+    </p:spTree>
+    <p:extLst>
+      <p:ext uri="{BB962C8B-B14F-4D97-AF65-F5344CB8AC3E}">
+        <p14:creationId xmlns:p14="http://schemas.microsoft.com/office/powerpoint/2010/main" val="1236153849"/>
+      </p:ext>
+    </p:extLst>
+  </p:cSld>
+  <p:clrMapOvr>
+    <a:masterClrMapping/>
+  </p:clrMapOvr>
+</p:sld>
+</file>
+
+<file path=ppt/slides/slide11.xml><?xml version="1.0" encoding="utf-8"?>
+<p:sld xmlns:a="http://schemas.openxmlformats.org/drawingml/2006/main" xmlns:r="http://schemas.openxmlformats.org/officeDocument/2006/relationships" xmlns:p="http://schemas.openxmlformats.org/presentationml/2006/main">
+  <p:cSld>
+    <p:spTree>
+      <p:nvGrpSpPr>
+        <p:cNvPr id="1" name=""/>
+        <p:cNvGrpSpPr/>
+        <p:nvPr/>
+      </p:nvGrpSpPr>
+      <p:grpSpPr>
+        <a:xfrm>
+          <a:off x="0" y="0"/>
+          <a:ext cx="0" cy="0"/>
+          <a:chOff x="0" y="0"/>
+          <a:chExt cx="0" cy="0"/>
+        </a:xfrm>
+      </p:grpSpPr>
+      <p:sp>
+        <p:nvSpPr>
           <p:cNvPr id="2" name="Title 1">
             <a:extLst>
               <a:ext uri="{FF2B5EF4-FFF2-40B4-BE49-F238E27FC236}">
@@ -3469,14 +3936,447 @@
           <a:bodyPr/>
           <a:lstStyle/>
           <a:p>
+            <a:r>
+              <a:rPr lang="en-US" dirty="0">
+                <a:hlinkClick r:id="rId2" action="ppaction://hlinksldjump"/>
+              </a:rPr>
+              <a:t>Figure 1</a:t>
+            </a:r>
             <a:endParaRPr lang="en-US" dirty="0"/>
           </a:p>
-        </p:txBody>
-      </p:sp>
+          <a:p>
+            <a:pPr lvl="1"/>
+            <a:r>
+              <a:rPr lang="en-US" dirty="0"/>
+              <a:t>Cost Matrix, Slide 2</a:t>
+            </a:r>
+          </a:p>
+          <a:p>
+            <a:endParaRPr lang="en-US" dirty="0"/>
+          </a:p>
+        </p:txBody>
+      </p:sp>
+      <p:pic>
+        <p:nvPicPr>
+          <p:cNvPr id="4" name="Picture 3">
+            <a:extLst>
+              <a:ext uri="{FF2B5EF4-FFF2-40B4-BE49-F238E27FC236}">
+                <a16:creationId xmlns:a16="http://schemas.microsoft.com/office/drawing/2014/main" id="{F93D4201-57C1-9194-5CF7-6861B81ABCCF}"/>
+              </a:ext>
+            </a:extLst>
+          </p:cNvPr>
+          <p:cNvPicPr>
+            <a:picLocks noChangeAspect="1"/>
+          </p:cNvPicPr>
+          <p:nvPr/>
+        </p:nvPicPr>
+        <p:blipFill>
+          <a:blip r:embed="rId3"/>
+          <a:stretch>
+            <a:fillRect/>
+          </a:stretch>
+        </p:blipFill>
+        <p:spPr>
+          <a:xfrm>
+            <a:off x="1331544" y="3036162"/>
+            <a:ext cx="7776221" cy="1597981"/>
+          </a:xfrm>
+          <a:prstGeom prst="rect">
+            <a:avLst/>
+          </a:prstGeom>
+        </p:spPr>
+      </p:pic>
     </p:spTree>
     <p:extLst>
       <p:ext uri="{BB962C8B-B14F-4D97-AF65-F5344CB8AC3E}">
         <p14:creationId xmlns:p14="http://schemas.microsoft.com/office/powerpoint/2010/main" val="1238178540"/>
+      </p:ext>
+    </p:extLst>
+  </p:cSld>
+  <p:clrMapOvr>
+    <a:masterClrMapping/>
+  </p:clrMapOvr>
+</p:sld>
+</file>
+
+<file path=ppt/slides/slide12.xml><?xml version="1.0" encoding="utf-8"?>
+<p:sld xmlns:a="http://schemas.openxmlformats.org/drawingml/2006/main" xmlns:r="http://schemas.openxmlformats.org/officeDocument/2006/relationships" xmlns:p="http://schemas.openxmlformats.org/presentationml/2006/main">
+  <p:cSld>
+    <p:spTree>
+      <p:nvGrpSpPr>
+        <p:cNvPr id="1" name=""/>
+        <p:cNvGrpSpPr/>
+        <p:nvPr/>
+      </p:nvGrpSpPr>
+      <p:grpSpPr>
+        <a:xfrm>
+          <a:off x="0" y="0"/>
+          <a:ext cx="0" cy="0"/>
+          <a:chOff x="0" y="0"/>
+          <a:chExt cx="0" cy="0"/>
+        </a:xfrm>
+      </p:grpSpPr>
+      <p:sp>
+        <p:nvSpPr>
+          <p:cNvPr id="2" name="Title 1">
+            <a:extLst>
+              <a:ext uri="{FF2B5EF4-FFF2-40B4-BE49-F238E27FC236}">
+                <a16:creationId xmlns:a16="http://schemas.microsoft.com/office/drawing/2014/main" id="{935FA75C-89CA-7C7E-CD9D-DE8152C83222}"/>
+              </a:ext>
+            </a:extLst>
+          </p:cNvPr>
+          <p:cNvSpPr>
+            <a:spLocks noGrp="1"/>
+          </p:cNvSpPr>
+          <p:nvPr>
+            <p:ph type="title"/>
+          </p:nvPr>
+        </p:nvSpPr>
+        <p:spPr/>
+        <p:txBody>
+          <a:bodyPr/>
+          <a:lstStyle/>
+          <a:p>
+            <a:r>
+              <a:rPr lang="en-US" dirty="0"/>
+              <a:t>Appendix</a:t>
+            </a:r>
+          </a:p>
+        </p:txBody>
+      </p:sp>
+      <p:sp>
+        <p:nvSpPr>
+          <p:cNvPr id="3" name="Content Placeholder 2">
+            <a:extLst>
+              <a:ext uri="{FF2B5EF4-FFF2-40B4-BE49-F238E27FC236}">
+                <a16:creationId xmlns:a16="http://schemas.microsoft.com/office/drawing/2014/main" id="{A7D931A1-A6E8-2224-9BE9-826F8CE76167}"/>
+              </a:ext>
+            </a:extLst>
+          </p:cNvPr>
+          <p:cNvSpPr>
+            <a:spLocks noGrp="1"/>
+          </p:cNvSpPr>
+          <p:nvPr>
+            <p:ph idx="1"/>
+          </p:nvPr>
+        </p:nvSpPr>
+        <p:spPr/>
+        <p:txBody>
+          <a:bodyPr/>
+          <a:lstStyle/>
+          <a:p>
+            <a:r>
+              <a:rPr lang="en-US" dirty="0">
+                <a:hlinkClick r:id="rId2" action="ppaction://hlinksldjump"/>
+              </a:rPr>
+              <a:t>Figure 2</a:t>
+            </a:r>
+            <a:endParaRPr lang="en-US" dirty="0"/>
+          </a:p>
+          <a:p>
+            <a:pPr lvl="1"/>
+            <a:r>
+              <a:rPr lang="en-US" dirty="0"/>
+              <a:t>P-value Chart, Slide 3</a:t>
+            </a:r>
+          </a:p>
+          <a:p>
+            <a:endParaRPr lang="en-US" dirty="0"/>
+          </a:p>
+        </p:txBody>
+      </p:sp>
+      <p:pic>
+        <p:nvPicPr>
+          <p:cNvPr id="4" name="Picture 3">
+            <a:extLst>
+              <a:ext uri="{FF2B5EF4-FFF2-40B4-BE49-F238E27FC236}">
+                <a16:creationId xmlns:a16="http://schemas.microsoft.com/office/drawing/2014/main" id="{66AA907E-6720-267D-3A96-A39E9CC453E6}"/>
+              </a:ext>
+            </a:extLst>
+          </p:cNvPr>
+          <p:cNvPicPr>
+            <a:picLocks noChangeAspect="1"/>
+          </p:cNvPicPr>
+          <p:nvPr/>
+        </p:nvPicPr>
+        <p:blipFill>
+          <a:blip r:embed="rId3"/>
+          <a:stretch>
+            <a:fillRect/>
+          </a:stretch>
+        </p:blipFill>
+        <p:spPr>
+          <a:xfrm>
+            <a:off x="1312138" y="3152774"/>
+            <a:ext cx="9172112" cy="780033"/>
+          </a:xfrm>
+          <a:prstGeom prst="rect">
+            <a:avLst/>
+          </a:prstGeom>
+        </p:spPr>
+      </p:pic>
+    </p:spTree>
+    <p:extLst>
+      <p:ext uri="{BB962C8B-B14F-4D97-AF65-F5344CB8AC3E}">
+        <p14:creationId xmlns:p14="http://schemas.microsoft.com/office/powerpoint/2010/main" val="1818843209"/>
+      </p:ext>
+    </p:extLst>
+  </p:cSld>
+  <p:clrMapOvr>
+    <a:masterClrMapping/>
+  </p:clrMapOvr>
+</p:sld>
+</file>
+
+<file path=ppt/slides/slide13.xml><?xml version="1.0" encoding="utf-8"?>
+<p:sld xmlns:a="http://schemas.openxmlformats.org/drawingml/2006/main" xmlns:r="http://schemas.openxmlformats.org/officeDocument/2006/relationships" xmlns:p="http://schemas.openxmlformats.org/presentationml/2006/main">
+  <p:cSld>
+    <p:spTree>
+      <p:nvGrpSpPr>
+        <p:cNvPr id="1" name=""/>
+        <p:cNvGrpSpPr/>
+        <p:nvPr/>
+      </p:nvGrpSpPr>
+      <p:grpSpPr>
+        <a:xfrm>
+          <a:off x="0" y="0"/>
+          <a:ext cx="0" cy="0"/>
+          <a:chOff x="0" y="0"/>
+          <a:chExt cx="0" cy="0"/>
+        </a:xfrm>
+      </p:grpSpPr>
+      <p:sp>
+        <p:nvSpPr>
+          <p:cNvPr id="2" name="Title 1">
+            <a:extLst>
+              <a:ext uri="{FF2B5EF4-FFF2-40B4-BE49-F238E27FC236}">
+                <a16:creationId xmlns:a16="http://schemas.microsoft.com/office/drawing/2014/main" id="{4B96352B-DF71-877D-BE9A-224DEFB1F04B}"/>
+              </a:ext>
+            </a:extLst>
+          </p:cNvPr>
+          <p:cNvSpPr>
+            <a:spLocks noGrp="1"/>
+          </p:cNvSpPr>
+          <p:nvPr>
+            <p:ph type="title"/>
+          </p:nvPr>
+        </p:nvSpPr>
+        <p:spPr/>
+        <p:txBody>
+          <a:bodyPr/>
+          <a:lstStyle/>
+          <a:p>
+            <a:r>
+              <a:rPr lang="en-US" dirty="0"/>
+              <a:t>Appendix</a:t>
+            </a:r>
+          </a:p>
+        </p:txBody>
+      </p:sp>
+      <p:sp>
+        <p:nvSpPr>
+          <p:cNvPr id="3" name="Content Placeholder 2">
+            <a:extLst>
+              <a:ext uri="{FF2B5EF4-FFF2-40B4-BE49-F238E27FC236}">
+                <a16:creationId xmlns:a16="http://schemas.microsoft.com/office/drawing/2014/main" id="{213D5B7D-75B0-4FA9-FED4-D911C00D684E}"/>
+              </a:ext>
+            </a:extLst>
+          </p:cNvPr>
+          <p:cNvSpPr>
+            <a:spLocks noGrp="1"/>
+          </p:cNvSpPr>
+          <p:nvPr>
+            <p:ph idx="1"/>
+          </p:nvPr>
+        </p:nvSpPr>
+        <p:spPr/>
+        <p:txBody>
+          <a:bodyPr/>
+          <a:lstStyle/>
+          <a:p>
+            <a:r>
+              <a:rPr lang="en-US" dirty="0">
+                <a:hlinkClick r:id="rId2" action="ppaction://hlinksldjump"/>
+              </a:rPr>
+              <a:t>Figure 3</a:t>
+            </a:r>
+            <a:endParaRPr lang="en-US" dirty="0"/>
+          </a:p>
+          <a:p>
+            <a:pPr lvl="1"/>
+            <a:r>
+              <a:rPr lang="en-US" dirty="0"/>
+              <a:t>Train-test split, slide 4</a:t>
+            </a:r>
+          </a:p>
+          <a:p>
+            <a:endParaRPr lang="en-US" dirty="0"/>
+          </a:p>
+        </p:txBody>
+      </p:sp>
+      <p:pic>
+        <p:nvPicPr>
+          <p:cNvPr id="4" name="Picture 3">
+            <a:extLst>
+              <a:ext uri="{FF2B5EF4-FFF2-40B4-BE49-F238E27FC236}">
+                <a16:creationId xmlns:a16="http://schemas.microsoft.com/office/drawing/2014/main" id="{FD159195-0B94-6BE6-1C7E-0CD4DBAD4AD9}"/>
+              </a:ext>
+            </a:extLst>
+          </p:cNvPr>
+          <p:cNvPicPr>
+            <a:picLocks noChangeAspect="1"/>
+          </p:cNvPicPr>
+          <p:nvPr/>
+        </p:nvPicPr>
+        <p:blipFill>
+          <a:blip r:embed="rId3"/>
+          <a:stretch>
+            <a:fillRect/>
+          </a:stretch>
+        </p:blipFill>
+        <p:spPr>
+          <a:xfrm>
+            <a:off x="1598331" y="3157815"/>
+            <a:ext cx="9036975" cy="952546"/>
+          </a:xfrm>
+          <a:prstGeom prst="rect">
+            <a:avLst/>
+          </a:prstGeom>
+        </p:spPr>
+      </p:pic>
+    </p:spTree>
+    <p:extLst>
+      <p:ext uri="{BB962C8B-B14F-4D97-AF65-F5344CB8AC3E}">
+        <p14:creationId xmlns:p14="http://schemas.microsoft.com/office/powerpoint/2010/main" val="1253534995"/>
+      </p:ext>
+    </p:extLst>
+  </p:cSld>
+  <p:clrMapOvr>
+    <a:masterClrMapping/>
+  </p:clrMapOvr>
+</p:sld>
+</file>
+
+<file path=ppt/slides/slide14.xml><?xml version="1.0" encoding="utf-8"?>
+<p:sld xmlns:a="http://schemas.openxmlformats.org/drawingml/2006/main" xmlns:r="http://schemas.openxmlformats.org/officeDocument/2006/relationships" xmlns:p="http://schemas.openxmlformats.org/presentationml/2006/main">
+  <p:cSld>
+    <p:spTree>
+      <p:nvGrpSpPr>
+        <p:cNvPr id="1" name=""/>
+        <p:cNvGrpSpPr/>
+        <p:nvPr/>
+      </p:nvGrpSpPr>
+      <p:grpSpPr>
+        <a:xfrm>
+          <a:off x="0" y="0"/>
+          <a:ext cx="0" cy="0"/>
+          <a:chOff x="0" y="0"/>
+          <a:chExt cx="0" cy="0"/>
+        </a:xfrm>
+      </p:grpSpPr>
+      <p:sp>
+        <p:nvSpPr>
+          <p:cNvPr id="2" name="Title 1">
+            <a:extLst>
+              <a:ext uri="{FF2B5EF4-FFF2-40B4-BE49-F238E27FC236}">
+                <a16:creationId xmlns:a16="http://schemas.microsoft.com/office/drawing/2014/main" id="{439D9238-442C-3C55-134B-8AF697688D5F}"/>
+              </a:ext>
+            </a:extLst>
+          </p:cNvPr>
+          <p:cNvSpPr>
+            <a:spLocks noGrp="1"/>
+          </p:cNvSpPr>
+          <p:nvPr>
+            <p:ph type="title"/>
+          </p:nvPr>
+        </p:nvSpPr>
+        <p:spPr/>
+        <p:txBody>
+          <a:bodyPr/>
+          <a:lstStyle/>
+          <a:p>
+            <a:r>
+              <a:rPr lang="en-US" dirty="0"/>
+              <a:t>Appendix</a:t>
+            </a:r>
+          </a:p>
+        </p:txBody>
+      </p:sp>
+      <p:sp>
+        <p:nvSpPr>
+          <p:cNvPr id="3" name="Content Placeholder 2">
+            <a:extLst>
+              <a:ext uri="{FF2B5EF4-FFF2-40B4-BE49-F238E27FC236}">
+                <a16:creationId xmlns:a16="http://schemas.microsoft.com/office/drawing/2014/main" id="{62EB0B60-67DA-7193-AE87-07BF92D6B4C9}"/>
+              </a:ext>
+            </a:extLst>
+          </p:cNvPr>
+          <p:cNvSpPr>
+            <a:spLocks noGrp="1"/>
+          </p:cNvSpPr>
+          <p:nvPr>
+            <p:ph idx="1"/>
+          </p:nvPr>
+        </p:nvSpPr>
+        <p:spPr/>
+        <p:txBody>
+          <a:bodyPr/>
+          <a:lstStyle/>
+          <a:p>
+            <a:r>
+              <a:rPr lang="en-US" dirty="0">
+                <a:hlinkClick r:id="rId2" action="ppaction://hlinksldjump"/>
+              </a:rPr>
+              <a:t>Figure 4</a:t>
+            </a:r>
+            <a:endParaRPr lang="en-US" dirty="0"/>
+          </a:p>
+          <a:p>
+            <a:pPr lvl="1"/>
+            <a:r>
+              <a:rPr lang="en-US" dirty="0"/>
+              <a:t>Correlation Chart, slide 6</a:t>
+            </a:r>
+          </a:p>
+          <a:p>
+            <a:endParaRPr lang="en-US" dirty="0"/>
+          </a:p>
+        </p:txBody>
+      </p:sp>
+      <p:pic>
+        <p:nvPicPr>
+          <p:cNvPr id="4" name="Picture 3">
+            <a:extLst>
+              <a:ext uri="{FF2B5EF4-FFF2-40B4-BE49-F238E27FC236}">
+                <a16:creationId xmlns:a16="http://schemas.microsoft.com/office/drawing/2014/main" id="{3D789DB0-E03C-BAED-6E89-F0D9D136BCA4}"/>
+              </a:ext>
+            </a:extLst>
+          </p:cNvPr>
+          <p:cNvPicPr>
+            <a:picLocks noChangeAspect="1"/>
+          </p:cNvPicPr>
+          <p:nvPr/>
+        </p:nvPicPr>
+        <p:blipFill>
+          <a:blip r:embed="rId3"/>
+          <a:stretch>
+            <a:fillRect/>
+          </a:stretch>
+        </p:blipFill>
+        <p:spPr>
+          <a:xfrm>
+            <a:off x="4944862" y="1524571"/>
+            <a:ext cx="5761607" cy="4733984"/>
+          </a:xfrm>
+          <a:prstGeom prst="rect">
+            <a:avLst/>
+          </a:prstGeom>
+        </p:spPr>
+      </p:pic>
+    </p:spTree>
+    <p:extLst>
+      <p:ext uri="{BB962C8B-B14F-4D97-AF65-F5344CB8AC3E}">
+        <p14:creationId xmlns:p14="http://schemas.microsoft.com/office/powerpoint/2010/main" val="2917847638"/>
       </p:ext>
     </p:extLst>
   </p:cSld>
@@ -3625,6 +4525,71 @@
               <a:t>1177065 </a:t>
             </a:r>
             <a:endParaRPr lang="en-US" dirty="0"/>
+          </a:p>
+        </p:txBody>
+      </p:sp>
+      <p:pic>
+        <p:nvPicPr>
+          <p:cNvPr id="5" name="Picture 4">
+            <a:extLst>
+              <a:ext uri="{FF2B5EF4-FFF2-40B4-BE49-F238E27FC236}">
+                <a16:creationId xmlns:a16="http://schemas.microsoft.com/office/drawing/2014/main" id="{F7CA9407-BC76-0EF3-C6B9-3EBA2A0AE32F}"/>
+              </a:ext>
+            </a:extLst>
+          </p:cNvPr>
+          <p:cNvPicPr>
+            <a:picLocks noChangeAspect="1"/>
+          </p:cNvPicPr>
+          <p:nvPr/>
+        </p:nvPicPr>
+        <p:blipFill>
+          <a:blip r:embed="rId2"/>
+          <a:stretch>
+            <a:fillRect/>
+          </a:stretch>
+        </p:blipFill>
+        <p:spPr>
+          <a:xfrm>
+            <a:off x="6116608" y="3551068"/>
+            <a:ext cx="5856547" cy="1203496"/>
+          </a:xfrm>
+          <a:prstGeom prst="rect">
+            <a:avLst/>
+          </a:prstGeom>
+        </p:spPr>
+      </p:pic>
+      <p:sp>
+        <p:nvSpPr>
+          <p:cNvPr id="6" name="TextBox 5">
+            <a:extLst>
+              <a:ext uri="{FF2B5EF4-FFF2-40B4-BE49-F238E27FC236}">
+                <a16:creationId xmlns:a16="http://schemas.microsoft.com/office/drawing/2014/main" id="{91215B7D-A855-BF67-41AA-A273A9AEECB5}"/>
+              </a:ext>
+            </a:extLst>
+          </p:cNvPr>
+          <p:cNvSpPr txBox="1"/>
+          <p:nvPr/>
+        </p:nvSpPr>
+        <p:spPr>
+          <a:xfrm>
+            <a:off x="8312318" y="4751001"/>
+            <a:ext cx="2647010" cy="276999"/>
+          </a:xfrm>
+          <a:prstGeom prst="rect">
+            <a:avLst/>
+          </a:prstGeom>
+          <a:noFill/>
+        </p:spPr>
+        <p:txBody>
+          <a:bodyPr wrap="square" rtlCol="0">
+            <a:spAutoFit/>
+          </a:bodyPr>
+          <a:lstStyle/>
+          <a:p>
+            <a:r>
+              <a:rPr lang="en-US" sz="1200" i="1" dirty="0"/>
+              <a:t>Figure 1: Cost matrix</a:t>
+            </a:r>
           </a:p>
         </p:txBody>
       </p:sp>
@@ -3752,7 +4717,7 @@
             </a:r>
             <a:r>
               <a:rPr lang="en-US" dirty="0"/>
-              <a:t>”</a:t>
+              <a:t>” correlation</a:t>
             </a:r>
           </a:p>
           <a:p>
@@ -3775,6 +4740,71 @@
             <a:r>
               <a:rPr lang="en-US" dirty="0"/>
               <a:t>Interesting correlations</a:t>
+            </a:r>
+          </a:p>
+        </p:txBody>
+      </p:sp>
+      <p:pic>
+        <p:nvPicPr>
+          <p:cNvPr id="5" name="Picture 4">
+            <a:extLst>
+              <a:ext uri="{FF2B5EF4-FFF2-40B4-BE49-F238E27FC236}">
+                <a16:creationId xmlns:a16="http://schemas.microsoft.com/office/drawing/2014/main" id="{83AAD7EC-BB15-D8DD-609B-5CCB01D13652}"/>
+              </a:ext>
+            </a:extLst>
+          </p:cNvPr>
+          <p:cNvPicPr>
+            <a:picLocks noChangeAspect="1"/>
+          </p:cNvPicPr>
+          <p:nvPr/>
+        </p:nvPicPr>
+        <p:blipFill>
+          <a:blip r:embed="rId2"/>
+          <a:stretch>
+            <a:fillRect/>
+          </a:stretch>
+        </p:blipFill>
+        <p:spPr>
+          <a:xfrm>
+            <a:off x="5360355" y="4866166"/>
+            <a:ext cx="6496050" cy="552450"/>
+          </a:xfrm>
+          <a:prstGeom prst="rect">
+            <a:avLst/>
+          </a:prstGeom>
+        </p:spPr>
+      </p:pic>
+      <p:sp>
+        <p:nvSpPr>
+          <p:cNvPr id="6" name="TextBox 5">
+            <a:extLst>
+              <a:ext uri="{FF2B5EF4-FFF2-40B4-BE49-F238E27FC236}">
+                <a16:creationId xmlns:a16="http://schemas.microsoft.com/office/drawing/2014/main" id="{2700048E-FC42-F6B1-3FFE-93CF7D598D6B}"/>
+              </a:ext>
+            </a:extLst>
+          </p:cNvPr>
+          <p:cNvSpPr txBox="1"/>
+          <p:nvPr/>
+        </p:nvSpPr>
+        <p:spPr>
+          <a:xfrm>
+            <a:off x="7167099" y="5418616"/>
+            <a:ext cx="2647010" cy="276999"/>
+          </a:xfrm>
+          <a:prstGeom prst="rect">
+            <a:avLst/>
+          </a:prstGeom>
+          <a:noFill/>
+        </p:spPr>
+        <p:txBody>
+          <a:bodyPr wrap="square" rtlCol="0">
+            <a:spAutoFit/>
+          </a:bodyPr>
+          <a:lstStyle/>
+          <a:p>
+            <a:r>
+              <a:rPr lang="en-US" sz="1200" i="1" dirty="0"/>
+              <a:t>Figure 2: p-value chart</a:t>
             </a:r>
           </a:p>
         </p:txBody>
@@ -3855,18 +4885,120 @@
         </p:nvSpPr>
         <p:spPr/>
         <p:txBody>
-          <a:bodyPr/>
-          <a:lstStyle/>
-          <a:p>
+          <a:bodyPr>
+            <a:normAutofit/>
+          </a:bodyPr>
+          <a:lstStyle/>
+          <a:p>
+            <a:r>
+              <a:rPr lang="en-US" dirty="0"/>
+              <a:t>What parts of the data did I keep?</a:t>
+            </a:r>
+          </a:p>
+          <a:p>
+            <a:pPr marL="0" indent="0">
+              <a:buNone/>
+            </a:pPr>
             <a:endParaRPr lang="en-US" dirty="0"/>
           </a:p>
           <a:p>
+            <a:r>
+              <a:rPr lang="en-US" dirty="0"/>
+              <a:t>Creating the classifier(0.3 test size)</a:t>
+            </a:r>
+          </a:p>
+          <a:p>
             <a:endParaRPr lang="en-US" dirty="0"/>
           </a:p>
           <a:p>
             <a:r>
               <a:rPr lang="en-US" dirty="0"/>
-              <a:t>Steps you took to analyze the data and build/evaluate the classifier(s). You may thereafter limit your discussion to the one classifier you chose. a. Consider - What did the end-to-end pipeline look like, from data gathering to data analysis to the output?</a:t>
+              <a:t>Finding the optimal amount of estimators</a:t>
+            </a:r>
+          </a:p>
+          <a:p>
+            <a:pPr marL="0" indent="0">
+              <a:buNone/>
+            </a:pPr>
+            <a:endParaRPr lang="en-US" dirty="0"/>
+          </a:p>
+          <a:p>
+            <a:r>
+              <a:rPr lang="en-US" dirty="0"/>
+              <a:t>Dropping ‘</a:t>
+            </a:r>
+            <a:r>
+              <a:rPr lang="en-US" dirty="0" err="1"/>
+              <a:t>is_canceled</a:t>
+            </a:r>
+            <a:r>
+              <a:rPr lang="en-US" dirty="0"/>
+              <a:t>’ columns</a:t>
+            </a:r>
+          </a:p>
+        </p:txBody>
+      </p:sp>
+      <p:pic>
+        <p:nvPicPr>
+          <p:cNvPr id="5" name="Picture 4">
+            <a:extLst>
+              <a:ext uri="{FF2B5EF4-FFF2-40B4-BE49-F238E27FC236}">
+                <a16:creationId xmlns:a16="http://schemas.microsoft.com/office/drawing/2014/main" id="{DE03F05A-BF34-584D-6E00-F7F0A9B54841}"/>
+              </a:ext>
+            </a:extLst>
+          </p:cNvPr>
+          <p:cNvPicPr>
+            <a:picLocks noChangeAspect="1"/>
+          </p:cNvPicPr>
+          <p:nvPr/>
+        </p:nvPicPr>
+        <p:blipFill>
+          <a:blip r:embed="rId2"/>
+          <a:stretch>
+            <a:fillRect/>
+          </a:stretch>
+        </p:blipFill>
+        <p:spPr>
+          <a:xfrm>
+            <a:off x="6605337" y="2752078"/>
+            <a:ext cx="5145552" cy="542369"/>
+          </a:xfrm>
+          <a:prstGeom prst="rect">
+            <a:avLst/>
+          </a:prstGeom>
+        </p:spPr>
+      </p:pic>
+      <p:sp>
+        <p:nvSpPr>
+          <p:cNvPr id="6" name="TextBox 5">
+            <a:extLst>
+              <a:ext uri="{FF2B5EF4-FFF2-40B4-BE49-F238E27FC236}">
+                <a16:creationId xmlns:a16="http://schemas.microsoft.com/office/drawing/2014/main" id="{63BD66F8-87E3-5DC4-B8FD-6F0B7AEE826A}"/>
+              </a:ext>
+            </a:extLst>
+          </p:cNvPr>
+          <p:cNvSpPr txBox="1"/>
+          <p:nvPr/>
+        </p:nvSpPr>
+        <p:spPr>
+          <a:xfrm>
+            <a:off x="7978919" y="3294447"/>
+            <a:ext cx="2647010" cy="276999"/>
+          </a:xfrm>
+          <a:prstGeom prst="rect">
+            <a:avLst/>
+          </a:prstGeom>
+          <a:noFill/>
+        </p:spPr>
+        <p:txBody>
+          <a:bodyPr wrap="square" rtlCol="0">
+            <a:spAutoFit/>
+          </a:bodyPr>
+          <a:lstStyle/>
+          <a:p>
+            <a:r>
+              <a:rPr lang="en-US" sz="1200" i="1" dirty="0"/>
+              <a:t>Figure 3: Train-test split</a:t>
             </a:r>
           </a:p>
         </p:txBody>
@@ -3922,7 +5054,10 @@
           <a:bodyPr/>
           <a:lstStyle/>
           <a:p>
-            <a:endParaRPr lang="en-US"/>
+            <a:r>
+              <a:rPr lang="en-US" dirty="0"/>
+              <a:t>Results of Random Forest Classifier</a:t>
+            </a:r>
           </a:p>
         </p:txBody>
       </p:sp>
@@ -3944,13 +5079,66 @@
         </p:nvSpPr>
         <p:spPr/>
         <p:txBody>
-          <a:bodyPr/>
+          <a:bodyPr>
+            <a:normAutofit lnSpcReduction="10000"/>
+          </a:bodyPr>
           <a:lstStyle/>
           <a:p>
             <a:r>
               <a:rPr lang="en-US" dirty="0"/>
-              <a:t>Results of your analyses. a. Evaluation of the usefulness/appropriateness of the data for this problem. b. Evaluation of the classifier for this problem.</a:t>
-            </a:r>
+              <a:t>What are the downsides of Random Forest Classifier?</a:t>
+            </a:r>
+          </a:p>
+          <a:p>
+            <a:endParaRPr lang="en-US" dirty="0"/>
+          </a:p>
+          <a:p>
+            <a:r>
+              <a:rPr lang="en-US" dirty="0"/>
+              <a:t>97.61% accurate</a:t>
+            </a:r>
+          </a:p>
+          <a:p>
+            <a:pPr marL="0" indent="0">
+              <a:buNone/>
+            </a:pPr>
+            <a:endParaRPr lang="en-US" dirty="0"/>
+          </a:p>
+          <a:p>
+            <a:r>
+              <a:rPr lang="en-US" dirty="0"/>
+              <a:t>Cost to implement($1,177,065)</a:t>
+            </a:r>
+          </a:p>
+          <a:p>
+            <a:pPr marL="0" indent="0">
+              <a:buNone/>
+            </a:pPr>
+            <a:endParaRPr lang="en-US" dirty="0"/>
+          </a:p>
+          <a:p>
+            <a:r>
+              <a:rPr lang="en-US" dirty="0"/>
+              <a:t>What this means for future outlook of cancellations</a:t>
+            </a:r>
+          </a:p>
+          <a:p>
+            <a:pPr marL="0" indent="0">
+              <a:buNone/>
+            </a:pPr>
+            <a:endParaRPr lang="en-US" dirty="0"/>
+          </a:p>
+          <a:p>
+            <a:r>
+              <a:rPr lang="en-US" dirty="0"/>
+              <a:t>Other data that could improve classifier practicality</a:t>
+            </a:r>
+          </a:p>
+          <a:p>
+            <a:pPr marL="0" indent="0">
+              <a:buNone/>
+            </a:pPr>
+            <a:endParaRPr lang="en-US" dirty="0"/>
           </a:p>
         </p:txBody>
       </p:sp>
@@ -4005,7 +5193,10 @@
           <a:bodyPr/>
           <a:lstStyle/>
           <a:p>
-            <a:endParaRPr lang="en-US"/>
+            <a:r>
+              <a:rPr lang="en-US" dirty="0"/>
+              <a:t>Random Forest Approach Discussion</a:t>
+            </a:r>
           </a:p>
         </p:txBody>
       </p:sp>
@@ -4027,12 +5218,109 @@
         </p:nvSpPr>
         <p:spPr/>
         <p:txBody>
-          <a:bodyPr/>
+          <a:bodyPr>
+            <a:normAutofit/>
+          </a:bodyPr>
           <a:lstStyle/>
           <a:p>
             <a:r>
               <a:rPr lang="en-US" dirty="0"/>
-              <a:t>Discussion of how the various aspects of the data, cost model, etc., impacted the proposed approach and how changes to the approach might make the problem more tractable. a. For example, is the proposed approach sensitive to particular aspects of the current situation? (You do not have to show detailed analysis.) </a:t>
+              <a:t>How does the approach interact with the cost model?</a:t>
+            </a:r>
+          </a:p>
+          <a:p>
+            <a:endParaRPr lang="en-US" dirty="0"/>
+          </a:p>
+          <a:p>
+            <a:r>
+              <a:rPr lang="en-US" dirty="0"/>
+              <a:t>What happens with correlated data in a Random Forest approach?</a:t>
+            </a:r>
+          </a:p>
+          <a:p>
+            <a:endParaRPr lang="en-US" dirty="0"/>
+          </a:p>
+          <a:p>
+            <a:r>
+              <a:rPr lang="en-US" dirty="0"/>
+              <a:t>High correlations within data</a:t>
+            </a:r>
+          </a:p>
+          <a:p>
+            <a:endParaRPr lang="en-US" dirty="0"/>
+          </a:p>
+          <a:p>
+            <a:r>
+              <a:rPr lang="en-US" dirty="0"/>
+              <a:t>How to deal with sensitive data</a:t>
+            </a:r>
+          </a:p>
+          <a:p>
+            <a:endParaRPr lang="en-US" dirty="0"/>
+          </a:p>
+        </p:txBody>
+      </p:sp>
+      <p:pic>
+        <p:nvPicPr>
+          <p:cNvPr id="5" name="Picture 4">
+            <a:extLst>
+              <a:ext uri="{FF2B5EF4-FFF2-40B4-BE49-F238E27FC236}">
+                <a16:creationId xmlns:a16="http://schemas.microsoft.com/office/drawing/2014/main" id="{E89FC72C-12E2-9293-8D64-7C3FAA7F051E}"/>
+              </a:ext>
+            </a:extLst>
+          </p:cNvPr>
+          <p:cNvPicPr>
+            <a:picLocks noChangeAspect="1"/>
+          </p:cNvPicPr>
+          <p:nvPr/>
+        </p:nvPicPr>
+        <p:blipFill>
+          <a:blip r:embed="rId2"/>
+          <a:stretch>
+            <a:fillRect/>
+          </a:stretch>
+        </p:blipFill>
+        <p:spPr>
+          <a:xfrm>
+            <a:off x="6196613" y="3429000"/>
+            <a:ext cx="3675356" cy="3019831"/>
+          </a:xfrm>
+          <a:prstGeom prst="rect">
+            <a:avLst/>
+          </a:prstGeom>
+        </p:spPr>
+      </p:pic>
+      <p:sp>
+        <p:nvSpPr>
+          <p:cNvPr id="6" name="TextBox 5">
+            <a:extLst>
+              <a:ext uri="{FF2B5EF4-FFF2-40B4-BE49-F238E27FC236}">
+                <a16:creationId xmlns:a16="http://schemas.microsoft.com/office/drawing/2014/main" id="{A68C0345-84E1-0FE6-AEC0-5848B6D25938}"/>
+              </a:ext>
+            </a:extLst>
+          </p:cNvPr>
+          <p:cNvSpPr txBox="1"/>
+          <p:nvPr/>
+        </p:nvSpPr>
+        <p:spPr>
+          <a:xfrm>
+            <a:off x="7224959" y="6492875"/>
+            <a:ext cx="2647010" cy="276999"/>
+          </a:xfrm>
+          <a:prstGeom prst="rect">
+            <a:avLst/>
+          </a:prstGeom>
+          <a:noFill/>
+        </p:spPr>
+        <p:txBody>
+          <a:bodyPr wrap="square" rtlCol="0">
+            <a:spAutoFit/>
+          </a:bodyPr>
+          <a:lstStyle/>
+          <a:p>
+            <a:r>
+              <a:rPr lang="en-US" sz="1200" i="1" dirty="0"/>
+              <a:t>Figure 4: Correlation Chart</a:t>
             </a:r>
           </a:p>
         </p:txBody>
@@ -4088,7 +5376,10 @@
           <a:bodyPr/>
           <a:lstStyle/>
           <a:p>
-            <a:endParaRPr lang="en-US"/>
+            <a:r>
+              <a:rPr lang="en-US" dirty="0"/>
+              <a:t>Personal Recommendation</a:t>
+            </a:r>
           </a:p>
         </p:txBody>
       </p:sp>
@@ -4110,12 +5401,41 @@
         </p:nvSpPr>
         <p:spPr/>
         <p:txBody>
-          <a:bodyPr/>
+          <a:bodyPr>
+            <a:normAutofit/>
+          </a:bodyPr>
           <a:lstStyle/>
           <a:p>
             <a:r>
               <a:rPr lang="en-US" dirty="0"/>
-              <a:t>Your recommendation for the company to move forward (or not) with the approach. a. Consider – How might BRI evaluate their approach after deployment, to see if it really is effective?</a:t>
+              <a:t>What does the data say about saved costs and accuracy?</a:t>
+            </a:r>
+          </a:p>
+          <a:p>
+            <a:endParaRPr lang="en-US" dirty="0"/>
+          </a:p>
+          <a:p>
+            <a:r>
+              <a:rPr lang="en-US" dirty="0"/>
+              <a:t>How this benefits the company in the long run </a:t>
+            </a:r>
+          </a:p>
+          <a:p>
+            <a:endParaRPr lang="en-US" dirty="0"/>
+          </a:p>
+          <a:p>
+            <a:r>
+              <a:rPr lang="en-US" dirty="0"/>
+              <a:t>Use of quarterly analysis to track success and checkpoints </a:t>
+            </a:r>
+          </a:p>
+          <a:p>
+            <a:endParaRPr lang="en-US" dirty="0"/>
+          </a:p>
+          <a:p>
+            <a:r>
+              <a:rPr lang="en-US" dirty="0"/>
+              <a:t>Comparing data of present to how the classifier “should” work</a:t>
             </a:r>
           </a:p>
         </p:txBody>
@@ -4171,7 +5491,10 @@
           <a:bodyPr/>
           <a:lstStyle/>
           <a:p>
-            <a:endParaRPr lang="en-US"/>
+            <a:r>
+              <a:rPr lang="en-US" dirty="0"/>
+              <a:t>Future Steps</a:t>
+            </a:r>
           </a:p>
         </p:txBody>
       </p:sp>
@@ -4193,12 +5516,41 @@
         </p:nvSpPr>
         <p:spPr/>
         <p:txBody>
-          <a:bodyPr/>
+          <a:bodyPr>
+            <a:normAutofit/>
+          </a:bodyPr>
           <a:lstStyle/>
           <a:p>
             <a:r>
               <a:rPr lang="en-US" dirty="0"/>
-              <a:t>Discussion of possible next steps that it might make sense to take. a. Consider updates to data, methods, etc., to make this approach suitable for use in production.</a:t>
+              <a:t>Notable to data to collect to optimize classifying</a:t>
+            </a:r>
+          </a:p>
+          <a:p>
+            <a:endParaRPr lang="en-US" dirty="0"/>
+          </a:p>
+          <a:p>
+            <a:r>
+              <a:rPr lang="en-US" dirty="0"/>
+              <a:t>Ensuring data is clean and only tracking what is relevant</a:t>
+            </a:r>
+          </a:p>
+          <a:p>
+            <a:endParaRPr lang="en-US" dirty="0"/>
+          </a:p>
+          <a:p>
+            <a:r>
+              <a:rPr lang="en-US" dirty="0"/>
+              <a:t>Setting up checkups to make sure approach is achieving expectations</a:t>
+            </a:r>
+          </a:p>
+          <a:p>
+            <a:endParaRPr lang="en-US" dirty="0"/>
+          </a:p>
+          <a:p>
+            <a:r>
+              <a:rPr lang="en-US" dirty="0"/>
+              <a:t>Test other discounts to see which has more success instead of $80</a:t>
             </a:r>
           </a:p>
         </p:txBody>
@@ -4282,6 +5634,36 @@
           <a:bodyPr/>
           <a:lstStyle/>
           <a:p>
+            <a:r>
+              <a:rPr lang="en-US" dirty="0"/>
+              <a:t>Why is the Random Forest Approach so good?</a:t>
+            </a:r>
+          </a:p>
+          <a:p>
+            <a:endParaRPr lang="en-US" dirty="0"/>
+          </a:p>
+          <a:p>
+            <a:r>
+              <a:rPr lang="en-US" dirty="0"/>
+              <a:t>What is the fiscal data behind the implementation</a:t>
+            </a:r>
+          </a:p>
+          <a:p>
+            <a:endParaRPr lang="en-US" dirty="0"/>
+          </a:p>
+          <a:p>
+            <a:r>
+              <a:rPr lang="en-US" dirty="0"/>
+              <a:t>Immediate steps to take</a:t>
+            </a:r>
+          </a:p>
+          <a:p>
+            <a:endParaRPr lang="en-US" dirty="0"/>
+          </a:p>
+          <a:p>
+            <a:pPr marL="0" indent="0">
+              <a:buNone/>
+            </a:pPr>
             <a:endParaRPr lang="en-US" dirty="0"/>
           </a:p>
         </p:txBody>

--- a/Homework3/Homework3.pptx
+++ b/Homework3/Homework3.pptx
@@ -4,9 +4,12 @@
   <p:sldMasterIdLst>
     <p:sldMasterId id="2147483648" r:id="rId1"/>
   </p:sldMasterIdLst>
+  <p:notesMasterIdLst>
+    <p:notesMasterId r:id="rId16"/>
+  </p:notesMasterIdLst>
   <p:sldIdLst>
     <p:sldId id="256" r:id="rId2"/>
-    <p:sldId id="257" r:id="rId3"/>
+    <p:sldId id="272" r:id="rId3"/>
     <p:sldId id="258" r:id="rId4"/>
     <p:sldId id="259" r:id="rId5"/>
     <p:sldId id="260" r:id="rId6"/>
@@ -15,10 +18,10 @@
     <p:sldId id="263" r:id="rId9"/>
     <p:sldId id="264" r:id="rId10"/>
     <p:sldId id="268" r:id="rId11"/>
-    <p:sldId id="267" r:id="rId12"/>
-    <p:sldId id="269" r:id="rId13"/>
-    <p:sldId id="270" r:id="rId14"/>
-    <p:sldId id="271" r:id="rId15"/>
+    <p:sldId id="269" r:id="rId12"/>
+    <p:sldId id="270" r:id="rId13"/>
+    <p:sldId id="271" r:id="rId14"/>
+    <p:sldId id="273" r:id="rId15"/>
   </p:sldIdLst>
   <p:sldSz cx="12192000" cy="6858000"/>
   <p:notesSz cx="6858000" cy="9144000"/>
@@ -525,6 +528,355 @@
 </pc:chgInfo>
 </file>
 
+<file path=ppt/notesMasters/notesMaster1.xml><?xml version="1.0" encoding="utf-8"?>
+<p:notesMaster xmlns:a="http://schemas.openxmlformats.org/drawingml/2006/main" xmlns:r="http://schemas.openxmlformats.org/officeDocument/2006/relationships" xmlns:p="http://schemas.openxmlformats.org/presentationml/2006/main">
+  <p:cSld>
+    <p:bg>
+      <p:bgRef idx="1001">
+        <a:schemeClr val="bg1"/>
+      </p:bgRef>
+    </p:bg>
+    <p:spTree>
+      <p:nvGrpSpPr>
+        <p:cNvPr id="1" name=""/>
+        <p:cNvGrpSpPr/>
+        <p:nvPr/>
+      </p:nvGrpSpPr>
+      <p:grpSpPr>
+        <a:xfrm>
+          <a:off x="0" y="0"/>
+          <a:ext cx="0" cy="0"/>
+          <a:chOff x="0" y="0"/>
+          <a:chExt cx="0" cy="0"/>
+        </a:xfrm>
+      </p:grpSpPr>
+      <p:sp>
+        <p:nvSpPr>
+          <p:cNvPr id="2" name="Header Placeholder 1"/>
+          <p:cNvSpPr>
+            <a:spLocks noGrp="1"/>
+          </p:cNvSpPr>
+          <p:nvPr>
+            <p:ph type="hdr" sz="quarter"/>
+          </p:nvPr>
+        </p:nvSpPr>
+        <p:spPr>
+          <a:xfrm>
+            <a:off x="0" y="0"/>
+            <a:ext cx="2971800" cy="458788"/>
+          </a:xfrm>
+          <a:prstGeom prst="rect">
+            <a:avLst/>
+          </a:prstGeom>
+        </p:spPr>
+        <p:txBody>
+          <a:bodyPr vert="horz" lIns="91440" tIns="45720" rIns="91440" bIns="45720" rtlCol="0"/>
+          <a:lstStyle>
+            <a:lvl1pPr algn="l">
+              <a:defRPr sz="1200"/>
+            </a:lvl1pPr>
+          </a:lstStyle>
+          <a:p>
+            <a:endParaRPr lang="en-US"/>
+          </a:p>
+        </p:txBody>
+      </p:sp>
+      <p:sp>
+        <p:nvSpPr>
+          <p:cNvPr id="3" name="Date Placeholder 2"/>
+          <p:cNvSpPr>
+            <a:spLocks noGrp="1"/>
+          </p:cNvSpPr>
+          <p:nvPr>
+            <p:ph type="dt" idx="1"/>
+          </p:nvPr>
+        </p:nvSpPr>
+        <p:spPr>
+          <a:xfrm>
+            <a:off x="3884613" y="0"/>
+            <a:ext cx="2971800" cy="458788"/>
+          </a:xfrm>
+          <a:prstGeom prst="rect">
+            <a:avLst/>
+          </a:prstGeom>
+        </p:spPr>
+        <p:txBody>
+          <a:bodyPr vert="horz" lIns="91440" tIns="45720" rIns="91440" bIns="45720" rtlCol="0"/>
+          <a:lstStyle>
+            <a:lvl1pPr algn="r">
+              <a:defRPr sz="1200"/>
+            </a:lvl1pPr>
+          </a:lstStyle>
+          <a:p>
+            <a:fld id="{E907D3CA-0978-4318-B829-7E75D06D280D}" type="datetimeFigureOut">
+              <a:rPr lang="en-US" smtClean="0"/>
+              <a:t>3/21/2023</a:t>
+            </a:fld>
+            <a:endParaRPr lang="en-US"/>
+          </a:p>
+        </p:txBody>
+      </p:sp>
+      <p:sp>
+        <p:nvSpPr>
+          <p:cNvPr id="4" name="Slide Image Placeholder 3"/>
+          <p:cNvSpPr>
+            <a:spLocks noGrp="1" noRot="1" noChangeAspect="1"/>
+          </p:cNvSpPr>
+          <p:nvPr>
+            <p:ph type="sldImg" idx="2"/>
+          </p:nvPr>
+        </p:nvSpPr>
+        <p:spPr>
+          <a:xfrm>
+            <a:off x="685800" y="1143000"/>
+            <a:ext cx="5486400" cy="3086100"/>
+          </a:xfrm>
+          <a:prstGeom prst="rect">
+            <a:avLst/>
+          </a:prstGeom>
+          <a:noFill/>
+          <a:ln w="12700">
+            <a:solidFill>
+              <a:prstClr val="black"/>
+            </a:solidFill>
+          </a:ln>
+        </p:spPr>
+        <p:txBody>
+          <a:bodyPr vert="horz" lIns="91440" tIns="45720" rIns="91440" bIns="45720" rtlCol="0" anchor="ctr"/>
+          <a:lstStyle/>
+          <a:p>
+            <a:endParaRPr lang="en-US"/>
+          </a:p>
+        </p:txBody>
+      </p:sp>
+      <p:sp>
+        <p:nvSpPr>
+          <p:cNvPr id="5" name="Notes Placeholder 4"/>
+          <p:cNvSpPr>
+            <a:spLocks noGrp="1"/>
+          </p:cNvSpPr>
+          <p:nvPr>
+            <p:ph type="body" sz="quarter" idx="3"/>
+          </p:nvPr>
+        </p:nvSpPr>
+        <p:spPr>
+          <a:xfrm>
+            <a:off x="685800" y="4400550"/>
+            <a:ext cx="5486400" cy="3600450"/>
+          </a:xfrm>
+          <a:prstGeom prst="rect">
+            <a:avLst/>
+          </a:prstGeom>
+        </p:spPr>
+        <p:txBody>
+          <a:bodyPr vert="horz" lIns="91440" tIns="45720" rIns="91440" bIns="45720" rtlCol="0"/>
+          <a:lstStyle/>
+          <a:p>
+            <a:pPr lvl="0"/>
+            <a:r>
+              <a:rPr lang="en-US"/>
+              <a:t>Click to edit Master text styles</a:t>
+            </a:r>
+          </a:p>
+          <a:p>
+            <a:pPr lvl="1"/>
+            <a:r>
+              <a:rPr lang="en-US"/>
+              <a:t>Second level</a:t>
+            </a:r>
+          </a:p>
+          <a:p>
+            <a:pPr lvl="2"/>
+            <a:r>
+              <a:rPr lang="en-US"/>
+              <a:t>Third level</a:t>
+            </a:r>
+          </a:p>
+          <a:p>
+            <a:pPr lvl="3"/>
+            <a:r>
+              <a:rPr lang="en-US"/>
+              <a:t>Fourth level</a:t>
+            </a:r>
+          </a:p>
+          <a:p>
+            <a:pPr lvl="4"/>
+            <a:r>
+              <a:rPr lang="en-US"/>
+              <a:t>Fifth level</a:t>
+            </a:r>
+          </a:p>
+        </p:txBody>
+      </p:sp>
+      <p:sp>
+        <p:nvSpPr>
+          <p:cNvPr id="6" name="Footer Placeholder 5"/>
+          <p:cNvSpPr>
+            <a:spLocks noGrp="1"/>
+          </p:cNvSpPr>
+          <p:nvPr>
+            <p:ph type="ftr" sz="quarter" idx="4"/>
+          </p:nvPr>
+        </p:nvSpPr>
+        <p:spPr>
+          <a:xfrm>
+            <a:off x="0" y="8685213"/>
+            <a:ext cx="2971800" cy="458787"/>
+          </a:xfrm>
+          <a:prstGeom prst="rect">
+            <a:avLst/>
+          </a:prstGeom>
+        </p:spPr>
+        <p:txBody>
+          <a:bodyPr vert="horz" lIns="91440" tIns="45720" rIns="91440" bIns="45720" rtlCol="0" anchor="b"/>
+          <a:lstStyle>
+            <a:lvl1pPr algn="l">
+              <a:defRPr sz="1200"/>
+            </a:lvl1pPr>
+          </a:lstStyle>
+          <a:p>
+            <a:endParaRPr lang="en-US"/>
+          </a:p>
+        </p:txBody>
+      </p:sp>
+      <p:sp>
+        <p:nvSpPr>
+          <p:cNvPr id="7" name="Slide Number Placeholder 6"/>
+          <p:cNvSpPr>
+            <a:spLocks noGrp="1"/>
+          </p:cNvSpPr>
+          <p:nvPr>
+            <p:ph type="sldNum" sz="quarter" idx="5"/>
+          </p:nvPr>
+        </p:nvSpPr>
+        <p:spPr>
+          <a:xfrm>
+            <a:off x="3884613" y="8685213"/>
+            <a:ext cx="2971800" cy="458787"/>
+          </a:xfrm>
+          <a:prstGeom prst="rect">
+            <a:avLst/>
+          </a:prstGeom>
+        </p:spPr>
+        <p:txBody>
+          <a:bodyPr vert="horz" lIns="91440" tIns="45720" rIns="91440" bIns="45720" rtlCol="0" anchor="b"/>
+          <a:lstStyle>
+            <a:lvl1pPr algn="r">
+              <a:defRPr sz="1200"/>
+            </a:lvl1pPr>
+          </a:lstStyle>
+          <a:p>
+            <a:fld id="{D5847902-E4CF-477C-A5B5-5B5870BFAA9B}" type="slidenum">
+              <a:rPr lang="en-US" smtClean="0"/>
+              <a:t>‹#›</a:t>
+            </a:fld>
+            <a:endParaRPr lang="en-US"/>
+          </a:p>
+        </p:txBody>
+      </p:sp>
+    </p:spTree>
+    <p:extLst>
+      <p:ext uri="{BB962C8B-B14F-4D97-AF65-F5344CB8AC3E}">
+        <p14:creationId xmlns:p14="http://schemas.microsoft.com/office/powerpoint/2010/main" val="2674448005"/>
+      </p:ext>
+    </p:extLst>
+  </p:cSld>
+  <p:clrMap bg1="lt1" tx1="dk1" bg2="lt2" tx2="dk2" accent1="accent1" accent2="accent2" accent3="accent3" accent4="accent4" accent5="accent5" accent6="accent6" hlink="hlink" folHlink="folHlink"/>
+  <p:notesStyle>
+    <a:lvl1pPr marL="0" algn="l" defTabSz="914400" rtl="0" eaLnBrk="1" latinLnBrk="0" hangingPunct="1">
+      <a:defRPr sz="1200" kern="1200">
+        <a:solidFill>
+          <a:schemeClr val="tx1"/>
+        </a:solidFill>
+        <a:latin typeface="+mn-lt"/>
+        <a:ea typeface="+mn-ea"/>
+        <a:cs typeface="+mn-cs"/>
+      </a:defRPr>
+    </a:lvl1pPr>
+    <a:lvl2pPr marL="457200" algn="l" defTabSz="914400" rtl="0" eaLnBrk="1" latinLnBrk="0" hangingPunct="1">
+      <a:defRPr sz="1200" kern="1200">
+        <a:solidFill>
+          <a:schemeClr val="tx1"/>
+        </a:solidFill>
+        <a:latin typeface="+mn-lt"/>
+        <a:ea typeface="+mn-ea"/>
+        <a:cs typeface="+mn-cs"/>
+      </a:defRPr>
+    </a:lvl2pPr>
+    <a:lvl3pPr marL="914400" algn="l" defTabSz="914400" rtl="0" eaLnBrk="1" latinLnBrk="0" hangingPunct="1">
+      <a:defRPr sz="1200" kern="1200">
+        <a:solidFill>
+          <a:schemeClr val="tx1"/>
+        </a:solidFill>
+        <a:latin typeface="+mn-lt"/>
+        <a:ea typeface="+mn-ea"/>
+        <a:cs typeface="+mn-cs"/>
+      </a:defRPr>
+    </a:lvl3pPr>
+    <a:lvl4pPr marL="1371600" algn="l" defTabSz="914400" rtl="0" eaLnBrk="1" latinLnBrk="0" hangingPunct="1">
+      <a:defRPr sz="1200" kern="1200">
+        <a:solidFill>
+          <a:schemeClr val="tx1"/>
+        </a:solidFill>
+        <a:latin typeface="+mn-lt"/>
+        <a:ea typeface="+mn-ea"/>
+        <a:cs typeface="+mn-cs"/>
+      </a:defRPr>
+    </a:lvl4pPr>
+    <a:lvl5pPr marL="1828800" algn="l" defTabSz="914400" rtl="0" eaLnBrk="1" latinLnBrk="0" hangingPunct="1">
+      <a:defRPr sz="1200" kern="1200">
+        <a:solidFill>
+          <a:schemeClr val="tx1"/>
+        </a:solidFill>
+        <a:latin typeface="+mn-lt"/>
+        <a:ea typeface="+mn-ea"/>
+        <a:cs typeface="+mn-cs"/>
+      </a:defRPr>
+    </a:lvl5pPr>
+    <a:lvl6pPr marL="2286000" algn="l" defTabSz="914400" rtl="0" eaLnBrk="1" latinLnBrk="0" hangingPunct="1">
+      <a:defRPr sz="1200" kern="1200">
+        <a:solidFill>
+          <a:schemeClr val="tx1"/>
+        </a:solidFill>
+        <a:latin typeface="+mn-lt"/>
+        <a:ea typeface="+mn-ea"/>
+        <a:cs typeface="+mn-cs"/>
+      </a:defRPr>
+    </a:lvl6pPr>
+    <a:lvl7pPr marL="2743200" algn="l" defTabSz="914400" rtl="0" eaLnBrk="1" latinLnBrk="0" hangingPunct="1">
+      <a:defRPr sz="1200" kern="1200">
+        <a:solidFill>
+          <a:schemeClr val="tx1"/>
+        </a:solidFill>
+        <a:latin typeface="+mn-lt"/>
+        <a:ea typeface="+mn-ea"/>
+        <a:cs typeface="+mn-cs"/>
+      </a:defRPr>
+    </a:lvl7pPr>
+    <a:lvl8pPr marL="3200400" algn="l" defTabSz="914400" rtl="0" eaLnBrk="1" latinLnBrk="0" hangingPunct="1">
+      <a:defRPr sz="1200" kern="1200">
+        <a:solidFill>
+          <a:schemeClr val="tx1"/>
+        </a:solidFill>
+        <a:latin typeface="+mn-lt"/>
+        <a:ea typeface="+mn-ea"/>
+        <a:cs typeface="+mn-cs"/>
+      </a:defRPr>
+    </a:lvl8pPr>
+    <a:lvl9pPr marL="3657600" algn="l" defTabSz="914400" rtl="0" eaLnBrk="1" latinLnBrk="0" hangingPunct="1">
+      <a:defRPr sz="1200" kern="1200">
+        <a:solidFill>
+          <a:schemeClr val="tx1"/>
+        </a:solidFill>
+        <a:latin typeface="+mn-lt"/>
+        <a:ea typeface="+mn-ea"/>
+        <a:cs typeface="+mn-cs"/>
+      </a:defRPr>
+    </a:lvl9pPr>
+  </p:notesStyle>
+</p:notesMaster>
+</file>
+
 <file path=ppt/slideLayouts/slideLayout1.xml><?xml version="1.0" encoding="utf-8"?>
 <p:sldLayout xmlns:a="http://schemas.openxmlformats.org/drawingml/2006/main" xmlns:r="http://schemas.openxmlformats.org/officeDocument/2006/relationships" xmlns:p="http://schemas.openxmlformats.org/presentationml/2006/main" type="title" preserve="1">
   <p:cSld name="Title Slide">
@@ -670,7 +1022,7 @@
           <a:bodyPr/>
           <a:lstStyle/>
           <a:p>
-            <a:fld id="{896478AD-9F90-41C8-B084-4D7276D4D686}" type="datetimeFigureOut">
+            <a:fld id="{2817A255-DBA7-4D54-BCBB-387DF03EC002}" type="datetime1">
               <a:rPr lang="en-US" smtClean="0"/>
               <a:t>3/21/2023</a:t>
             </a:fld>
@@ -868,7 +1220,7 @@
           <a:bodyPr/>
           <a:lstStyle/>
           <a:p>
-            <a:fld id="{896478AD-9F90-41C8-B084-4D7276D4D686}" type="datetimeFigureOut">
+            <a:fld id="{BC5B5DAD-1EE6-4ED2-9780-CAA965BF4E54}" type="datetime1">
               <a:rPr lang="en-US" smtClean="0"/>
               <a:t>3/21/2023</a:t>
             </a:fld>
@@ -1076,7 +1428,7 @@
           <a:bodyPr/>
           <a:lstStyle/>
           <a:p>
-            <a:fld id="{896478AD-9F90-41C8-B084-4D7276D4D686}" type="datetimeFigureOut">
+            <a:fld id="{B8FF32C9-A17F-49C0-9D4D-BAB5C9C24403}" type="datetime1">
               <a:rPr lang="en-US" smtClean="0"/>
               <a:t>3/21/2023</a:t>
             </a:fld>
@@ -1274,7 +1626,7 @@
           <a:bodyPr/>
           <a:lstStyle/>
           <a:p>
-            <a:fld id="{896478AD-9F90-41C8-B084-4D7276D4D686}" type="datetimeFigureOut">
+            <a:fld id="{953B5CEF-BF66-47C7-97B1-3B2D2F9BC789}" type="datetime1">
               <a:rPr lang="en-US" smtClean="0"/>
               <a:t>3/21/2023</a:t>
             </a:fld>
@@ -1549,7 +1901,7 @@
           <a:bodyPr/>
           <a:lstStyle/>
           <a:p>
-            <a:fld id="{896478AD-9F90-41C8-B084-4D7276D4D686}" type="datetimeFigureOut">
+            <a:fld id="{FEBE8AD8-2E9F-43A7-AA64-F07E10CE6A6B}" type="datetime1">
               <a:rPr lang="en-US" smtClean="0"/>
               <a:t>3/21/2023</a:t>
             </a:fld>
@@ -1814,7 +2166,7 @@
           <a:bodyPr/>
           <a:lstStyle/>
           <a:p>
-            <a:fld id="{896478AD-9F90-41C8-B084-4D7276D4D686}" type="datetimeFigureOut">
+            <a:fld id="{356AA58B-8966-4E79-A960-74CE5843145B}" type="datetime1">
               <a:rPr lang="en-US" smtClean="0"/>
               <a:t>3/21/2023</a:t>
             </a:fld>
@@ -2226,7 +2578,7 @@
           <a:bodyPr/>
           <a:lstStyle/>
           <a:p>
-            <a:fld id="{896478AD-9F90-41C8-B084-4D7276D4D686}" type="datetimeFigureOut">
+            <a:fld id="{5B0D3D16-4C0F-4DAF-A432-3C15B4E00FA1}" type="datetime1">
               <a:rPr lang="en-US" smtClean="0"/>
               <a:t>3/21/2023</a:t>
             </a:fld>
@@ -2367,7 +2719,7 @@
           <a:bodyPr/>
           <a:lstStyle/>
           <a:p>
-            <a:fld id="{896478AD-9F90-41C8-B084-4D7276D4D686}" type="datetimeFigureOut">
+            <a:fld id="{3B92F840-EC6B-42E4-BBC5-7AEC93ADE817}" type="datetime1">
               <a:rPr lang="en-US" smtClean="0"/>
               <a:t>3/21/2023</a:t>
             </a:fld>
@@ -2480,7 +2832,7 @@
           <a:bodyPr/>
           <a:lstStyle/>
           <a:p>
-            <a:fld id="{896478AD-9F90-41C8-B084-4D7276D4D686}" type="datetimeFigureOut">
+            <a:fld id="{AD16E4F2-6171-41A1-B3F0-2311792231C5}" type="datetime1">
               <a:rPr lang="en-US" smtClean="0"/>
               <a:t>3/21/2023</a:t>
             </a:fld>
@@ -2791,7 +3143,7 @@
           <a:bodyPr/>
           <a:lstStyle/>
           <a:p>
-            <a:fld id="{896478AD-9F90-41C8-B084-4D7276D4D686}" type="datetimeFigureOut">
+            <a:fld id="{BA819AB8-2AAD-4E9F-8958-F8F1E75F173D}" type="datetime1">
               <a:rPr lang="en-US" smtClean="0"/>
               <a:t>3/21/2023</a:t>
             </a:fld>
@@ -3079,7 +3431,7 @@
           <a:bodyPr/>
           <a:lstStyle/>
           <a:p>
-            <a:fld id="{896478AD-9F90-41C8-B084-4D7276D4D686}" type="datetimeFigureOut">
+            <a:fld id="{D56DABA7-9D08-4FAF-AA0C-B7CA11212495}" type="datetime1">
               <a:rPr lang="en-US" smtClean="0"/>
               <a:t>3/21/2023</a:t>
             </a:fld>
@@ -3320,7 +3672,7 @@
             </a:lvl1pPr>
           </a:lstStyle>
           <a:p>
-            <a:fld id="{896478AD-9F90-41C8-B084-4D7276D4D686}" type="datetimeFigureOut">
+            <a:fld id="{1E9953CC-4224-4512-BFDD-A70ADECF7E6C}" type="datetime1">
               <a:rPr lang="en-US" smtClean="0"/>
               <a:t>3/21/2023</a:t>
             </a:fld>
@@ -3439,6 +3791,7 @@
     <p:sldLayoutId id="2147483658" r:id="rId10"/>
     <p:sldLayoutId id="2147483659" r:id="rId11"/>
   </p:sldLayoutIdLst>
+  <p:hf hdr="0" ftr="0" dt="0"/>
   <p:txStyles>
     <p:titleStyle>
       <a:lvl1pPr algn="l" defTabSz="914400" rtl="0" eaLnBrk="1" latinLnBrk="0" hangingPunct="1">
@@ -3762,7 +4115,7 @@
           <a:p>
             <a:r>
               <a:rPr lang="en-US" dirty="0"/>
-              <a:t>BRI Presentation</a:t>
+              <a:t>BRI Random Forest Approach</a:t>
             </a:r>
           </a:p>
         </p:txBody>
@@ -3796,6 +4149,35 @@
               <a:rPr lang="en-US" dirty="0"/>
               <a:t> Zhou</a:t>
             </a:r>
+          </a:p>
+        </p:txBody>
+      </p:sp>
+      <p:sp>
+        <p:nvSpPr>
+          <p:cNvPr id="4" name="Slide Number Placeholder 3">
+            <a:extLst>
+              <a:ext uri="{FF2B5EF4-FFF2-40B4-BE49-F238E27FC236}">
+                <a16:creationId xmlns:a16="http://schemas.microsoft.com/office/drawing/2014/main" id="{F08B00DE-8BC1-1A2A-C581-587B44033B27}"/>
+              </a:ext>
+            </a:extLst>
+          </p:cNvPr>
+          <p:cNvSpPr>
+            <a:spLocks noGrp="1"/>
+          </p:cNvSpPr>
+          <p:nvPr>
+            <p:ph type="sldNum" sz="quarter" idx="12"/>
+          </p:nvPr>
+        </p:nvSpPr>
+        <p:spPr/>
+        <p:txBody>
+          <a:bodyPr/>
+          <a:lstStyle/>
+          <a:p>
+            <a:fld id="{39A20723-651D-48A4-8FEE-1D20624DC0CE}" type="slidenum">
+              <a:rPr lang="en-US" smtClean="0"/>
+              <a:t>1</a:t>
+            </a:fld>
+            <a:endParaRPr lang="en-US"/>
           </a:p>
         </p:txBody>
       </p:sp>
@@ -3857,6 +4239,35 @@
           </a:p>
         </p:txBody>
       </p:sp>
+      <p:sp>
+        <p:nvSpPr>
+          <p:cNvPr id="2" name="Slide Number Placeholder 1">
+            <a:extLst>
+              <a:ext uri="{FF2B5EF4-FFF2-40B4-BE49-F238E27FC236}">
+                <a16:creationId xmlns:a16="http://schemas.microsoft.com/office/drawing/2014/main" id="{BAA3700D-A12F-1603-1B2C-C60B0A314289}"/>
+              </a:ext>
+            </a:extLst>
+          </p:cNvPr>
+          <p:cNvSpPr>
+            <a:spLocks noGrp="1"/>
+          </p:cNvSpPr>
+          <p:nvPr>
+            <p:ph type="sldNum" sz="quarter" idx="12"/>
+          </p:nvPr>
+        </p:nvSpPr>
+        <p:spPr/>
+        <p:txBody>
+          <a:bodyPr/>
+          <a:lstStyle/>
+          <a:p>
+            <a:fld id="{39A20723-651D-48A4-8FEE-1D20624DC0CE}" type="slidenum">
+              <a:rPr lang="en-US" smtClean="0"/>
+              <a:t>10</a:t>
+            </a:fld>
+            <a:endParaRPr lang="en-US"/>
+          </a:p>
+        </p:txBody>
+      </p:sp>
     </p:spTree>
     <p:extLst>
       <p:ext uri="{BB962C8B-B14F-4D97-AF65-F5344CB8AC3E}">
@@ -3892,7 +4303,7 @@
           <p:cNvPr id="2" name="Title 1">
             <a:extLst>
               <a:ext uri="{FF2B5EF4-FFF2-40B4-BE49-F238E27FC236}">
-                <a16:creationId xmlns:a16="http://schemas.microsoft.com/office/drawing/2014/main" id="{59D65B99-52DB-35B1-6D9C-43E242FE841D}"/>
+                <a16:creationId xmlns:a16="http://schemas.microsoft.com/office/drawing/2014/main" id="{935FA75C-89CA-7C7E-CD9D-DE8152C83222}"/>
               </a:ext>
             </a:extLst>
           </p:cNvPr>
@@ -3920,7 +4331,7 @@
           <p:cNvPr id="3" name="Content Placeholder 2">
             <a:extLst>
               <a:ext uri="{FF2B5EF4-FFF2-40B4-BE49-F238E27FC236}">
-                <a16:creationId xmlns:a16="http://schemas.microsoft.com/office/drawing/2014/main" id="{D4B21330-B9F5-AEC1-5E82-118F38FE885D}"/>
+                <a16:creationId xmlns:a16="http://schemas.microsoft.com/office/drawing/2014/main" id="{A7D931A1-A6E8-2224-9BE9-826F8CE76167}"/>
               </a:ext>
             </a:extLst>
           </p:cNvPr>
@@ -3948,11 +4359,23 @@
             <a:pPr lvl="1"/>
             <a:r>
               <a:rPr lang="en-US" dirty="0"/>
-              <a:t>Cost Matrix, Slide 2</a:t>
+              <a:t>P-value Chart, Slide 3</a:t>
             </a:r>
           </a:p>
           <a:p>
             <a:endParaRPr lang="en-US" dirty="0"/>
+          </a:p>
+          <a:p>
+            <a:endParaRPr lang="en-US" dirty="0"/>
+          </a:p>
+          <a:p>
+            <a:endParaRPr lang="en-US" dirty="0"/>
+          </a:p>
+          <a:p>
+            <a:r>
+              <a:rPr lang="en-US" dirty="0"/>
+              <a:t>From the p-value being so low you can see that the correlation is extremely high thus resulting in some cloudy classification from the Random Forest approach</a:t>
+            </a:r>
           </a:p>
         </p:txBody>
       </p:sp>
@@ -3961,7 +4384,7 @@
           <p:cNvPr id="4" name="Picture 3">
             <a:extLst>
               <a:ext uri="{FF2B5EF4-FFF2-40B4-BE49-F238E27FC236}">
-                <a16:creationId xmlns:a16="http://schemas.microsoft.com/office/drawing/2014/main" id="{F93D4201-57C1-9194-5CF7-6861B81ABCCF}"/>
+                <a16:creationId xmlns:a16="http://schemas.microsoft.com/office/drawing/2014/main" id="{66AA907E-6720-267D-3A96-A39E9CC453E6}"/>
               </a:ext>
             </a:extLst>
           </p:cNvPr>
@@ -3978,18 +4401,47 @@
         </p:blipFill>
         <p:spPr>
           <a:xfrm>
-            <a:off x="1331544" y="3036162"/>
-            <a:ext cx="7776221" cy="1597981"/>
+            <a:off x="1312138" y="3152774"/>
+            <a:ext cx="9172112" cy="780033"/>
           </a:xfrm>
           <a:prstGeom prst="rect">
             <a:avLst/>
           </a:prstGeom>
         </p:spPr>
       </p:pic>
+      <p:sp>
+        <p:nvSpPr>
+          <p:cNvPr id="5" name="Slide Number Placeholder 4">
+            <a:extLst>
+              <a:ext uri="{FF2B5EF4-FFF2-40B4-BE49-F238E27FC236}">
+                <a16:creationId xmlns:a16="http://schemas.microsoft.com/office/drawing/2014/main" id="{661B8656-8E9A-1A50-69C9-2D3D0E6F16F6}"/>
+              </a:ext>
+            </a:extLst>
+          </p:cNvPr>
+          <p:cNvSpPr>
+            <a:spLocks noGrp="1"/>
+          </p:cNvSpPr>
+          <p:nvPr>
+            <p:ph type="sldNum" sz="quarter" idx="12"/>
+          </p:nvPr>
+        </p:nvSpPr>
+        <p:spPr/>
+        <p:txBody>
+          <a:bodyPr/>
+          <a:lstStyle/>
+          <a:p>
+            <a:fld id="{39A20723-651D-48A4-8FEE-1D20624DC0CE}" type="slidenum">
+              <a:rPr lang="en-US" smtClean="0"/>
+              <a:t>11</a:t>
+            </a:fld>
+            <a:endParaRPr lang="en-US"/>
+          </a:p>
+        </p:txBody>
+      </p:sp>
     </p:spTree>
     <p:extLst>
       <p:ext uri="{BB962C8B-B14F-4D97-AF65-F5344CB8AC3E}">
-        <p14:creationId xmlns:p14="http://schemas.microsoft.com/office/powerpoint/2010/main" val="1238178540"/>
+        <p14:creationId xmlns:p14="http://schemas.microsoft.com/office/powerpoint/2010/main" val="1818843209"/>
       </p:ext>
     </p:extLst>
   </p:cSld>
@@ -4021,7 +4473,7 @@
           <p:cNvPr id="2" name="Title 1">
             <a:extLst>
               <a:ext uri="{FF2B5EF4-FFF2-40B4-BE49-F238E27FC236}">
-                <a16:creationId xmlns:a16="http://schemas.microsoft.com/office/drawing/2014/main" id="{935FA75C-89CA-7C7E-CD9D-DE8152C83222}"/>
+                <a16:creationId xmlns:a16="http://schemas.microsoft.com/office/drawing/2014/main" id="{4B96352B-DF71-877D-BE9A-224DEFB1F04B}"/>
               </a:ext>
             </a:extLst>
           </p:cNvPr>
@@ -4049,7 +4501,7 @@
           <p:cNvPr id="3" name="Content Placeholder 2">
             <a:extLst>
               <a:ext uri="{FF2B5EF4-FFF2-40B4-BE49-F238E27FC236}">
-                <a16:creationId xmlns:a16="http://schemas.microsoft.com/office/drawing/2014/main" id="{A7D931A1-A6E8-2224-9BE9-826F8CE76167}"/>
+                <a16:creationId xmlns:a16="http://schemas.microsoft.com/office/drawing/2014/main" id="{213D5B7D-75B0-4FA9-FED4-D911C00D684E}"/>
               </a:ext>
             </a:extLst>
           </p:cNvPr>
@@ -4077,7 +4529,29 @@
             <a:pPr lvl="1"/>
             <a:r>
               <a:rPr lang="en-US" dirty="0"/>
-              <a:t>P-value Chart, Slide 3</a:t>
+              <a:t>Train-test split, slide 4</a:t>
+            </a:r>
+          </a:p>
+          <a:p>
+            <a:pPr lvl="1"/>
+            <a:endParaRPr lang="en-US" dirty="0"/>
+          </a:p>
+          <a:p>
+            <a:pPr lvl="1"/>
+            <a:endParaRPr lang="en-US" dirty="0"/>
+          </a:p>
+          <a:p>
+            <a:pPr lvl="1"/>
+            <a:endParaRPr lang="en-US" dirty="0"/>
+          </a:p>
+          <a:p>
+            <a:pPr lvl="1"/>
+            <a:endParaRPr lang="en-US" dirty="0"/>
+          </a:p>
+          <a:p>
+            <a:r>
+              <a:rPr lang="en-US" dirty="0"/>
+              <a:t>The test was split into 70% used for training and 30% for testing. This produced the highest accuracy and the best results</a:t>
             </a:r>
           </a:p>
           <a:p>
@@ -4090,7 +4564,7 @@
           <p:cNvPr id="4" name="Picture 3">
             <a:extLst>
               <a:ext uri="{FF2B5EF4-FFF2-40B4-BE49-F238E27FC236}">
-                <a16:creationId xmlns:a16="http://schemas.microsoft.com/office/drawing/2014/main" id="{66AA907E-6720-267D-3A96-A39E9CC453E6}"/>
+                <a16:creationId xmlns:a16="http://schemas.microsoft.com/office/drawing/2014/main" id="{FD159195-0B94-6BE6-1C7E-0CD4DBAD4AD9}"/>
               </a:ext>
             </a:extLst>
           </p:cNvPr>
@@ -4107,18 +4581,47 @@
         </p:blipFill>
         <p:spPr>
           <a:xfrm>
-            <a:off x="1312138" y="3152774"/>
-            <a:ext cx="9172112" cy="780033"/>
+            <a:off x="1598331" y="3157815"/>
+            <a:ext cx="9036975" cy="952546"/>
           </a:xfrm>
           <a:prstGeom prst="rect">
             <a:avLst/>
           </a:prstGeom>
         </p:spPr>
       </p:pic>
+      <p:sp>
+        <p:nvSpPr>
+          <p:cNvPr id="5" name="Slide Number Placeholder 4">
+            <a:extLst>
+              <a:ext uri="{FF2B5EF4-FFF2-40B4-BE49-F238E27FC236}">
+                <a16:creationId xmlns:a16="http://schemas.microsoft.com/office/drawing/2014/main" id="{46883177-AFC3-BFC8-854B-15E5D7CCFC5E}"/>
+              </a:ext>
+            </a:extLst>
+          </p:cNvPr>
+          <p:cNvSpPr>
+            <a:spLocks noGrp="1"/>
+          </p:cNvSpPr>
+          <p:nvPr>
+            <p:ph type="sldNum" sz="quarter" idx="12"/>
+          </p:nvPr>
+        </p:nvSpPr>
+        <p:spPr/>
+        <p:txBody>
+          <a:bodyPr/>
+          <a:lstStyle/>
+          <a:p>
+            <a:fld id="{39A20723-651D-48A4-8FEE-1D20624DC0CE}" type="slidenum">
+              <a:rPr lang="en-US" smtClean="0"/>
+              <a:t>12</a:t>
+            </a:fld>
+            <a:endParaRPr lang="en-US"/>
+          </a:p>
+        </p:txBody>
+      </p:sp>
     </p:spTree>
     <p:extLst>
       <p:ext uri="{BB962C8B-B14F-4D97-AF65-F5344CB8AC3E}">
-        <p14:creationId xmlns:p14="http://schemas.microsoft.com/office/powerpoint/2010/main" val="1818843209"/>
+        <p14:creationId xmlns:p14="http://schemas.microsoft.com/office/powerpoint/2010/main" val="1253534995"/>
       </p:ext>
     </p:extLst>
   </p:cSld>
@@ -4150,7 +4653,7 @@
           <p:cNvPr id="2" name="Title 1">
             <a:extLst>
               <a:ext uri="{FF2B5EF4-FFF2-40B4-BE49-F238E27FC236}">
-                <a16:creationId xmlns:a16="http://schemas.microsoft.com/office/drawing/2014/main" id="{4B96352B-DF71-877D-BE9A-224DEFB1F04B}"/>
+                <a16:creationId xmlns:a16="http://schemas.microsoft.com/office/drawing/2014/main" id="{439D9238-442C-3C55-134B-8AF697688D5F}"/>
               </a:ext>
             </a:extLst>
           </p:cNvPr>
@@ -4178,7 +4681,7 @@
           <p:cNvPr id="3" name="Content Placeholder 2">
             <a:extLst>
               <a:ext uri="{FF2B5EF4-FFF2-40B4-BE49-F238E27FC236}">
-                <a16:creationId xmlns:a16="http://schemas.microsoft.com/office/drawing/2014/main" id="{213D5B7D-75B0-4FA9-FED4-D911C00D684E}"/>
+                <a16:creationId xmlns:a16="http://schemas.microsoft.com/office/drawing/2014/main" id="{62EB0B60-67DA-7193-AE87-07BF92D6B4C9}"/>
               </a:ext>
             </a:extLst>
           </p:cNvPr>
@@ -4189,7 +4692,12 @@
             <p:ph idx="1"/>
           </p:nvPr>
         </p:nvSpPr>
-        <p:spPr/>
+        <p:spPr>
+          <a:xfrm>
+            <a:off x="838200" y="1825625"/>
+            <a:ext cx="4106662" cy="4351338"/>
+          </a:xfrm>
+        </p:spPr>
         <p:txBody>
           <a:bodyPr/>
           <a:lstStyle/>
@@ -4206,8 +4714,11 @@
             <a:pPr lvl="1"/>
             <a:r>
               <a:rPr lang="en-US" dirty="0"/>
-              <a:t>Train-test split, slide 4</a:t>
-            </a:r>
+              <a:t>Correlation Chart, slide 6</a:t>
+            </a:r>
+          </a:p>
+          <a:p>
+            <a:endParaRPr lang="en-US" dirty="0"/>
           </a:p>
           <a:p>
             <a:endParaRPr lang="en-US" dirty="0"/>
@@ -4219,7 +4730,7 @@
           <p:cNvPr id="4" name="Picture 3">
             <a:extLst>
               <a:ext uri="{FF2B5EF4-FFF2-40B4-BE49-F238E27FC236}">
-                <a16:creationId xmlns:a16="http://schemas.microsoft.com/office/drawing/2014/main" id="{FD159195-0B94-6BE6-1C7E-0CD4DBAD4AD9}"/>
+                <a16:creationId xmlns:a16="http://schemas.microsoft.com/office/drawing/2014/main" id="{3D789DB0-E03C-BAED-6E89-F0D9D136BCA4}"/>
               </a:ext>
             </a:extLst>
           </p:cNvPr>
@@ -4236,18 +4747,47 @@
         </p:blipFill>
         <p:spPr>
           <a:xfrm>
-            <a:off x="1598331" y="3157815"/>
-            <a:ext cx="9036975" cy="952546"/>
+            <a:off x="4944862" y="912199"/>
+            <a:ext cx="6506909" cy="5346356"/>
           </a:xfrm>
           <a:prstGeom prst="rect">
             <a:avLst/>
           </a:prstGeom>
         </p:spPr>
       </p:pic>
+      <p:sp>
+        <p:nvSpPr>
+          <p:cNvPr id="5" name="Slide Number Placeholder 4">
+            <a:extLst>
+              <a:ext uri="{FF2B5EF4-FFF2-40B4-BE49-F238E27FC236}">
+                <a16:creationId xmlns:a16="http://schemas.microsoft.com/office/drawing/2014/main" id="{53E8FEEB-8768-1B3A-10EB-75318F839552}"/>
+              </a:ext>
+            </a:extLst>
+          </p:cNvPr>
+          <p:cNvSpPr>
+            <a:spLocks noGrp="1"/>
+          </p:cNvSpPr>
+          <p:nvPr>
+            <p:ph type="sldNum" sz="quarter" idx="12"/>
+          </p:nvPr>
+        </p:nvSpPr>
+        <p:spPr/>
+        <p:txBody>
+          <a:bodyPr/>
+          <a:lstStyle/>
+          <a:p>
+            <a:fld id="{39A20723-651D-48A4-8FEE-1D20624DC0CE}" type="slidenum">
+              <a:rPr lang="en-US" smtClean="0"/>
+              <a:t>13</a:t>
+            </a:fld>
+            <a:endParaRPr lang="en-US"/>
+          </a:p>
+        </p:txBody>
+      </p:sp>
     </p:spTree>
     <p:extLst>
       <p:ext uri="{BB962C8B-B14F-4D97-AF65-F5344CB8AC3E}">
-        <p14:creationId xmlns:p14="http://schemas.microsoft.com/office/powerpoint/2010/main" val="1253534995"/>
+        <p14:creationId xmlns:p14="http://schemas.microsoft.com/office/powerpoint/2010/main" val="2917847638"/>
       </p:ext>
     </p:extLst>
   </p:cSld>
@@ -4335,20 +4875,49 @@
             <a:pPr lvl="1"/>
             <a:r>
               <a:rPr lang="en-US" dirty="0"/>
-              <a:t>Correlation Chart, slide 6</a:t>
+              <a:t>Cost Function Chart, slide 8</a:t>
             </a:r>
           </a:p>
           <a:p>
             <a:endParaRPr lang="en-US" dirty="0"/>
+          </a:p>
+        </p:txBody>
+      </p:sp>
+      <p:sp>
+        <p:nvSpPr>
+          <p:cNvPr id="5" name="Slide Number Placeholder 4">
+            <a:extLst>
+              <a:ext uri="{FF2B5EF4-FFF2-40B4-BE49-F238E27FC236}">
+                <a16:creationId xmlns:a16="http://schemas.microsoft.com/office/drawing/2014/main" id="{D23FEE48-FC20-9E73-06F5-36251D2E6BC4}"/>
+              </a:ext>
+            </a:extLst>
+          </p:cNvPr>
+          <p:cNvSpPr>
+            <a:spLocks noGrp="1"/>
+          </p:cNvSpPr>
+          <p:nvPr>
+            <p:ph type="sldNum" sz="quarter" idx="12"/>
+          </p:nvPr>
+        </p:nvSpPr>
+        <p:spPr/>
+        <p:txBody>
+          <a:bodyPr/>
+          <a:lstStyle/>
+          <a:p>
+            <a:fld id="{39A20723-651D-48A4-8FEE-1D20624DC0CE}" type="slidenum">
+              <a:rPr lang="en-US" smtClean="0"/>
+              <a:t>14</a:t>
+            </a:fld>
+            <a:endParaRPr lang="en-US"/>
           </a:p>
         </p:txBody>
       </p:sp>
       <p:pic>
         <p:nvPicPr>
-          <p:cNvPr id="4" name="Picture 3">
-            <a:extLst>
-              <a:ext uri="{FF2B5EF4-FFF2-40B4-BE49-F238E27FC236}">
-                <a16:creationId xmlns:a16="http://schemas.microsoft.com/office/drawing/2014/main" id="{3D789DB0-E03C-BAED-6E89-F0D9D136BCA4}"/>
+          <p:cNvPr id="6" name="Picture 5">
+            <a:extLst>
+              <a:ext uri="{FF2B5EF4-FFF2-40B4-BE49-F238E27FC236}">
+                <a16:creationId xmlns:a16="http://schemas.microsoft.com/office/drawing/2014/main" id="{4D41486A-A098-F7B8-1150-ABB777E716A2}"/>
               </a:ext>
             </a:extLst>
           </p:cNvPr>
@@ -4365,8 +4934,8 @@
         </p:blipFill>
         <p:spPr>
           <a:xfrm>
-            <a:off x="4944862" y="1524571"/>
-            <a:ext cx="5761607" cy="4733984"/>
+            <a:off x="2092119" y="3201153"/>
+            <a:ext cx="8007762" cy="1600282"/>
           </a:xfrm>
           <a:prstGeom prst="rect">
             <a:avLst/>
@@ -4376,7 +4945,7 @@
     </p:spTree>
     <p:extLst>
       <p:ext uri="{BB962C8B-B14F-4D97-AF65-F5344CB8AC3E}">
-        <p14:creationId xmlns:p14="http://schemas.microsoft.com/office/powerpoint/2010/main" val="2917847638"/>
+        <p14:creationId xmlns:p14="http://schemas.microsoft.com/office/powerpoint/2010/main" val="2571762032"/>
       </p:ext>
     </p:extLst>
   </p:cSld>
@@ -4447,123 +5016,273 @@
             <p:ph idx="1"/>
           </p:nvPr>
         </p:nvSpPr>
-        <p:spPr/>
+        <p:spPr>
+          <a:xfrm>
+            <a:off x="533400" y="1774371"/>
+            <a:ext cx="10820400" cy="4402592"/>
+          </a:xfrm>
+        </p:spPr>
         <p:txBody>
           <a:bodyPr>
             <a:normAutofit/>
           </a:bodyPr>
           <a:lstStyle/>
           <a:p>
-            <a:pPr>
+            <a:pPr marL="0" indent="0" algn="ctr">
               <a:lnSpc>
                 <a:spcPct val="150000"/>
               </a:lnSpc>
+              <a:buNone/>
             </a:pPr>
             <a:r>
               <a:rPr lang="en-US" dirty="0"/>
-              <a:t>Loss of Revenue due to Cancellation- $500</a:t>
-            </a:r>
-          </a:p>
-          <a:p>
-            <a:pPr>
+              <a:t>Customers cancel and that loses the company thousands of dollars</a:t>
+            </a:r>
+          </a:p>
+          <a:p>
+            <a:pPr marL="0" indent="0" algn="ctr">
               <a:lnSpc>
                 <a:spcPct val="150000"/>
               </a:lnSpc>
+              <a:buNone/>
             </a:pPr>
-            <a:r>
-              <a:rPr lang="en-US" dirty="0"/>
-              <a:t>Intervention Idea of offering a financial incentive</a:t>
-            </a:r>
-          </a:p>
-          <a:p>
-            <a:pPr lvl="1">
+            <a:endParaRPr lang="en-US" dirty="0"/>
+          </a:p>
+          <a:p>
+            <a:pPr marL="0" indent="0" algn="ctr">
               <a:lnSpc>
                 <a:spcPct val="150000"/>
               </a:lnSpc>
+              <a:buNone/>
             </a:pPr>
-            <a:r>
-              <a:rPr lang="en-US" dirty="0"/>
-              <a:t>$80 discount to “at-risk” people</a:t>
-            </a:r>
-          </a:p>
-          <a:p>
-            <a:pPr>
+            <a:endParaRPr lang="en-US" dirty="0"/>
+          </a:p>
+          <a:p>
+            <a:pPr marL="0" indent="0" algn="ctr">
               <a:lnSpc>
                 <a:spcPct val="150000"/>
               </a:lnSpc>
+              <a:buNone/>
             </a:pPr>
-            <a:r>
-              <a:rPr lang="en-US" dirty="0"/>
-              <a:t>Intervention Idea is 35% effective</a:t>
-            </a:r>
-          </a:p>
-          <a:p>
-            <a:pPr>
+            <a:endParaRPr lang="en-US" dirty="0"/>
+          </a:p>
+          <a:p>
+            <a:pPr marL="0" indent="0" algn="ctr">
               <a:lnSpc>
                 <a:spcPct val="150000"/>
               </a:lnSpc>
+              <a:buNone/>
             </a:pPr>
             <a:r>
               <a:rPr lang="en-US" dirty="0"/>
-              <a:t>How to determine “at-risk” people</a:t>
-            </a:r>
-          </a:p>
-          <a:p>
-            <a:pPr>
+              <a:t>Find a way to predict cancellations before they happen</a:t>
+            </a:r>
+          </a:p>
+          <a:p>
+            <a:pPr marL="0" indent="0" algn="ctr">
               <a:lnSpc>
                 <a:spcPct val="150000"/>
               </a:lnSpc>
+              <a:buNone/>
             </a:pPr>
-            <a:r>
-              <a:rPr lang="en-US" dirty="0"/>
-              <a:t>Cost saves the company $</a:t>
-            </a:r>
-            <a:r>
-              <a:rPr lang="en-US" b="0" i="0" dirty="0">
-                <a:effectLst/>
-              </a:rPr>
-              <a:t>1177065 </a:t>
-            </a:r>
             <a:endParaRPr lang="en-US" dirty="0"/>
           </a:p>
         </p:txBody>
       </p:sp>
       <p:pic>
         <p:nvPicPr>
-          <p:cNvPr id="5" name="Picture 4">
-            <a:extLst>
-              <a:ext uri="{FF2B5EF4-FFF2-40B4-BE49-F238E27FC236}">
-                <a16:creationId xmlns:a16="http://schemas.microsoft.com/office/drawing/2014/main" id="{F7CA9407-BC76-0EF3-C6B9-3EBA2A0AE32F}"/>
+          <p:cNvPr id="1026" name="Picture 2" descr="Mistakes to avoid when you're booking your summer vacation |  loveexploring.com">
+            <a:extLst>
+              <a:ext uri="{FF2B5EF4-FFF2-40B4-BE49-F238E27FC236}">
+                <a16:creationId xmlns:a16="http://schemas.microsoft.com/office/drawing/2014/main" id="{ADC526DF-E6F1-EA26-6254-18CABA9D787E}"/>
               </a:ext>
             </a:extLst>
           </p:cNvPr>
           <p:cNvPicPr>
-            <a:picLocks noChangeAspect="1"/>
+            <a:picLocks noChangeAspect="1" noChangeArrowheads="1"/>
           </p:cNvPicPr>
           <p:nvPr/>
         </p:nvPicPr>
         <p:blipFill>
-          <a:blip r:embed="rId2"/>
+          <a:blip r:embed="rId2">
+            <a:extLst>
+              <a:ext uri="{28A0092B-C50C-407E-A947-70E740481C1C}">
+                <a14:useLocalDpi xmlns:a14="http://schemas.microsoft.com/office/drawing/2010/main" val="0"/>
+              </a:ext>
+            </a:extLst>
+          </a:blip>
+          <a:srcRect/>
           <a:stretch>
             <a:fillRect/>
           </a:stretch>
         </p:blipFill>
-        <p:spPr>
+        <p:spPr bwMode="auto">
           <a:xfrm>
-            <a:off x="6116608" y="3551068"/>
-            <a:ext cx="5856547" cy="1203496"/>
+            <a:off x="334496" y="2669381"/>
+            <a:ext cx="2127603" cy="1415823"/>
           </a:xfrm>
           <a:prstGeom prst="rect">
             <a:avLst/>
           </a:prstGeom>
+          <a:noFill/>
+          <a:extLst>
+            <a:ext uri="{909E8E84-426E-40DD-AFC4-6F175D3DCCD1}">
+              <a14:hiddenFill xmlns:a14="http://schemas.microsoft.com/office/drawing/2010/main">
+                <a:solidFill>
+                  <a:srgbClr val="FFFFFF"/>
+                </a:solidFill>
+              </a14:hiddenFill>
+            </a:ext>
+          </a:extLst>
         </p:spPr>
       </p:pic>
-      <p:sp>
-        <p:nvSpPr>
-          <p:cNvPr id="6" name="TextBox 5">
-            <a:extLst>
-              <a:ext uri="{FF2B5EF4-FFF2-40B4-BE49-F238E27FC236}">
-                <a16:creationId xmlns:a16="http://schemas.microsoft.com/office/drawing/2014/main" id="{91215B7D-A855-BF67-41AA-A273A9AEECB5}"/>
+      <p:pic>
+        <p:nvPicPr>
+          <p:cNvPr id="1028" name="Picture 4" descr="Fired for Taking Vacation: When the Boss Asks You to Cancel Plans - WSJ">
+            <a:extLst>
+              <a:ext uri="{FF2B5EF4-FFF2-40B4-BE49-F238E27FC236}">
+                <a16:creationId xmlns:a16="http://schemas.microsoft.com/office/drawing/2014/main" id="{25CEE14E-2944-6E63-FE39-D27EF48A3368}"/>
+              </a:ext>
+            </a:extLst>
+          </p:cNvPr>
+          <p:cNvPicPr>
+            <a:picLocks noChangeAspect="1" noChangeArrowheads="1"/>
+          </p:cNvPicPr>
+          <p:nvPr/>
+        </p:nvPicPr>
+        <p:blipFill>
+          <a:blip r:embed="rId3">
+            <a:extLst>
+              <a:ext uri="{28A0092B-C50C-407E-A947-70E740481C1C}">
+                <a14:useLocalDpi xmlns:a14="http://schemas.microsoft.com/office/drawing/2010/main" val="0"/>
+              </a:ext>
+            </a:extLst>
+          </a:blip>
+          <a:srcRect/>
+          <a:stretch>
+            <a:fillRect/>
+          </a:stretch>
+        </p:blipFill>
+        <p:spPr bwMode="auto">
+          <a:xfrm>
+            <a:off x="2995955" y="2636977"/>
+            <a:ext cx="2368888" cy="1576387"/>
+          </a:xfrm>
+          <a:prstGeom prst="rect">
+            <a:avLst/>
+          </a:prstGeom>
+          <a:noFill/>
+          <a:extLst>
+            <a:ext uri="{909E8E84-426E-40DD-AFC4-6F175D3DCCD1}">
+              <a14:hiddenFill xmlns:a14="http://schemas.microsoft.com/office/drawing/2010/main">
+                <a:solidFill>
+                  <a:srgbClr val="FFFFFF"/>
+                </a:solidFill>
+              </a14:hiddenFill>
+            </a:ext>
+          </a:extLst>
+        </p:spPr>
+      </p:pic>
+      <p:pic>
+        <p:nvPicPr>
+          <p:cNvPr id="1030" name="Picture 6" descr="offer incentive | 5ines Blog">
+            <a:extLst>
+              <a:ext uri="{FF2B5EF4-FFF2-40B4-BE49-F238E27FC236}">
+                <a16:creationId xmlns:a16="http://schemas.microsoft.com/office/drawing/2014/main" id="{917F2E07-BC24-B1A5-541A-1A787E7D0941}"/>
+              </a:ext>
+            </a:extLst>
+          </p:cNvPr>
+          <p:cNvPicPr>
+            <a:picLocks noChangeAspect="1" noChangeArrowheads="1"/>
+          </p:cNvPicPr>
+          <p:nvPr/>
+        </p:nvPicPr>
+        <p:blipFill>
+          <a:blip r:embed="rId4">
+            <a:extLst>
+              <a:ext uri="{28A0092B-C50C-407E-A947-70E740481C1C}">
+                <a14:useLocalDpi xmlns:a14="http://schemas.microsoft.com/office/drawing/2010/main" val="0"/>
+              </a:ext>
+            </a:extLst>
+          </a:blip>
+          <a:srcRect/>
+          <a:stretch>
+            <a:fillRect/>
+          </a:stretch>
+        </p:blipFill>
+        <p:spPr bwMode="auto">
+          <a:xfrm>
+            <a:off x="9574438" y="2724150"/>
+            <a:ext cx="2389473" cy="1489214"/>
+          </a:xfrm>
+          <a:prstGeom prst="rect">
+            <a:avLst/>
+          </a:prstGeom>
+          <a:noFill/>
+          <a:extLst>
+            <a:ext uri="{909E8E84-426E-40DD-AFC4-6F175D3DCCD1}">
+              <a14:hiddenFill xmlns:a14="http://schemas.microsoft.com/office/drawing/2010/main">
+                <a:solidFill>
+                  <a:srgbClr val="FFFFFF"/>
+                </a:solidFill>
+              </a14:hiddenFill>
+            </a:ext>
+          </a:extLst>
+        </p:spPr>
+      </p:pic>
+      <p:pic>
+        <p:nvPicPr>
+          <p:cNvPr id="1032" name="Picture 8" descr="How Do You Offer Incentives to Customers? | Incentive Solutions">
+            <a:extLst>
+              <a:ext uri="{FF2B5EF4-FFF2-40B4-BE49-F238E27FC236}">
+                <a16:creationId xmlns:a16="http://schemas.microsoft.com/office/drawing/2014/main" id="{5872C546-4283-F1B3-1368-984D0007FF23}"/>
+              </a:ext>
+            </a:extLst>
+          </p:cNvPr>
+          <p:cNvPicPr>
+            <a:picLocks noChangeAspect="1" noChangeArrowheads="1"/>
+          </p:cNvPicPr>
+          <p:nvPr/>
+        </p:nvPicPr>
+        <p:blipFill>
+          <a:blip r:embed="rId5">
+            <a:extLst>
+              <a:ext uri="{28A0092B-C50C-407E-A947-70E740481C1C}">
+                <a14:useLocalDpi xmlns:a14="http://schemas.microsoft.com/office/drawing/2010/main" val="0"/>
+              </a:ext>
+            </a:extLst>
+          </a:blip>
+          <a:srcRect/>
+          <a:stretch>
+            <a:fillRect/>
+          </a:stretch>
+        </p:blipFill>
+        <p:spPr bwMode="auto">
+          <a:xfrm>
+            <a:off x="5947105" y="2724150"/>
+            <a:ext cx="3248025" cy="1409700"/>
+          </a:xfrm>
+          <a:prstGeom prst="rect">
+            <a:avLst/>
+          </a:prstGeom>
+          <a:noFill/>
+          <a:extLst>
+            <a:ext uri="{909E8E84-426E-40DD-AFC4-6F175D3DCCD1}">
+              <a14:hiddenFill xmlns:a14="http://schemas.microsoft.com/office/drawing/2010/main">
+                <a:solidFill>
+                  <a:srgbClr val="FFFFFF"/>
+                </a:solidFill>
+              </a14:hiddenFill>
+            </a:ext>
+          </a:extLst>
+        </p:spPr>
+      </p:pic>
+      <p:sp>
+        <p:nvSpPr>
+          <p:cNvPr id="4" name="TextBox 3">
+            <a:extLst>
+              <a:ext uri="{FF2B5EF4-FFF2-40B4-BE49-F238E27FC236}">
+                <a16:creationId xmlns:a16="http://schemas.microsoft.com/office/drawing/2014/main" id="{397D8967-DD82-AD9D-C581-E198CE883932}"/>
               </a:ext>
             </a:extLst>
           </p:cNvPr>
@@ -4572,8 +5291,8 @@
         </p:nvSpPr>
         <p:spPr>
           <a:xfrm>
-            <a:off x="8312318" y="4751001"/>
-            <a:ext cx="2647010" cy="276999"/>
+            <a:off x="334495" y="4167645"/>
+            <a:ext cx="2368887" cy="369332"/>
           </a:xfrm>
           <a:prstGeom prst="rect">
             <a:avLst/>
@@ -4587,16 +5306,150 @@
           <a:lstStyle/>
           <a:p>
             <a:r>
-              <a:rPr lang="en-US" sz="1200" i="1" dirty="0"/>
-              <a:t>Figure 1: Cost matrix</a:t>
-            </a:r>
+              <a:rPr lang="en-US" dirty="0"/>
+              <a:t>People book Vacation</a:t>
+            </a:r>
+          </a:p>
+        </p:txBody>
+      </p:sp>
+      <p:sp>
+        <p:nvSpPr>
+          <p:cNvPr id="5" name="TextBox 4">
+            <a:extLst>
+              <a:ext uri="{FF2B5EF4-FFF2-40B4-BE49-F238E27FC236}">
+                <a16:creationId xmlns:a16="http://schemas.microsoft.com/office/drawing/2014/main" id="{4F93CE6C-9B33-DD0B-B2E4-06F064AF8E6D}"/>
+              </a:ext>
+            </a:extLst>
+          </p:cNvPr>
+          <p:cNvSpPr txBox="1"/>
+          <p:nvPr/>
+        </p:nvSpPr>
+        <p:spPr>
+          <a:xfrm>
+            <a:off x="2995955" y="4250249"/>
+            <a:ext cx="2368887" cy="369332"/>
+          </a:xfrm>
+          <a:prstGeom prst="rect">
+            <a:avLst/>
+          </a:prstGeom>
+          <a:noFill/>
+        </p:spPr>
+        <p:txBody>
+          <a:bodyPr wrap="square" rtlCol="0">
+            <a:spAutoFit/>
+          </a:bodyPr>
+          <a:lstStyle/>
+          <a:p>
+            <a:r>
+              <a:rPr lang="en-US" dirty="0"/>
+              <a:t>People cancel Vacation</a:t>
+            </a:r>
+          </a:p>
+        </p:txBody>
+      </p:sp>
+      <p:sp>
+        <p:nvSpPr>
+          <p:cNvPr id="6" name="TextBox 5">
+            <a:extLst>
+              <a:ext uri="{FF2B5EF4-FFF2-40B4-BE49-F238E27FC236}">
+                <a16:creationId xmlns:a16="http://schemas.microsoft.com/office/drawing/2014/main" id="{2ED42C9F-F21D-C289-1D0C-0BEF18D67CD1}"/>
+              </a:ext>
+            </a:extLst>
+          </p:cNvPr>
+          <p:cNvSpPr txBox="1"/>
+          <p:nvPr/>
+        </p:nvSpPr>
+        <p:spPr>
+          <a:xfrm>
+            <a:off x="5998029" y="4241325"/>
+            <a:ext cx="2757532" cy="646331"/>
+          </a:xfrm>
+          <a:prstGeom prst="rect">
+            <a:avLst/>
+          </a:prstGeom>
+          <a:noFill/>
+        </p:spPr>
+        <p:txBody>
+          <a:bodyPr wrap="square" rtlCol="0">
+            <a:spAutoFit/>
+          </a:bodyPr>
+          <a:lstStyle/>
+          <a:p>
+            <a:r>
+              <a:rPr lang="en-US" dirty="0"/>
+              <a:t>Offer incentives to “at-risk” customers</a:t>
+            </a:r>
+          </a:p>
+        </p:txBody>
+      </p:sp>
+      <p:sp>
+        <p:nvSpPr>
+          <p:cNvPr id="7" name="TextBox 6">
+            <a:extLst>
+              <a:ext uri="{FF2B5EF4-FFF2-40B4-BE49-F238E27FC236}">
+                <a16:creationId xmlns:a16="http://schemas.microsoft.com/office/drawing/2014/main" id="{483302A3-9DB4-8AC3-B520-0C360E9B57D1}"/>
+              </a:ext>
+            </a:extLst>
+          </p:cNvPr>
+          <p:cNvSpPr txBox="1"/>
+          <p:nvPr/>
+        </p:nvSpPr>
+        <p:spPr>
+          <a:xfrm>
+            <a:off x="9823113" y="4352311"/>
+            <a:ext cx="2368887" cy="369332"/>
+          </a:xfrm>
+          <a:prstGeom prst="rect">
+            <a:avLst/>
+          </a:prstGeom>
+          <a:noFill/>
+        </p:spPr>
+        <p:txBody>
+          <a:bodyPr wrap="square" rtlCol="0">
+            <a:spAutoFit/>
+          </a:bodyPr>
+          <a:lstStyle/>
+          <a:p>
+            <a:r>
+              <a:rPr lang="en-US" dirty="0"/>
+              <a:t>35% stay</a:t>
+            </a:r>
+          </a:p>
+        </p:txBody>
+      </p:sp>
+      <p:sp>
+        <p:nvSpPr>
+          <p:cNvPr id="8" name="Slide Number Placeholder 7">
+            <a:extLst>
+              <a:ext uri="{FF2B5EF4-FFF2-40B4-BE49-F238E27FC236}">
+                <a16:creationId xmlns:a16="http://schemas.microsoft.com/office/drawing/2014/main" id="{0B4B8312-C0D4-8C81-7577-4A00DA9762B5}"/>
+              </a:ext>
+            </a:extLst>
+          </p:cNvPr>
+          <p:cNvSpPr>
+            <a:spLocks noGrp="1"/>
+          </p:cNvSpPr>
+          <p:nvPr>
+            <p:ph type="sldNum" sz="quarter" idx="12"/>
+          </p:nvPr>
+        </p:nvSpPr>
+        <p:spPr/>
+        <p:txBody>
+          <a:bodyPr/>
+          <a:lstStyle/>
+          <a:p>
+            <a:fld id="{39A20723-651D-48A4-8FEE-1D20624DC0CE}" type="slidenum">
+              <a:rPr lang="en-US" smtClean="0"/>
+              <a:t>2</a:t>
+            </a:fld>
+            <a:endParaRPr lang="en-US"/>
           </a:p>
         </p:txBody>
       </p:sp>
     </p:spTree>
     <p:extLst>
       <p:ext uri="{BB962C8B-B14F-4D97-AF65-F5344CB8AC3E}">
-        <p14:creationId xmlns:p14="http://schemas.microsoft.com/office/powerpoint/2010/main" val="2518902268"/>
+        <p14:creationId xmlns:p14="http://schemas.microsoft.com/office/powerpoint/2010/main" val="2607598913"/>
       </p:ext>
     </p:extLst>
   </p:cSld>
@@ -4804,8 +5657,84 @@
           <a:p>
             <a:r>
               <a:rPr lang="en-US" sz="1200" i="1" dirty="0"/>
-              <a:t>Figure 2: p-value chart</a:t>
-            </a:r>
+              <a:t>Figure 1: p-value chart</a:t>
+            </a:r>
+          </a:p>
+        </p:txBody>
+      </p:sp>
+      <p:pic>
+        <p:nvPicPr>
+          <p:cNvPr id="4098" name="Picture 2" descr="What is Anomaly Detection? Let's Detect Anomaly in PPC Data">
+            <a:extLst>
+              <a:ext uri="{FF2B5EF4-FFF2-40B4-BE49-F238E27FC236}">
+                <a16:creationId xmlns:a16="http://schemas.microsoft.com/office/drawing/2014/main" id="{0D778E8F-257E-2D85-8F29-E073E0FD357E}"/>
+              </a:ext>
+            </a:extLst>
+          </p:cNvPr>
+          <p:cNvPicPr>
+            <a:picLocks noChangeAspect="1" noChangeArrowheads="1"/>
+          </p:cNvPicPr>
+          <p:nvPr/>
+        </p:nvPicPr>
+        <p:blipFill>
+          <a:blip r:embed="rId3">
+            <a:extLst>
+              <a:ext uri="{28A0092B-C50C-407E-A947-70E740481C1C}">
+                <a14:useLocalDpi xmlns:a14="http://schemas.microsoft.com/office/drawing/2010/main" val="0"/>
+              </a:ext>
+            </a:extLst>
+          </a:blip>
+          <a:srcRect/>
+          <a:stretch>
+            <a:fillRect/>
+          </a:stretch>
+        </p:blipFill>
+        <p:spPr bwMode="auto">
+          <a:xfrm>
+            <a:off x="6619195" y="572903"/>
+            <a:ext cx="4342719" cy="2485731"/>
+          </a:xfrm>
+          <a:prstGeom prst="rect">
+            <a:avLst/>
+          </a:prstGeom>
+          <a:noFill/>
+          <a:extLst>
+            <a:ext uri="{909E8E84-426E-40DD-AFC4-6F175D3DCCD1}">
+              <a14:hiddenFill xmlns:a14="http://schemas.microsoft.com/office/drawing/2010/main">
+                <a:solidFill>
+                  <a:srgbClr val="FFFFFF"/>
+                </a:solidFill>
+              </a14:hiddenFill>
+            </a:ext>
+          </a:extLst>
+        </p:spPr>
+      </p:pic>
+      <p:sp>
+        <p:nvSpPr>
+          <p:cNvPr id="8" name="Slide Number Placeholder 7">
+            <a:extLst>
+              <a:ext uri="{FF2B5EF4-FFF2-40B4-BE49-F238E27FC236}">
+                <a16:creationId xmlns:a16="http://schemas.microsoft.com/office/drawing/2014/main" id="{0156579A-D00F-039C-29ED-7D3580836985}"/>
+              </a:ext>
+            </a:extLst>
+          </p:cNvPr>
+          <p:cNvSpPr>
+            <a:spLocks noGrp="1"/>
+          </p:cNvSpPr>
+          <p:nvPr>
+            <p:ph type="sldNum" sz="quarter" idx="12"/>
+          </p:nvPr>
+        </p:nvSpPr>
+        <p:spPr/>
+        <p:txBody>
+          <a:bodyPr/>
+          <a:lstStyle/>
+          <a:p>
+            <a:fld id="{39A20723-651D-48A4-8FEE-1D20624DC0CE}" type="slidenum">
+              <a:rPr lang="en-US" smtClean="0"/>
+              <a:t>3</a:t>
+            </a:fld>
+            <a:endParaRPr lang="en-US"/>
           </a:p>
         </p:txBody>
       </p:sp>
@@ -4960,7 +5889,7 @@
         </p:blipFill>
         <p:spPr>
           <a:xfrm>
-            <a:off x="6605337" y="2752078"/>
+            <a:off x="6550909" y="1949291"/>
             <a:ext cx="5145552" cy="542369"/>
           </a:xfrm>
           <a:prstGeom prst="rect">
@@ -4982,7 +5911,7 @@
         </p:nvSpPr>
         <p:spPr>
           <a:xfrm>
-            <a:off x="7978919" y="3294447"/>
+            <a:off x="7924491" y="2491660"/>
             <a:ext cx="2647010" cy="276999"/>
           </a:xfrm>
           <a:prstGeom prst="rect">
@@ -4998,8 +5927,84 @@
           <a:p>
             <a:r>
               <a:rPr lang="en-US" sz="1200" i="1" dirty="0"/>
-              <a:t>Figure 3: Train-test split</a:t>
-            </a:r>
+              <a:t>Figure 2: Train-test split</a:t>
+            </a:r>
+          </a:p>
+        </p:txBody>
+      </p:sp>
+      <p:pic>
+        <p:nvPicPr>
+          <p:cNvPr id="1026" name="Picture 2" descr="Random Forest Interview Questions | Random Forest Questions">
+            <a:extLst>
+              <a:ext uri="{FF2B5EF4-FFF2-40B4-BE49-F238E27FC236}">
+                <a16:creationId xmlns:a16="http://schemas.microsoft.com/office/drawing/2014/main" id="{C19AC209-0BC2-C0C2-B999-70565A2C2971}"/>
+              </a:ext>
+            </a:extLst>
+          </p:cNvPr>
+          <p:cNvPicPr>
+            <a:picLocks noChangeAspect="1" noChangeArrowheads="1"/>
+          </p:cNvPicPr>
+          <p:nvPr/>
+        </p:nvPicPr>
+        <p:blipFill>
+          <a:blip r:embed="rId3">
+            <a:extLst>
+              <a:ext uri="{28A0092B-C50C-407E-A947-70E740481C1C}">
+                <a14:useLocalDpi xmlns:a14="http://schemas.microsoft.com/office/drawing/2010/main" val="0"/>
+              </a:ext>
+            </a:extLst>
+          </a:blip>
+          <a:srcRect/>
+          <a:stretch>
+            <a:fillRect/>
+          </a:stretch>
+        </p:blipFill>
+        <p:spPr bwMode="auto">
+          <a:xfrm>
+            <a:off x="7823522" y="3429000"/>
+            <a:ext cx="3807116" cy="2579914"/>
+          </a:xfrm>
+          <a:prstGeom prst="rect">
+            <a:avLst/>
+          </a:prstGeom>
+          <a:noFill/>
+          <a:extLst>
+            <a:ext uri="{909E8E84-426E-40DD-AFC4-6F175D3DCCD1}">
+              <a14:hiddenFill xmlns:a14="http://schemas.microsoft.com/office/drawing/2010/main">
+                <a:solidFill>
+                  <a:srgbClr val="FFFFFF"/>
+                </a:solidFill>
+              </a14:hiddenFill>
+            </a:ext>
+          </a:extLst>
+        </p:spPr>
+      </p:pic>
+      <p:sp>
+        <p:nvSpPr>
+          <p:cNvPr id="4" name="Slide Number Placeholder 3">
+            <a:extLst>
+              <a:ext uri="{FF2B5EF4-FFF2-40B4-BE49-F238E27FC236}">
+                <a16:creationId xmlns:a16="http://schemas.microsoft.com/office/drawing/2014/main" id="{EA84F910-D947-24FF-7198-3F99DF4202D8}"/>
+              </a:ext>
+            </a:extLst>
+          </p:cNvPr>
+          <p:cNvSpPr>
+            <a:spLocks noGrp="1"/>
+          </p:cNvSpPr>
+          <p:nvPr>
+            <p:ph type="sldNum" sz="quarter" idx="12"/>
+          </p:nvPr>
+        </p:nvSpPr>
+        <p:spPr/>
+        <p:txBody>
+          <a:bodyPr/>
+          <a:lstStyle/>
+          <a:p>
+            <a:fld id="{39A20723-651D-48A4-8FEE-1D20624DC0CE}" type="slidenum">
+              <a:rPr lang="en-US" smtClean="0"/>
+              <a:t>4</a:t>
+            </a:fld>
+            <a:endParaRPr lang="en-US"/>
           </a:p>
         </p:txBody>
       </p:sp>
@@ -5142,6 +6147,82 @@
           </a:p>
         </p:txBody>
       </p:sp>
+      <p:pic>
+        <p:nvPicPr>
+          <p:cNvPr id="2050" name="Picture 2" descr="Sensitivity and specificity - Wikipedia">
+            <a:extLst>
+              <a:ext uri="{FF2B5EF4-FFF2-40B4-BE49-F238E27FC236}">
+                <a16:creationId xmlns:a16="http://schemas.microsoft.com/office/drawing/2014/main" id="{6AD57E15-9942-9778-A22C-B5A0FD98FF28}"/>
+              </a:ext>
+            </a:extLst>
+          </p:cNvPr>
+          <p:cNvPicPr>
+            <a:picLocks noChangeAspect="1" noChangeArrowheads="1"/>
+          </p:cNvPicPr>
+          <p:nvPr/>
+        </p:nvPicPr>
+        <p:blipFill>
+          <a:blip r:embed="rId2">
+            <a:extLst>
+              <a:ext uri="{28A0092B-C50C-407E-A947-70E740481C1C}">
+                <a14:useLocalDpi xmlns:a14="http://schemas.microsoft.com/office/drawing/2010/main" val="0"/>
+              </a:ext>
+            </a:extLst>
+          </a:blip>
+          <a:srcRect/>
+          <a:stretch>
+            <a:fillRect/>
+          </a:stretch>
+        </p:blipFill>
+        <p:spPr bwMode="auto">
+          <a:xfrm>
+            <a:off x="8941253" y="1115219"/>
+            <a:ext cx="2739117" cy="4999714"/>
+          </a:xfrm>
+          <a:prstGeom prst="rect">
+            <a:avLst/>
+          </a:prstGeom>
+          <a:noFill/>
+          <a:extLst>
+            <a:ext uri="{909E8E84-426E-40DD-AFC4-6F175D3DCCD1}">
+              <a14:hiddenFill xmlns:a14="http://schemas.microsoft.com/office/drawing/2010/main">
+                <a:solidFill>
+                  <a:srgbClr val="FFFFFF"/>
+                </a:solidFill>
+              </a14:hiddenFill>
+            </a:ext>
+          </a:extLst>
+        </p:spPr>
+      </p:pic>
+      <p:sp>
+        <p:nvSpPr>
+          <p:cNvPr id="5" name="Slide Number Placeholder 4">
+            <a:extLst>
+              <a:ext uri="{FF2B5EF4-FFF2-40B4-BE49-F238E27FC236}">
+                <a16:creationId xmlns:a16="http://schemas.microsoft.com/office/drawing/2014/main" id="{92A530E2-CD3C-F4B2-B302-F18DC0212790}"/>
+              </a:ext>
+            </a:extLst>
+          </p:cNvPr>
+          <p:cNvSpPr>
+            <a:spLocks noGrp="1"/>
+          </p:cNvSpPr>
+          <p:nvPr>
+            <p:ph type="sldNum" sz="quarter" idx="12"/>
+          </p:nvPr>
+        </p:nvSpPr>
+        <p:spPr/>
+        <p:txBody>
+          <a:bodyPr/>
+          <a:lstStyle/>
+          <a:p>
+            <a:fld id="{39A20723-651D-48A4-8FEE-1D20624DC0CE}" type="slidenum">
+              <a:rPr lang="en-US" smtClean="0"/>
+              <a:t>5</a:t>
+            </a:fld>
+            <a:endParaRPr lang="en-US"/>
+          </a:p>
+        </p:txBody>
+      </p:sp>
     </p:spTree>
     <p:extLst>
       <p:ext uri="{BB962C8B-B14F-4D97-AF65-F5344CB8AC3E}">
@@ -5282,8 +6363,8 @@
         </p:blipFill>
         <p:spPr>
           <a:xfrm>
-            <a:off x="6196613" y="3429000"/>
-            <a:ext cx="3675356" cy="3019831"/>
+            <a:off x="6817099" y="3312862"/>
+            <a:ext cx="4536701" cy="3190899"/>
           </a:xfrm>
           <a:prstGeom prst="rect">
             <a:avLst/>
@@ -5320,8 +6401,257 @@
           <a:p>
             <a:r>
               <a:rPr lang="en-US" sz="1200" i="1" dirty="0"/>
-              <a:t>Figure 4: Correlation Chart</a:t>
-            </a:r>
+              <a:t>Figure 3: Correlation Chart</a:t>
+            </a:r>
+          </a:p>
+        </p:txBody>
+      </p:sp>
+      <p:sp>
+        <p:nvSpPr>
+          <p:cNvPr id="4" name="Slide Number Placeholder 3">
+            <a:extLst>
+              <a:ext uri="{FF2B5EF4-FFF2-40B4-BE49-F238E27FC236}">
+                <a16:creationId xmlns:a16="http://schemas.microsoft.com/office/drawing/2014/main" id="{D78B46B2-E767-C620-251C-EB07B966D644}"/>
+              </a:ext>
+            </a:extLst>
+          </p:cNvPr>
+          <p:cNvSpPr>
+            <a:spLocks noGrp="1"/>
+          </p:cNvSpPr>
+          <p:nvPr>
+            <p:ph type="sldNum" sz="quarter" idx="12"/>
+          </p:nvPr>
+        </p:nvSpPr>
+        <p:spPr/>
+        <p:txBody>
+          <a:bodyPr/>
+          <a:lstStyle/>
+          <a:p>
+            <a:fld id="{39A20723-651D-48A4-8FEE-1D20624DC0CE}" type="slidenum">
+              <a:rPr lang="en-US" smtClean="0"/>
+              <a:t>6</a:t>
+            </a:fld>
+            <a:endParaRPr lang="en-US"/>
+          </a:p>
+        </p:txBody>
+      </p:sp>
+      <p:sp>
+        <p:nvSpPr>
+          <p:cNvPr id="10" name="Oval 9">
+            <a:extLst>
+              <a:ext uri="{FF2B5EF4-FFF2-40B4-BE49-F238E27FC236}">
+                <a16:creationId xmlns:a16="http://schemas.microsoft.com/office/drawing/2014/main" id="{1A1FC095-E634-3373-98FA-D23E340F4727}"/>
+              </a:ext>
+            </a:extLst>
+          </p:cNvPr>
+          <p:cNvSpPr/>
+          <p:nvPr/>
+        </p:nvSpPr>
+        <p:spPr>
+          <a:xfrm>
+            <a:off x="8089000" y="3813340"/>
+            <a:ext cx="401858" cy="334117"/>
+          </a:xfrm>
+          <a:prstGeom prst="ellipse">
+            <a:avLst/>
+          </a:prstGeom>
+          <a:noFill/>
+          <a:ln>
+            <a:solidFill>
+              <a:schemeClr val="tx1">
+                <a:lumMod val="95000"/>
+                <a:lumOff val="5000"/>
+              </a:schemeClr>
+            </a:solidFill>
+          </a:ln>
+        </p:spPr>
+        <p:style>
+          <a:lnRef idx="2">
+            <a:schemeClr val="accent1">
+              <a:shade val="50000"/>
+            </a:schemeClr>
+          </a:lnRef>
+          <a:fillRef idx="1">
+            <a:schemeClr val="accent1"/>
+          </a:fillRef>
+          <a:effectRef idx="0">
+            <a:schemeClr val="accent1"/>
+          </a:effectRef>
+          <a:fontRef idx="minor">
+            <a:schemeClr val="lt1"/>
+          </a:fontRef>
+        </p:style>
+        <p:txBody>
+          <a:bodyPr rtlCol="0" anchor="ctr"/>
+          <a:lstStyle/>
+          <a:p>
+            <a:pPr algn="ctr"/>
+            <a:endParaRPr lang="en-US"/>
+          </a:p>
+        </p:txBody>
+      </p:sp>
+      <p:sp>
+        <p:nvSpPr>
+          <p:cNvPr id="11" name="Oval 10">
+            <a:extLst>
+              <a:ext uri="{FF2B5EF4-FFF2-40B4-BE49-F238E27FC236}">
+                <a16:creationId xmlns:a16="http://schemas.microsoft.com/office/drawing/2014/main" id="{06A78660-C777-EBF5-B74D-A82A882C054A}"/>
+              </a:ext>
+            </a:extLst>
+          </p:cNvPr>
+          <p:cNvSpPr/>
+          <p:nvPr/>
+        </p:nvSpPr>
+        <p:spPr>
+          <a:xfrm>
+            <a:off x="8347535" y="3568639"/>
+            <a:ext cx="401858" cy="334117"/>
+          </a:xfrm>
+          <a:prstGeom prst="ellipse">
+            <a:avLst/>
+          </a:prstGeom>
+          <a:noFill/>
+          <a:ln>
+            <a:solidFill>
+              <a:schemeClr val="tx1">
+                <a:lumMod val="95000"/>
+                <a:lumOff val="5000"/>
+              </a:schemeClr>
+            </a:solidFill>
+          </a:ln>
+        </p:spPr>
+        <p:style>
+          <a:lnRef idx="2">
+            <a:schemeClr val="accent1">
+              <a:shade val="50000"/>
+            </a:schemeClr>
+          </a:lnRef>
+          <a:fillRef idx="1">
+            <a:schemeClr val="accent1"/>
+          </a:fillRef>
+          <a:effectRef idx="0">
+            <a:schemeClr val="accent1"/>
+          </a:effectRef>
+          <a:fontRef idx="minor">
+            <a:schemeClr val="lt1"/>
+          </a:fontRef>
+        </p:style>
+        <p:txBody>
+          <a:bodyPr rtlCol="0" anchor="ctr"/>
+          <a:lstStyle/>
+          <a:p>
+            <a:pPr algn="ctr"/>
+            <a:endParaRPr lang="en-US"/>
+          </a:p>
+        </p:txBody>
+      </p:sp>
+      <p:sp>
+        <p:nvSpPr>
+          <p:cNvPr id="12" name="Oval 11">
+            <a:extLst>
+              <a:ext uri="{FF2B5EF4-FFF2-40B4-BE49-F238E27FC236}">
+                <a16:creationId xmlns:a16="http://schemas.microsoft.com/office/drawing/2014/main" id="{EFDFBED1-2A71-117A-D372-B8C044882BC6}"/>
+              </a:ext>
+            </a:extLst>
+          </p:cNvPr>
+          <p:cNvSpPr/>
+          <p:nvPr/>
+        </p:nvSpPr>
+        <p:spPr>
+          <a:xfrm>
+            <a:off x="8884520" y="4862106"/>
+            <a:ext cx="270366" cy="286838"/>
+          </a:xfrm>
+          <a:prstGeom prst="ellipse">
+            <a:avLst/>
+          </a:prstGeom>
+          <a:noFill/>
+          <a:ln>
+            <a:solidFill>
+              <a:schemeClr val="tx1">
+                <a:lumMod val="95000"/>
+                <a:lumOff val="5000"/>
+              </a:schemeClr>
+            </a:solidFill>
+          </a:ln>
+        </p:spPr>
+        <p:style>
+          <a:lnRef idx="2">
+            <a:schemeClr val="accent1">
+              <a:shade val="50000"/>
+            </a:schemeClr>
+          </a:lnRef>
+          <a:fillRef idx="1">
+            <a:schemeClr val="accent1"/>
+          </a:fillRef>
+          <a:effectRef idx="0">
+            <a:schemeClr val="accent1"/>
+          </a:effectRef>
+          <a:fontRef idx="minor">
+            <a:schemeClr val="lt1"/>
+          </a:fontRef>
+        </p:style>
+        <p:txBody>
+          <a:bodyPr rtlCol="0" anchor="ctr"/>
+          <a:lstStyle/>
+          <a:p>
+            <a:pPr algn="ctr"/>
+            <a:endParaRPr lang="en-US"/>
+          </a:p>
+        </p:txBody>
+      </p:sp>
+      <p:sp>
+        <p:nvSpPr>
+          <p:cNvPr id="13" name="Oval 12">
+            <a:extLst>
+              <a:ext uri="{FF2B5EF4-FFF2-40B4-BE49-F238E27FC236}">
+                <a16:creationId xmlns:a16="http://schemas.microsoft.com/office/drawing/2014/main" id="{DF42C7A1-11C7-0DB2-E40A-1FC5181EF7B9}"/>
+              </a:ext>
+            </a:extLst>
+          </p:cNvPr>
+          <p:cNvSpPr/>
+          <p:nvPr/>
+        </p:nvSpPr>
+        <p:spPr>
+          <a:xfrm>
+            <a:off x="9341720" y="4341406"/>
+            <a:ext cx="270366" cy="286838"/>
+          </a:xfrm>
+          <a:prstGeom prst="ellipse">
+            <a:avLst/>
+          </a:prstGeom>
+          <a:noFill/>
+          <a:ln>
+            <a:solidFill>
+              <a:schemeClr val="tx1">
+                <a:lumMod val="95000"/>
+                <a:lumOff val="5000"/>
+              </a:schemeClr>
+            </a:solidFill>
+          </a:ln>
+        </p:spPr>
+        <p:style>
+          <a:lnRef idx="2">
+            <a:schemeClr val="accent1">
+              <a:shade val="50000"/>
+            </a:schemeClr>
+          </a:lnRef>
+          <a:fillRef idx="1">
+            <a:schemeClr val="accent1"/>
+          </a:fillRef>
+          <a:effectRef idx="0">
+            <a:schemeClr val="accent1"/>
+          </a:effectRef>
+          <a:fontRef idx="minor">
+            <a:schemeClr val="lt1"/>
+          </a:fontRef>
+        </p:style>
+        <p:txBody>
+          <a:bodyPr rtlCol="0" anchor="ctr"/>
+          <a:lstStyle/>
+          <a:p>
+            <a:pPr algn="ctr"/>
+            <a:endParaRPr lang="en-US"/>
           </a:p>
         </p:txBody>
       </p:sp>
@@ -5430,13 +6760,133 @@
             </a:r>
           </a:p>
           <a:p>
+            <a:pPr marL="0" indent="0">
+              <a:buNone/>
+            </a:pPr>
             <a:endParaRPr lang="en-US" dirty="0"/>
           </a:p>
-          <a:p>
-            <a:r>
-              <a:rPr lang="en-US" dirty="0"/>
-              <a:t>Comparing data of present to how the classifier “should” work</a:t>
-            </a:r>
+        </p:txBody>
+      </p:sp>
+      <p:pic>
+        <p:nvPicPr>
+          <p:cNvPr id="5122" name="Picture 2" descr="10 Business Growth Strategies: What, You Can GROW Out of Business?">
+            <a:extLst>
+              <a:ext uri="{FF2B5EF4-FFF2-40B4-BE49-F238E27FC236}">
+                <a16:creationId xmlns:a16="http://schemas.microsoft.com/office/drawing/2014/main" id="{C9C9402C-F2E5-B18D-DDB3-9F1659CCA766}"/>
+              </a:ext>
+            </a:extLst>
+          </p:cNvPr>
+          <p:cNvPicPr>
+            <a:picLocks noChangeAspect="1" noChangeArrowheads="1"/>
+          </p:cNvPicPr>
+          <p:nvPr/>
+        </p:nvPicPr>
+        <p:blipFill>
+          <a:blip r:embed="rId2">
+            <a:extLst>
+              <a:ext uri="{28A0092B-C50C-407E-A947-70E740481C1C}">
+                <a14:useLocalDpi xmlns:a14="http://schemas.microsoft.com/office/drawing/2010/main" val="0"/>
+              </a:ext>
+            </a:extLst>
+          </a:blip>
+          <a:srcRect/>
+          <a:stretch>
+            <a:fillRect/>
+          </a:stretch>
+        </p:blipFill>
+        <p:spPr bwMode="auto">
+          <a:xfrm>
+            <a:off x="7419975" y="4733246"/>
+            <a:ext cx="3600450" cy="1266825"/>
+          </a:xfrm>
+          <a:prstGeom prst="rect">
+            <a:avLst/>
+          </a:prstGeom>
+          <a:noFill/>
+          <a:extLst>
+            <a:ext uri="{909E8E84-426E-40DD-AFC4-6F175D3DCCD1}">
+              <a14:hiddenFill xmlns:a14="http://schemas.microsoft.com/office/drawing/2010/main">
+                <a:solidFill>
+                  <a:srgbClr val="FFFFFF"/>
+                </a:solidFill>
+              </a14:hiddenFill>
+            </a:ext>
+          </a:extLst>
+        </p:spPr>
+      </p:pic>
+      <p:pic>
+        <p:nvPicPr>
+          <p:cNvPr id="5124" name="Picture 4">
+            <a:extLst>
+              <a:ext uri="{FF2B5EF4-FFF2-40B4-BE49-F238E27FC236}">
+                <a16:creationId xmlns:a16="http://schemas.microsoft.com/office/drawing/2014/main" id="{52DD2DB7-FE24-8EA9-F733-0959B091D700}"/>
+              </a:ext>
+            </a:extLst>
+          </p:cNvPr>
+          <p:cNvPicPr>
+            <a:picLocks noChangeAspect="1" noChangeArrowheads="1"/>
+          </p:cNvPicPr>
+          <p:nvPr/>
+        </p:nvPicPr>
+        <p:blipFill>
+          <a:blip r:embed="rId3">
+            <a:extLst>
+              <a:ext uri="{28A0092B-C50C-407E-A947-70E740481C1C}">
+                <a14:useLocalDpi xmlns:a14="http://schemas.microsoft.com/office/drawing/2010/main" val="0"/>
+              </a:ext>
+            </a:extLst>
+          </a:blip>
+          <a:srcRect/>
+          <a:stretch>
+            <a:fillRect/>
+          </a:stretch>
+        </p:blipFill>
+        <p:spPr bwMode="auto">
+          <a:xfrm>
+            <a:off x="1839006" y="4733246"/>
+            <a:ext cx="3267075" cy="1400175"/>
+          </a:xfrm>
+          <a:prstGeom prst="rect">
+            <a:avLst/>
+          </a:prstGeom>
+          <a:noFill/>
+          <a:extLst>
+            <a:ext uri="{909E8E84-426E-40DD-AFC4-6F175D3DCCD1}">
+              <a14:hiddenFill xmlns:a14="http://schemas.microsoft.com/office/drawing/2010/main">
+                <a:solidFill>
+                  <a:srgbClr val="FFFFFF"/>
+                </a:solidFill>
+              </a14:hiddenFill>
+            </a:ext>
+          </a:extLst>
+        </p:spPr>
+      </p:pic>
+      <p:sp>
+        <p:nvSpPr>
+          <p:cNvPr id="8" name="Slide Number Placeholder 7">
+            <a:extLst>
+              <a:ext uri="{FF2B5EF4-FFF2-40B4-BE49-F238E27FC236}">
+                <a16:creationId xmlns:a16="http://schemas.microsoft.com/office/drawing/2014/main" id="{30443983-B0AF-B88F-E738-6FB33E9EA9B6}"/>
+              </a:ext>
+            </a:extLst>
+          </p:cNvPr>
+          <p:cNvSpPr>
+            <a:spLocks noGrp="1"/>
+          </p:cNvSpPr>
+          <p:nvPr>
+            <p:ph type="sldNum" sz="quarter" idx="12"/>
+          </p:nvPr>
+        </p:nvSpPr>
+        <p:spPr/>
+        <p:txBody>
+          <a:bodyPr/>
+          <a:lstStyle/>
+          <a:p>
+            <a:fld id="{39A20723-651D-48A4-8FEE-1D20624DC0CE}" type="slidenum">
+              <a:rPr lang="en-US" smtClean="0"/>
+              <a:t>7</a:t>
+            </a:fld>
+            <a:endParaRPr lang="en-US"/>
           </a:p>
         </p:txBody>
       </p:sp>
@@ -5527,15 +6977,16 @@
             </a:r>
           </a:p>
           <a:p>
-            <a:endParaRPr lang="en-US" dirty="0"/>
-          </a:p>
-          <a:p>
+            <a:pPr lvl="1"/>
             <a:r>
               <a:rPr lang="en-US" dirty="0"/>
-              <a:t>Ensuring data is clean and only tracking what is relevant</a:t>
-            </a:r>
-          </a:p>
-          <a:p>
+              <a:t>Maybe looking at other habits, analyzing holidays, and salary</a:t>
+            </a:r>
+          </a:p>
+          <a:p>
+            <a:pPr marL="457200" lvl="1" indent="0">
+              <a:buNone/>
+            </a:pPr>
             <a:endParaRPr lang="en-US" dirty="0"/>
           </a:p>
           <a:p>
@@ -5552,6 +7003,147 @@
               <a:rPr lang="en-US" dirty="0"/>
               <a:t>Test other discounts to see which has more success instead of $80</a:t>
             </a:r>
+          </a:p>
+        </p:txBody>
+      </p:sp>
+      <p:pic>
+        <p:nvPicPr>
+          <p:cNvPr id="4" name="Picture 3">
+            <a:extLst>
+              <a:ext uri="{FF2B5EF4-FFF2-40B4-BE49-F238E27FC236}">
+                <a16:creationId xmlns:a16="http://schemas.microsoft.com/office/drawing/2014/main" id="{26EE6248-4B6F-C99E-C4E3-8CBBA44E9002}"/>
+              </a:ext>
+            </a:extLst>
+          </p:cNvPr>
+          <p:cNvPicPr>
+            <a:picLocks noChangeAspect="1"/>
+          </p:cNvPicPr>
+          <p:nvPr/>
+        </p:nvPicPr>
+        <p:blipFill>
+          <a:blip r:embed="rId2"/>
+          <a:stretch>
+            <a:fillRect/>
+          </a:stretch>
+        </p:blipFill>
+        <p:spPr>
+          <a:xfrm>
+            <a:off x="1961490" y="4761347"/>
+            <a:ext cx="8007762" cy="1600282"/>
+          </a:xfrm>
+          <a:prstGeom prst="rect">
+            <a:avLst/>
+          </a:prstGeom>
+        </p:spPr>
+      </p:pic>
+      <p:sp>
+        <p:nvSpPr>
+          <p:cNvPr id="5" name="TextBox 4">
+            <a:extLst>
+              <a:ext uri="{FF2B5EF4-FFF2-40B4-BE49-F238E27FC236}">
+                <a16:creationId xmlns:a16="http://schemas.microsoft.com/office/drawing/2014/main" id="{9B63E02F-206D-F1C7-6C32-C31291C524BC}"/>
+              </a:ext>
+            </a:extLst>
+          </p:cNvPr>
+          <p:cNvSpPr txBox="1"/>
+          <p:nvPr/>
+        </p:nvSpPr>
+        <p:spPr>
+          <a:xfrm>
+            <a:off x="4234542" y="6361629"/>
+            <a:ext cx="6096000" cy="369332"/>
+          </a:xfrm>
+          <a:prstGeom prst="rect">
+            <a:avLst/>
+          </a:prstGeom>
+          <a:noFill/>
+        </p:spPr>
+        <p:txBody>
+          <a:bodyPr wrap="square">
+            <a:spAutoFit/>
+          </a:bodyPr>
+          <a:lstStyle/>
+          <a:p>
+            <a:r>
+              <a:rPr lang="en-US" sz="1800" i="1" dirty="0"/>
+              <a:t>Figure 4: Cost Function Chart</a:t>
+            </a:r>
+          </a:p>
+        </p:txBody>
+      </p:sp>
+      <p:pic>
+        <p:nvPicPr>
+          <p:cNvPr id="6146" name="Picture 2" descr="Flat Design Vector Concept Of Stairs With Light Bulb Magnifier Gear Bulls  Eye With Dart And Check Mark Stock Illustration - Download Image Now -  iStock">
+            <a:extLst>
+              <a:ext uri="{FF2B5EF4-FFF2-40B4-BE49-F238E27FC236}">
+                <a16:creationId xmlns:a16="http://schemas.microsoft.com/office/drawing/2014/main" id="{B6C90B6D-3416-8AE2-5F26-DB03B68FA841}"/>
+              </a:ext>
+            </a:extLst>
+          </p:cNvPr>
+          <p:cNvPicPr>
+            <a:picLocks noChangeAspect="1" noChangeArrowheads="1"/>
+          </p:cNvPicPr>
+          <p:nvPr/>
+        </p:nvPicPr>
+        <p:blipFill>
+          <a:blip r:embed="rId3">
+            <a:extLst>
+              <a:ext uri="{28A0092B-C50C-407E-A947-70E740481C1C}">
+                <a14:useLocalDpi xmlns:a14="http://schemas.microsoft.com/office/drawing/2010/main" val="0"/>
+              </a:ext>
+            </a:extLst>
+          </a:blip>
+          <a:srcRect/>
+          <a:stretch>
+            <a:fillRect/>
+          </a:stretch>
+        </p:blipFill>
+        <p:spPr bwMode="auto">
+          <a:xfrm>
+            <a:off x="9452861" y="311705"/>
+            <a:ext cx="2143125" cy="2143125"/>
+          </a:xfrm>
+          <a:prstGeom prst="rect">
+            <a:avLst/>
+          </a:prstGeom>
+          <a:noFill/>
+          <a:extLst>
+            <a:ext uri="{909E8E84-426E-40DD-AFC4-6F175D3DCCD1}">
+              <a14:hiddenFill xmlns:a14="http://schemas.microsoft.com/office/drawing/2010/main">
+                <a:solidFill>
+                  <a:srgbClr val="FFFFFF"/>
+                </a:solidFill>
+              </a14:hiddenFill>
+            </a:ext>
+          </a:extLst>
+        </p:spPr>
+      </p:pic>
+      <p:sp>
+        <p:nvSpPr>
+          <p:cNvPr id="6" name="Slide Number Placeholder 5">
+            <a:extLst>
+              <a:ext uri="{FF2B5EF4-FFF2-40B4-BE49-F238E27FC236}">
+                <a16:creationId xmlns:a16="http://schemas.microsoft.com/office/drawing/2014/main" id="{8C6D352C-5CDB-EFDD-680C-AC1789C1AA6F}"/>
+              </a:ext>
+            </a:extLst>
+          </p:cNvPr>
+          <p:cNvSpPr>
+            <a:spLocks noGrp="1"/>
+          </p:cNvSpPr>
+          <p:nvPr>
+            <p:ph type="sldNum" sz="quarter" idx="12"/>
+          </p:nvPr>
+        </p:nvSpPr>
+        <p:spPr/>
+        <p:txBody>
+          <a:bodyPr/>
+          <a:lstStyle/>
+          <a:p>
+            <a:fld id="{39A20723-651D-48A4-8FEE-1D20624DC0CE}" type="slidenum">
+              <a:rPr lang="en-US" smtClean="0"/>
+              <a:t>8</a:t>
+            </a:fld>
+            <a:endParaRPr lang="en-US"/>
           </a:p>
         </p:txBody>
       </p:sp>
@@ -5571,6 +7163,14 @@
 <file path=ppt/slides/slide9.xml><?xml version="1.0" encoding="utf-8"?>
 <p:sld xmlns:a="http://schemas.openxmlformats.org/drawingml/2006/main" xmlns:r="http://schemas.openxmlformats.org/officeDocument/2006/relationships" xmlns:p="http://schemas.openxmlformats.org/presentationml/2006/main">
   <p:cSld>
+    <p:bg>
+      <p:bgPr>
+        <a:solidFill>
+          <a:schemeClr val="bg1"/>
+        </a:solidFill>
+        <a:effectLst/>
+      </p:bgPr>
+    </p:bg>
     <p:spTree>
       <p:nvGrpSpPr>
         <p:cNvPr id="1" name=""/>
@@ -5585,6 +7185,66 @@
           <a:chExt cx="0" cy="0"/>
         </a:xfrm>
       </p:grpSpPr>
+      <p:sp useBgFill="1">
+        <p:nvSpPr>
+          <p:cNvPr id="9" name="Rectangle 8">
+            <a:extLst>
+              <a:ext uri="{FF2B5EF4-FFF2-40B4-BE49-F238E27FC236}">
+                <a16:creationId xmlns:a16="http://schemas.microsoft.com/office/drawing/2014/main" id="{F13C74B1-5B17-4795-BED0-7140497B445A}"/>
+              </a:ext>
+              <a:ext uri="{C183D7F6-B498-43B3-948B-1728B52AA6E4}">
+                <adec:decorative xmlns:adec="http://schemas.microsoft.com/office/drawing/2017/decorative" val="1"/>
+              </a:ext>
+            </a:extLst>
+          </p:cNvPr>
+          <p:cNvSpPr>
+            <a:spLocks noGrp="1" noRot="1" noChangeAspect="1" noMove="1" noResize="1" noEditPoints="1" noAdjustHandles="1" noChangeArrowheads="1" noChangeShapeType="1" noTextEdit="1"/>
+          </p:cNvSpPr>
+          <p:nvPr>
+            <p:extLst>
+              <p:ext uri="{386F3935-93C4-4BCD-93E2-E3B085C9AB24}">
+                <p16:designElem xmlns:p16="http://schemas.microsoft.com/office/powerpoint/2015/main" val="1"/>
+              </p:ext>
+            </p:extLst>
+          </p:nvPr>
+        </p:nvSpPr>
+        <p:spPr>
+          <a:xfrm>
+            <a:off x="0" y="0"/>
+            <a:ext cx="12188952" cy="6858000"/>
+          </a:xfrm>
+          <a:prstGeom prst="rect">
+            <a:avLst/>
+          </a:prstGeom>
+          <a:ln>
+            <a:noFill/>
+          </a:ln>
+        </p:spPr>
+        <p:style>
+          <a:lnRef idx="2">
+            <a:schemeClr val="accent1">
+              <a:shade val="50000"/>
+            </a:schemeClr>
+          </a:lnRef>
+          <a:fillRef idx="1">
+            <a:schemeClr val="accent1"/>
+          </a:fillRef>
+          <a:effectRef idx="0">
+            <a:schemeClr val="accent1"/>
+          </a:effectRef>
+          <a:fontRef idx="minor">
+            <a:schemeClr val="lt1"/>
+          </a:fontRef>
+        </p:style>
+        <p:txBody>
+          <a:bodyPr rtlCol="0" anchor="ctr"/>
+          <a:lstStyle/>
+          <a:p>
+            <a:pPr algn="ctr"/>
+            <a:endParaRPr lang="en-US"/>
+          </a:p>
+        </p:txBody>
+      </p:sp>
       <p:sp>
         <p:nvSpPr>
           <p:cNvPr id="2" name="Title 1">
@@ -5601,13 +7261,20 @@
             <p:ph type="title"/>
           </p:nvPr>
         </p:nvSpPr>
-        <p:spPr/>
-        <p:txBody>
-          <a:bodyPr/>
-          <a:lstStyle/>
-          <a:p>
-            <a:r>
-              <a:rPr lang="en-US" dirty="0"/>
+        <p:spPr>
+          <a:xfrm>
+            <a:off x="640080" y="325369"/>
+            <a:ext cx="4368602" cy="1956841"/>
+          </a:xfrm>
+        </p:spPr>
+        <p:txBody>
+          <a:bodyPr anchor="b">
+            <a:normAutofit/>
+          </a:bodyPr>
+          <a:lstStyle/>
+          <a:p>
+            <a:r>
+              <a:rPr lang="en-US" sz="5400"/>
               <a:t>Conclusion</a:t>
             </a:r>
           </a:p>
@@ -5615,6 +7282,289 @@
       </p:sp>
       <p:sp>
         <p:nvSpPr>
+          <p:cNvPr id="11" name="sketchy line">
+            <a:extLst>
+              <a:ext uri="{FF2B5EF4-FFF2-40B4-BE49-F238E27FC236}">
+                <a16:creationId xmlns:a16="http://schemas.microsoft.com/office/drawing/2014/main" id="{D4974D33-8DC5-464E-8C6D-BE58F0669C17}"/>
+              </a:ext>
+              <a:ext uri="{C183D7F6-B498-43B3-948B-1728B52AA6E4}">
+                <adec:decorative xmlns:adec="http://schemas.microsoft.com/office/drawing/2017/decorative" val="1"/>
+              </a:ext>
+            </a:extLst>
+          </p:cNvPr>
+          <p:cNvSpPr>
+            <a:spLocks noGrp="1" noRot="1" noChangeAspect="1" noMove="1" noResize="1" noEditPoints="1" noAdjustHandles="1" noChangeArrowheads="1" noChangeShapeType="1" noTextEdit="1"/>
+          </p:cNvSpPr>
+          <p:nvPr>
+            <p:extLst>
+              <p:ext uri="{386F3935-93C4-4BCD-93E2-E3B085C9AB24}">
+                <p16:designElem xmlns:p16="http://schemas.microsoft.com/office/powerpoint/2015/main" val="1"/>
+              </p:ext>
+            </p:extLst>
+          </p:nvPr>
+        </p:nvSpPr>
+        <p:spPr>
+          <a:xfrm>
+            <a:off x="640080" y="2586994"/>
+            <a:ext cx="3474720" cy="18288"/>
+          </a:xfrm>
+          <a:custGeom>
+            <a:avLst/>
+            <a:gdLst>
+              <a:gd name="connsiteX0" fmla="*/ 0 w 3474720"/>
+              <a:gd name="connsiteY0" fmla="*/ 0 h 18288"/>
+              <a:gd name="connsiteX1" fmla="*/ 694944 w 3474720"/>
+              <a:gd name="connsiteY1" fmla="*/ 0 h 18288"/>
+              <a:gd name="connsiteX2" fmla="*/ 1355141 w 3474720"/>
+              <a:gd name="connsiteY2" fmla="*/ 0 h 18288"/>
+              <a:gd name="connsiteX3" fmla="*/ 2015338 w 3474720"/>
+              <a:gd name="connsiteY3" fmla="*/ 0 h 18288"/>
+              <a:gd name="connsiteX4" fmla="*/ 2779776 w 3474720"/>
+              <a:gd name="connsiteY4" fmla="*/ 0 h 18288"/>
+              <a:gd name="connsiteX5" fmla="*/ 3474720 w 3474720"/>
+              <a:gd name="connsiteY5" fmla="*/ 0 h 18288"/>
+              <a:gd name="connsiteX6" fmla="*/ 3474720 w 3474720"/>
+              <a:gd name="connsiteY6" fmla="*/ 18288 h 18288"/>
+              <a:gd name="connsiteX7" fmla="*/ 2779776 w 3474720"/>
+              <a:gd name="connsiteY7" fmla="*/ 18288 h 18288"/>
+              <a:gd name="connsiteX8" fmla="*/ 2189074 w 3474720"/>
+              <a:gd name="connsiteY8" fmla="*/ 18288 h 18288"/>
+              <a:gd name="connsiteX9" fmla="*/ 1528877 w 3474720"/>
+              <a:gd name="connsiteY9" fmla="*/ 18288 h 18288"/>
+              <a:gd name="connsiteX10" fmla="*/ 868680 w 3474720"/>
+              <a:gd name="connsiteY10" fmla="*/ 18288 h 18288"/>
+              <a:gd name="connsiteX11" fmla="*/ 0 w 3474720"/>
+              <a:gd name="connsiteY11" fmla="*/ 18288 h 18288"/>
+              <a:gd name="connsiteX12" fmla="*/ 0 w 3474720"/>
+              <a:gd name="connsiteY12" fmla="*/ 0 h 18288"/>
+            </a:gdLst>
+            <a:ahLst/>
+            <a:cxnLst>
+              <a:cxn ang="0">
+                <a:pos x="connsiteX0" y="connsiteY0"/>
+              </a:cxn>
+              <a:cxn ang="0">
+                <a:pos x="connsiteX1" y="connsiteY1"/>
+              </a:cxn>
+              <a:cxn ang="0">
+                <a:pos x="connsiteX2" y="connsiteY2"/>
+              </a:cxn>
+              <a:cxn ang="0">
+                <a:pos x="connsiteX3" y="connsiteY3"/>
+              </a:cxn>
+              <a:cxn ang="0">
+                <a:pos x="connsiteX4" y="connsiteY4"/>
+              </a:cxn>
+              <a:cxn ang="0">
+                <a:pos x="connsiteX5" y="connsiteY5"/>
+              </a:cxn>
+              <a:cxn ang="0">
+                <a:pos x="connsiteX6" y="connsiteY6"/>
+              </a:cxn>
+              <a:cxn ang="0">
+                <a:pos x="connsiteX7" y="connsiteY7"/>
+              </a:cxn>
+              <a:cxn ang="0">
+                <a:pos x="connsiteX8" y="connsiteY8"/>
+              </a:cxn>
+              <a:cxn ang="0">
+                <a:pos x="connsiteX9" y="connsiteY9"/>
+              </a:cxn>
+              <a:cxn ang="0">
+                <a:pos x="connsiteX10" y="connsiteY10"/>
+              </a:cxn>
+              <a:cxn ang="0">
+                <a:pos x="connsiteX11" y="connsiteY11"/>
+              </a:cxn>
+              <a:cxn ang="0">
+                <a:pos x="connsiteX12" y="connsiteY12"/>
+              </a:cxn>
+            </a:cxnLst>
+            <a:rect l="l" t="t" r="r" b="b"/>
+            <a:pathLst>
+              <a:path w="3474720" h="18288" fill="none" extrusionOk="0">
+                <a:moveTo>
+                  <a:pt x="0" y="0"/>
+                </a:moveTo>
+                <a:cubicBezTo>
+                  <a:pt x="224454" y="-14544"/>
+                  <a:pt x="495407" y="26540"/>
+                  <a:pt x="694944" y="0"/>
+                </a:cubicBezTo>
+                <a:cubicBezTo>
+                  <a:pt x="894481" y="-26540"/>
+                  <a:pt x="1130063" y="24713"/>
+                  <a:pt x="1355141" y="0"/>
+                </a:cubicBezTo>
+                <a:cubicBezTo>
+                  <a:pt x="1580219" y="-24713"/>
+                  <a:pt x="1820099" y="26695"/>
+                  <a:pt x="2015338" y="0"/>
+                </a:cubicBezTo>
+                <a:cubicBezTo>
+                  <a:pt x="2210577" y="-26695"/>
+                  <a:pt x="2402045" y="165"/>
+                  <a:pt x="2779776" y="0"/>
+                </a:cubicBezTo>
+                <a:cubicBezTo>
+                  <a:pt x="3157507" y="-165"/>
+                  <a:pt x="3286859" y="-15571"/>
+                  <a:pt x="3474720" y="0"/>
+                </a:cubicBezTo>
+                <a:cubicBezTo>
+                  <a:pt x="3474286" y="7551"/>
+                  <a:pt x="3474253" y="9822"/>
+                  <a:pt x="3474720" y="18288"/>
+                </a:cubicBezTo>
+                <a:cubicBezTo>
+                  <a:pt x="3233904" y="29845"/>
+                  <a:pt x="2945134" y="-5256"/>
+                  <a:pt x="2779776" y="18288"/>
+                </a:cubicBezTo>
+                <a:cubicBezTo>
+                  <a:pt x="2614418" y="41832"/>
+                  <a:pt x="2339768" y="22709"/>
+                  <a:pt x="2189074" y="18288"/>
+                </a:cubicBezTo>
+                <a:cubicBezTo>
+                  <a:pt x="2038380" y="13867"/>
+                  <a:pt x="1817434" y="-4947"/>
+                  <a:pt x="1528877" y="18288"/>
+                </a:cubicBezTo>
+                <a:cubicBezTo>
+                  <a:pt x="1240320" y="41523"/>
+                  <a:pt x="1042447" y="37198"/>
+                  <a:pt x="868680" y="18288"/>
+                </a:cubicBezTo>
+                <a:cubicBezTo>
+                  <a:pt x="694913" y="-622"/>
+                  <a:pt x="233232" y="44909"/>
+                  <a:pt x="0" y="18288"/>
+                </a:cubicBezTo>
+                <a:cubicBezTo>
+                  <a:pt x="60" y="11696"/>
+                  <a:pt x="66" y="3758"/>
+                  <a:pt x="0" y="0"/>
+                </a:cubicBezTo>
+                <a:close/>
+              </a:path>
+              <a:path w="3474720" h="18288" stroke="0" extrusionOk="0">
+                <a:moveTo>
+                  <a:pt x="0" y="0"/>
+                </a:moveTo>
+                <a:cubicBezTo>
+                  <a:pt x="202328" y="-14716"/>
+                  <a:pt x="332722" y="-11499"/>
+                  <a:pt x="625450" y="0"/>
+                </a:cubicBezTo>
+                <a:cubicBezTo>
+                  <a:pt x="918178" y="11499"/>
+                  <a:pt x="1096688" y="5123"/>
+                  <a:pt x="1389888" y="0"/>
+                </a:cubicBezTo>
+                <a:cubicBezTo>
+                  <a:pt x="1683088" y="-5123"/>
+                  <a:pt x="1835981" y="-14038"/>
+                  <a:pt x="1980590" y="0"/>
+                </a:cubicBezTo>
+                <a:cubicBezTo>
+                  <a:pt x="2125199" y="14038"/>
+                  <a:pt x="2396099" y="-7203"/>
+                  <a:pt x="2571293" y="0"/>
+                </a:cubicBezTo>
+                <a:cubicBezTo>
+                  <a:pt x="2746487" y="7203"/>
+                  <a:pt x="3041609" y="-12036"/>
+                  <a:pt x="3474720" y="0"/>
+                </a:cubicBezTo>
+                <a:cubicBezTo>
+                  <a:pt x="3474638" y="4406"/>
+                  <a:pt x="3474631" y="9982"/>
+                  <a:pt x="3474720" y="18288"/>
+                </a:cubicBezTo>
+                <a:cubicBezTo>
+                  <a:pt x="3324873" y="21876"/>
+                  <a:pt x="3136771" y="12587"/>
+                  <a:pt x="2814523" y="18288"/>
+                </a:cubicBezTo>
+                <a:cubicBezTo>
+                  <a:pt x="2492275" y="23989"/>
+                  <a:pt x="2294402" y="47111"/>
+                  <a:pt x="2154326" y="18288"/>
+                </a:cubicBezTo>
+                <a:cubicBezTo>
+                  <a:pt x="2014250" y="-10535"/>
+                  <a:pt x="1820317" y="33903"/>
+                  <a:pt x="1494130" y="18288"/>
+                </a:cubicBezTo>
+                <a:cubicBezTo>
+                  <a:pt x="1167943" y="2673"/>
+                  <a:pt x="948432" y="14868"/>
+                  <a:pt x="729691" y="18288"/>
+                </a:cubicBezTo>
+                <a:cubicBezTo>
+                  <a:pt x="510950" y="21708"/>
+                  <a:pt x="264032" y="24354"/>
+                  <a:pt x="0" y="18288"/>
+                </a:cubicBezTo>
+                <a:cubicBezTo>
+                  <a:pt x="189" y="14288"/>
+                  <a:pt x="-703" y="3747"/>
+                  <a:pt x="0" y="0"/>
+                </a:cubicBezTo>
+                <a:close/>
+              </a:path>
+            </a:pathLst>
+          </a:custGeom>
+          <a:solidFill>
+            <a:schemeClr val="accent2"/>
+          </a:solidFill>
+          <a:ln w="44450" cap="rnd">
+            <a:solidFill>
+              <a:schemeClr val="accent2"/>
+            </a:solidFill>
+            <a:round/>
+            <a:extLst>
+              <a:ext uri="{C807C97D-BFC1-408E-A445-0C87EB9F89A2}">
+                <ask:lineSketchStyleProps xmlns:ask="http://schemas.microsoft.com/office/drawing/2018/sketchyshapes" sd="2863741219">
+                  <a:prstGeom prst="rect">
+                    <a:avLst/>
+                  </a:prstGeom>
+                  <ask:type>
+                    <ask:lineSketchFreehand/>
+                  </ask:type>
+                </ask:lineSketchStyleProps>
+              </a:ext>
+            </a:extLst>
+          </a:ln>
+        </p:spPr>
+        <p:style>
+          <a:lnRef idx="2">
+            <a:schemeClr val="accent1">
+              <a:shade val="50000"/>
+            </a:schemeClr>
+          </a:lnRef>
+          <a:fillRef idx="1">
+            <a:schemeClr val="accent1"/>
+          </a:fillRef>
+          <a:effectRef idx="0">
+            <a:schemeClr val="accent1"/>
+          </a:effectRef>
+          <a:fontRef idx="minor">
+            <a:schemeClr val="lt1"/>
+          </a:fontRef>
+        </p:style>
+        <p:txBody>
+          <a:bodyPr rtlCol="0" anchor="ctr"/>
+          <a:lstStyle/>
+          <a:p>
+            <a:pPr algn="ctr"/>
+            <a:endParaRPr lang="en-US"/>
+          </a:p>
+        </p:txBody>
+      </p:sp>
+      <p:sp>
+        <p:nvSpPr>
           <p:cNvPr id="3" name="Content Placeholder 2">
             <a:extLst>
               <a:ext uri="{FF2B5EF4-FFF2-40B4-BE49-F238E27FC236}">
@@ -5629,42 +7579,219 @@
             <p:ph idx="1"/>
           </p:nvPr>
         </p:nvSpPr>
-        <p:spPr/>
-        <p:txBody>
-          <a:bodyPr/>
-          <a:lstStyle/>
-          <a:p>
-            <a:r>
-              <a:rPr lang="en-US" dirty="0"/>
+        <p:spPr>
+          <a:xfrm>
+            <a:off x="640080" y="2872899"/>
+            <a:ext cx="4243589" cy="3320668"/>
+          </a:xfrm>
+        </p:spPr>
+        <p:txBody>
+          <a:bodyPr>
+            <a:normAutofit/>
+          </a:bodyPr>
+          <a:lstStyle/>
+          <a:p>
+            <a:r>
+              <a:rPr lang="en-US" sz="2200"/>
               <a:t>Why is the Random Forest Approach so good?</a:t>
             </a:r>
           </a:p>
           <a:p>
-            <a:endParaRPr lang="en-US" dirty="0"/>
-          </a:p>
-          <a:p>
-            <a:r>
-              <a:rPr lang="en-US" dirty="0"/>
+            <a:endParaRPr lang="en-US" sz="2200"/>
+          </a:p>
+          <a:p>
+            <a:r>
+              <a:rPr lang="en-US" sz="2200"/>
               <a:t>What is the fiscal data behind the implementation</a:t>
             </a:r>
           </a:p>
           <a:p>
-            <a:endParaRPr lang="en-US" dirty="0"/>
-          </a:p>
-          <a:p>
-            <a:r>
-              <a:rPr lang="en-US" dirty="0"/>
+            <a:endParaRPr lang="en-US" sz="2200"/>
+          </a:p>
+          <a:p>
+            <a:r>
+              <a:rPr lang="en-US" sz="2200"/>
               <a:t>Immediate steps to take</a:t>
             </a:r>
           </a:p>
           <a:p>
-            <a:endParaRPr lang="en-US" dirty="0"/>
+            <a:endParaRPr lang="en-US" sz="2200"/>
           </a:p>
           <a:p>
             <a:pPr marL="0" indent="0">
               <a:buNone/>
             </a:pPr>
-            <a:endParaRPr lang="en-US" dirty="0"/>
+            <a:endParaRPr lang="en-US" sz="2200"/>
+          </a:p>
+        </p:txBody>
+      </p:sp>
+      <p:pic>
+        <p:nvPicPr>
+          <p:cNvPr id="5" name="Picture 4" descr="Light bulb on yellow background with sketched light beams and cord">
+            <a:extLst>
+              <a:ext uri="{FF2B5EF4-FFF2-40B4-BE49-F238E27FC236}">
+                <a16:creationId xmlns:a16="http://schemas.microsoft.com/office/drawing/2014/main" id="{6D655FB2-330C-F928-AD3B-D5D60F9C5CE4}"/>
+              </a:ext>
+            </a:extLst>
+          </p:cNvPr>
+          <p:cNvPicPr>
+            <a:picLocks noChangeAspect="1"/>
+          </p:cNvPicPr>
+          <p:nvPr/>
+        </p:nvPicPr>
+        <p:blipFill rotWithShape="1">
+          <a:blip r:embed="rId2"/>
+          <a:srcRect l="38314"/>
+          <a:stretch/>
+        </p:blipFill>
+        <p:spPr>
+          <a:xfrm>
+            <a:off x="5311702" y="10"/>
+            <a:ext cx="6878775" cy="6857990"/>
+          </a:xfrm>
+          <a:custGeom>
+            <a:avLst/>
+            <a:gdLst/>
+            <a:ahLst/>
+            <a:cxnLst/>
+            <a:rect l="l" t="t" r="r" b="b"/>
+            <a:pathLst>
+              <a:path w="6878775" h="6858000">
+                <a:moveTo>
+                  <a:pt x="1102973" y="0"/>
+                </a:moveTo>
+                <a:lnTo>
+                  <a:pt x="1160688" y="0"/>
+                </a:lnTo>
+                <a:lnTo>
+                  <a:pt x="983189" y="331786"/>
+                </a:lnTo>
+                <a:cubicBezTo>
+                  <a:pt x="914866" y="469145"/>
+                  <a:pt x="850355" y="608712"/>
+                  <a:pt x="789261" y="750263"/>
+                </a:cubicBezTo>
+                <a:cubicBezTo>
+                  <a:pt x="774307" y="784928"/>
+                  <a:pt x="759992" y="819849"/>
+                  <a:pt x="745295" y="854514"/>
+                </a:cubicBezTo>
+                <a:cubicBezTo>
+                  <a:pt x="756682" y="845393"/>
+                  <a:pt x="765489" y="833492"/>
+                  <a:pt x="770857" y="819975"/>
+                </a:cubicBezTo>
+                <a:cubicBezTo>
+                  <a:pt x="879943" y="589569"/>
+                  <a:pt x="999605" y="365513"/>
+                  <a:pt x="1131329" y="148742"/>
+                </a:cubicBezTo>
+                <a:lnTo>
+                  <a:pt x="1227589" y="0"/>
+                </a:lnTo>
+                <a:lnTo>
+                  <a:pt x="6878775" y="0"/>
+                </a:lnTo>
+                <a:lnTo>
+                  <a:pt x="6878775" y="6858000"/>
+                </a:lnTo>
+                <a:lnTo>
+                  <a:pt x="713521" y="6858000"/>
+                </a:lnTo>
+                <a:lnTo>
+                  <a:pt x="625642" y="6670527"/>
+                </a:lnTo>
+                <a:cubicBezTo>
+                  <a:pt x="507232" y="6398531"/>
+                  <a:pt x="403083" y="6118381"/>
+                  <a:pt x="312785" y="5830359"/>
+                </a:cubicBezTo>
+                <a:cubicBezTo>
+                  <a:pt x="278149" y="5719759"/>
+                  <a:pt x="248879" y="5607635"/>
+                  <a:pt x="212198" y="5480401"/>
+                </a:cubicBezTo>
+                <a:cubicBezTo>
+                  <a:pt x="212208" y="5491601"/>
+                  <a:pt x="212803" y="5502788"/>
+                  <a:pt x="213988" y="5513923"/>
+                </a:cubicBezTo>
+                <a:cubicBezTo>
+                  <a:pt x="264089" y="5723695"/>
+                  <a:pt x="307290" y="5935370"/>
+                  <a:pt x="365826" y="6142729"/>
+                </a:cubicBezTo>
+                <a:cubicBezTo>
+                  <a:pt x="433152" y="6380817"/>
+                  <a:pt x="510068" y="6614016"/>
+                  <a:pt x="597975" y="6841549"/>
+                </a:cubicBezTo>
+                <a:lnTo>
+                  <a:pt x="604824" y="6858000"/>
+                </a:lnTo>
+                <a:lnTo>
+                  <a:pt x="552056" y="6858000"/>
+                </a:lnTo>
+                <a:lnTo>
+                  <a:pt x="539576" y="6828295"/>
+                </a:lnTo>
+                <a:cubicBezTo>
+                  <a:pt x="380597" y="6414594"/>
+                  <a:pt x="260223" y="5988893"/>
+                  <a:pt x="171555" y="5552906"/>
+                </a:cubicBezTo>
+                <a:cubicBezTo>
+                  <a:pt x="91163" y="5157998"/>
+                  <a:pt x="43746" y="4758899"/>
+                  <a:pt x="12305" y="4357388"/>
+                </a:cubicBezTo>
+                <a:cubicBezTo>
+                  <a:pt x="-14281" y="4013908"/>
+                  <a:pt x="4507" y="3672965"/>
+                  <a:pt x="46684" y="3331516"/>
+                </a:cubicBezTo>
+                <a:cubicBezTo>
+                  <a:pt x="127203" y="2664286"/>
+                  <a:pt x="277819" y="2007265"/>
+                  <a:pt x="496065" y="1371196"/>
+                </a:cubicBezTo>
+                <a:cubicBezTo>
+                  <a:pt x="636273" y="966066"/>
+                  <a:pt x="800445" y="573253"/>
+                  <a:pt x="995723" y="196614"/>
+                </a:cubicBezTo>
+                <a:close/>
+              </a:path>
+            </a:pathLst>
+          </a:custGeom>
+        </p:spPr>
+      </p:pic>
+      <p:sp>
+        <p:nvSpPr>
+          <p:cNvPr id="4" name="Slide Number Placeholder 3">
+            <a:extLst>
+              <a:ext uri="{FF2B5EF4-FFF2-40B4-BE49-F238E27FC236}">
+                <a16:creationId xmlns:a16="http://schemas.microsoft.com/office/drawing/2014/main" id="{B192EA72-C9AA-1ED7-D0B9-3408039A5616}"/>
+              </a:ext>
+            </a:extLst>
+          </p:cNvPr>
+          <p:cNvSpPr>
+            <a:spLocks noGrp="1"/>
+          </p:cNvSpPr>
+          <p:nvPr>
+            <p:ph type="sldNum" sz="quarter" idx="12"/>
+          </p:nvPr>
+        </p:nvSpPr>
+        <p:spPr/>
+        <p:txBody>
+          <a:bodyPr/>
+          <a:lstStyle/>
+          <a:p>
+            <a:fld id="{39A20723-651D-48A4-8FEE-1D20624DC0CE}" type="slidenum">
+              <a:rPr lang="en-US" smtClean="0"/>
+              <a:t>9</a:t>
+            </a:fld>
+            <a:endParaRPr lang="en-US"/>
           </a:p>
         </p:txBody>
       </p:sp>
@@ -5974,4 +8101,299 @@
     </a:ext>
   </a:extLst>
 </a:theme>
+</file>
+
+<file path=ppt/theme/theme2.xml><?xml version="1.0" encoding="utf-8"?>
+<a:theme xmlns:a="http://schemas.openxmlformats.org/drawingml/2006/main" name="Office Theme">
+  <a:themeElements>
+    <a:clrScheme name="Office">
+      <a:dk1>
+        <a:sysClr val="windowText" lastClr="000000"/>
+      </a:dk1>
+      <a:lt1>
+        <a:sysClr val="window" lastClr="FFFFFF"/>
+      </a:lt1>
+      <a:dk2>
+        <a:srgbClr val="44546A"/>
+      </a:dk2>
+      <a:lt2>
+        <a:srgbClr val="E7E6E6"/>
+      </a:lt2>
+      <a:accent1>
+        <a:srgbClr val="4472C4"/>
+      </a:accent1>
+      <a:accent2>
+        <a:srgbClr val="ED7D31"/>
+      </a:accent2>
+      <a:accent3>
+        <a:srgbClr val="A5A5A5"/>
+      </a:accent3>
+      <a:accent4>
+        <a:srgbClr val="FFC000"/>
+      </a:accent4>
+      <a:accent5>
+        <a:srgbClr val="5B9BD5"/>
+      </a:accent5>
+      <a:accent6>
+        <a:srgbClr val="70AD47"/>
+      </a:accent6>
+      <a:hlink>
+        <a:srgbClr val="0563C1"/>
+      </a:hlink>
+      <a:folHlink>
+        <a:srgbClr val="954F72"/>
+      </a:folHlink>
+    </a:clrScheme>
+    <a:fontScheme name="Office">
+      <a:majorFont>
+        <a:latin typeface="Calibri Light" panose="020F0302020204030204"/>
+        <a:ea typeface=""/>
+        <a:cs typeface=""/>
+        <a:font script="Jpan" typeface="游ゴシック Light"/>
+        <a:font script="Hang" typeface="맑은 고딕"/>
+        <a:font script="Hans" typeface="等线 Light"/>
+        <a:font script="Hant" typeface="新細明體"/>
+        <a:font script="Arab" typeface="Times New Roman"/>
+        <a:font script="Hebr" typeface="Times New Roman"/>
+        <a:font script="Thai" typeface="Angsana New"/>
+        <a:font script="Ethi" typeface="Nyala"/>
+        <a:font script="Beng" typeface="Vrinda"/>
+        <a:font script="Gujr" typeface="Shruti"/>
+        <a:font script="Khmr" typeface="MoolBoran"/>
+        <a:font script="Knda" typeface="Tunga"/>
+        <a:font script="Guru" typeface="Raavi"/>
+        <a:font script="Cans" typeface="Euphemia"/>
+        <a:font script="Cher" typeface="Plantagenet Cherokee"/>
+        <a:font script="Yiii" typeface="Microsoft Yi Baiti"/>
+        <a:font script="Tibt" typeface="Microsoft Himalaya"/>
+        <a:font script="Thaa" typeface="MV Boli"/>
+        <a:font script="Deva" typeface="Mangal"/>
+        <a:font script="Telu" typeface="Gautami"/>
+        <a:font script="Taml" typeface="Latha"/>
+        <a:font script="Syrc" typeface="Estrangelo Edessa"/>
+        <a:font script="Orya" typeface="Kalinga"/>
+        <a:font script="Mlym" typeface="Kartika"/>
+        <a:font script="Laoo" typeface="DokChampa"/>
+        <a:font script="Sinh" typeface="Iskoola Pota"/>
+        <a:font script="Mong" typeface="Mongolian Baiti"/>
+        <a:font script="Viet" typeface="Times New Roman"/>
+        <a:font script="Uigh" typeface="Microsoft Uighur"/>
+        <a:font script="Geor" typeface="Sylfaen"/>
+        <a:font script="Armn" typeface="Arial"/>
+        <a:font script="Bugi" typeface="Leelawadee UI"/>
+        <a:font script="Bopo" typeface="Microsoft JhengHei"/>
+        <a:font script="Java" typeface="Javanese Text"/>
+        <a:font script="Lisu" typeface="Segoe UI"/>
+        <a:font script="Mymr" typeface="Myanmar Text"/>
+        <a:font script="Nkoo" typeface="Ebrima"/>
+        <a:font script="Olck" typeface="Nirmala UI"/>
+        <a:font script="Osma" typeface="Ebrima"/>
+        <a:font script="Phag" typeface="Phagspa"/>
+        <a:font script="Syrn" typeface="Estrangelo Edessa"/>
+        <a:font script="Syrj" typeface="Estrangelo Edessa"/>
+        <a:font script="Syre" typeface="Estrangelo Edessa"/>
+        <a:font script="Sora" typeface="Nirmala UI"/>
+        <a:font script="Tale" typeface="Microsoft Tai Le"/>
+        <a:font script="Talu" typeface="Microsoft New Tai Lue"/>
+        <a:font script="Tfng" typeface="Ebrima"/>
+      </a:majorFont>
+      <a:minorFont>
+        <a:latin typeface="Calibri" panose="020F0502020204030204"/>
+        <a:ea typeface=""/>
+        <a:cs typeface=""/>
+        <a:font script="Jpan" typeface="游ゴシック"/>
+        <a:font script="Hang" typeface="맑은 고딕"/>
+        <a:font script="Hans" typeface="等线"/>
+        <a:font script="Hant" typeface="新細明體"/>
+        <a:font script="Arab" typeface="Arial"/>
+        <a:font script="Hebr" typeface="Arial"/>
+        <a:font script="Thai" typeface="Cordia New"/>
+        <a:font script="Ethi" typeface="Nyala"/>
+        <a:font script="Beng" typeface="Vrinda"/>
+        <a:font script="Gujr" typeface="Shruti"/>
+        <a:font script="Khmr" typeface="DaunPenh"/>
+        <a:font script="Knda" typeface="Tunga"/>
+        <a:font script="Guru" typeface="Raavi"/>
+        <a:font script="Cans" typeface="Euphemia"/>
+        <a:font script="Cher" typeface="Plantagenet Cherokee"/>
+        <a:font script="Yiii" typeface="Microsoft Yi Baiti"/>
+        <a:font script="Tibt" typeface="Microsoft Himalaya"/>
+        <a:font script="Thaa" typeface="MV Boli"/>
+        <a:font script="Deva" typeface="Mangal"/>
+        <a:font script="Telu" typeface="Gautami"/>
+        <a:font script="Taml" typeface="Latha"/>
+        <a:font script="Syrc" typeface="Estrangelo Edessa"/>
+        <a:font script="Orya" typeface="Kalinga"/>
+        <a:font script="Mlym" typeface="Kartika"/>
+        <a:font script="Laoo" typeface="DokChampa"/>
+        <a:font script="Sinh" typeface="Iskoola Pota"/>
+        <a:font script="Mong" typeface="Mongolian Baiti"/>
+        <a:font script="Viet" typeface="Arial"/>
+        <a:font script="Uigh" typeface="Microsoft Uighur"/>
+        <a:font script="Geor" typeface="Sylfaen"/>
+        <a:font script="Armn" typeface="Arial"/>
+        <a:font script="Bugi" typeface="Leelawadee UI"/>
+        <a:font script="Bopo" typeface="Microsoft JhengHei"/>
+        <a:font script="Java" typeface="Javanese Text"/>
+        <a:font script="Lisu" typeface="Segoe UI"/>
+        <a:font script="Mymr" typeface="Myanmar Text"/>
+        <a:font script="Nkoo" typeface="Ebrima"/>
+        <a:font script="Olck" typeface="Nirmala UI"/>
+        <a:font script="Osma" typeface="Ebrima"/>
+        <a:font script="Phag" typeface="Phagspa"/>
+        <a:font script="Syrn" typeface="Estrangelo Edessa"/>
+        <a:font script="Syrj" typeface="Estrangelo Edessa"/>
+        <a:font script="Syre" typeface="Estrangelo Edessa"/>
+        <a:font script="Sora" typeface="Nirmala UI"/>
+        <a:font script="Tale" typeface="Microsoft Tai Le"/>
+        <a:font script="Talu" typeface="Microsoft New Tai Lue"/>
+        <a:font script="Tfng" typeface="Ebrima"/>
+      </a:minorFont>
+    </a:fontScheme>
+    <a:fmtScheme name="Office">
+      <a:fillStyleLst>
+        <a:solidFill>
+          <a:schemeClr val="phClr"/>
+        </a:solidFill>
+        <a:gradFill rotWithShape="1">
+          <a:gsLst>
+            <a:gs pos="0">
+              <a:schemeClr val="phClr">
+                <a:lumMod val="110000"/>
+                <a:satMod val="105000"/>
+                <a:tint val="67000"/>
+              </a:schemeClr>
+            </a:gs>
+            <a:gs pos="50000">
+              <a:schemeClr val="phClr">
+                <a:lumMod val="105000"/>
+                <a:satMod val="103000"/>
+                <a:tint val="73000"/>
+              </a:schemeClr>
+            </a:gs>
+            <a:gs pos="100000">
+              <a:schemeClr val="phClr">
+                <a:lumMod val="105000"/>
+                <a:satMod val="109000"/>
+                <a:tint val="81000"/>
+              </a:schemeClr>
+            </a:gs>
+          </a:gsLst>
+          <a:lin ang="5400000" scaled="0"/>
+        </a:gradFill>
+        <a:gradFill rotWithShape="1">
+          <a:gsLst>
+            <a:gs pos="0">
+              <a:schemeClr val="phClr">
+                <a:satMod val="103000"/>
+                <a:lumMod val="102000"/>
+                <a:tint val="94000"/>
+              </a:schemeClr>
+            </a:gs>
+            <a:gs pos="50000">
+              <a:schemeClr val="phClr">
+                <a:satMod val="110000"/>
+                <a:lumMod val="100000"/>
+                <a:shade val="100000"/>
+              </a:schemeClr>
+            </a:gs>
+            <a:gs pos="100000">
+              <a:schemeClr val="phClr">
+                <a:lumMod val="99000"/>
+                <a:satMod val="120000"/>
+                <a:shade val="78000"/>
+              </a:schemeClr>
+            </a:gs>
+          </a:gsLst>
+          <a:lin ang="5400000" scaled="0"/>
+        </a:gradFill>
+      </a:fillStyleLst>
+      <a:lnStyleLst>
+        <a:ln w="6350" cap="flat" cmpd="sng" algn="ctr">
+          <a:solidFill>
+            <a:schemeClr val="phClr"/>
+          </a:solidFill>
+          <a:prstDash val="solid"/>
+          <a:miter lim="800000"/>
+        </a:ln>
+        <a:ln w="12700" cap="flat" cmpd="sng" algn="ctr">
+          <a:solidFill>
+            <a:schemeClr val="phClr"/>
+          </a:solidFill>
+          <a:prstDash val="solid"/>
+          <a:miter lim="800000"/>
+        </a:ln>
+        <a:ln w="19050" cap="flat" cmpd="sng" algn="ctr">
+          <a:solidFill>
+            <a:schemeClr val="phClr"/>
+          </a:solidFill>
+          <a:prstDash val="solid"/>
+          <a:miter lim="800000"/>
+        </a:ln>
+      </a:lnStyleLst>
+      <a:effectStyleLst>
+        <a:effectStyle>
+          <a:effectLst/>
+        </a:effectStyle>
+        <a:effectStyle>
+          <a:effectLst/>
+        </a:effectStyle>
+        <a:effectStyle>
+          <a:effectLst>
+            <a:outerShdw blurRad="57150" dist="19050" dir="5400000" algn="ctr" rotWithShape="0">
+              <a:srgbClr val="000000">
+                <a:alpha val="63000"/>
+              </a:srgbClr>
+            </a:outerShdw>
+          </a:effectLst>
+        </a:effectStyle>
+      </a:effectStyleLst>
+      <a:bgFillStyleLst>
+        <a:solidFill>
+          <a:schemeClr val="phClr"/>
+        </a:solidFill>
+        <a:solidFill>
+          <a:schemeClr val="phClr">
+            <a:tint val="95000"/>
+            <a:satMod val="170000"/>
+          </a:schemeClr>
+        </a:solidFill>
+        <a:gradFill rotWithShape="1">
+          <a:gsLst>
+            <a:gs pos="0">
+              <a:schemeClr val="phClr">
+                <a:tint val="93000"/>
+                <a:satMod val="150000"/>
+                <a:shade val="98000"/>
+                <a:lumMod val="102000"/>
+              </a:schemeClr>
+            </a:gs>
+            <a:gs pos="50000">
+              <a:schemeClr val="phClr">
+                <a:tint val="98000"/>
+                <a:satMod val="130000"/>
+                <a:shade val="90000"/>
+                <a:lumMod val="103000"/>
+              </a:schemeClr>
+            </a:gs>
+            <a:gs pos="100000">
+              <a:schemeClr val="phClr">
+                <a:shade val="63000"/>
+                <a:satMod val="120000"/>
+              </a:schemeClr>
+            </a:gs>
+          </a:gsLst>
+          <a:lin ang="5400000" scaled="0"/>
+        </a:gradFill>
+      </a:bgFillStyleLst>
+    </a:fmtScheme>
+  </a:themeElements>
+  <a:objectDefaults/>
+  <a:extraClrSchemeLst/>
+  <a:extLst>
+    <a:ext uri="{05A4C25C-085E-4340-85A3-A5531E510DB2}">
+      <thm15:themeFamily xmlns:thm15="http://schemas.microsoft.com/office/thememl/2012/main" name="Office Theme" id="{62F939B6-93AF-4DB8-9C6B-D6C7DFDC589F}" vid="{4A3C46E8-61CC-4603-A589-7422A47A8E4A}"/>
+    </a:ext>
+  </a:extLst>
+</a:theme>
 </file>